--- a/Calculomomentosdeinercia/Presentation1.pptx
+++ b/Calculomomentosdeinercia/Presentation1.pptx
@@ -5,31 +5,32 @@
     <p:sldMasterId id="2147483648" r:id="rId1"/>
   </p:sldMasterIdLst>
   <p:notesMasterIdLst>
-    <p:notesMasterId r:id="rId24"/>
+    <p:notesMasterId r:id="rId25"/>
   </p:notesMasterIdLst>
   <p:sldIdLst>
     <p:sldId id="256" r:id="rId2"/>
-    <p:sldId id="272" r:id="rId3"/>
-    <p:sldId id="275" r:id="rId4"/>
-    <p:sldId id="277" r:id="rId5"/>
-    <p:sldId id="276" r:id="rId6"/>
-    <p:sldId id="273" r:id="rId7"/>
-    <p:sldId id="274" r:id="rId8"/>
-    <p:sldId id="257" r:id="rId9"/>
-    <p:sldId id="258" r:id="rId10"/>
-    <p:sldId id="259" r:id="rId11"/>
-    <p:sldId id="261" r:id="rId12"/>
-    <p:sldId id="270" r:id="rId13"/>
-    <p:sldId id="267" r:id="rId14"/>
-    <p:sldId id="268" r:id="rId15"/>
-    <p:sldId id="269" r:id="rId16"/>
-    <p:sldId id="260" r:id="rId17"/>
-    <p:sldId id="266" r:id="rId18"/>
-    <p:sldId id="265" r:id="rId19"/>
-    <p:sldId id="262" r:id="rId20"/>
-    <p:sldId id="271" r:id="rId21"/>
-    <p:sldId id="263" r:id="rId22"/>
-    <p:sldId id="264" r:id="rId23"/>
+    <p:sldId id="278" r:id="rId3"/>
+    <p:sldId id="272" r:id="rId4"/>
+    <p:sldId id="275" r:id="rId5"/>
+    <p:sldId id="277" r:id="rId6"/>
+    <p:sldId id="276" r:id="rId7"/>
+    <p:sldId id="273" r:id="rId8"/>
+    <p:sldId id="274" r:id="rId9"/>
+    <p:sldId id="257" r:id="rId10"/>
+    <p:sldId id="258" r:id="rId11"/>
+    <p:sldId id="259" r:id="rId12"/>
+    <p:sldId id="261" r:id="rId13"/>
+    <p:sldId id="270" r:id="rId14"/>
+    <p:sldId id="267" r:id="rId15"/>
+    <p:sldId id="268" r:id="rId16"/>
+    <p:sldId id="269" r:id="rId17"/>
+    <p:sldId id="260" r:id="rId18"/>
+    <p:sldId id="266" r:id="rId19"/>
+    <p:sldId id="265" r:id="rId20"/>
+    <p:sldId id="262" r:id="rId21"/>
+    <p:sldId id="271" r:id="rId22"/>
+    <p:sldId id="263" r:id="rId23"/>
+    <p:sldId id="264" r:id="rId24"/>
   </p:sldIdLst>
   <p:sldSz cx="12192000" cy="6858000"/>
   <p:notesSz cx="6858000" cy="9144000"/>
@@ -218,7 +219,7 @@
           <a:p>
             <a:fld id="{67C5FB81-09B9-4ECA-B7CD-2BC608788191}" type="datetimeFigureOut">
               <a:rPr lang="es-ES" smtClean="0"/>
-              <a:t>24/04/2016</a:t>
+              <a:t>27/04/2020</a:t>
             </a:fld>
             <a:endParaRPr lang="es-ES"/>
           </a:p>
@@ -282,35 +283,35 @@
           <a:p>
             <a:pPr lvl="0"/>
             <a:r>
-              <a:rPr lang="en-US" smtClean="0"/>
+              <a:rPr lang="en-US"/>
               <a:t>Click to edit Master text styles</a:t>
             </a:r>
           </a:p>
           <a:p>
             <a:pPr lvl="1"/>
             <a:r>
-              <a:rPr lang="en-US" smtClean="0"/>
+              <a:rPr lang="en-US"/>
               <a:t>Second level</a:t>
             </a:r>
           </a:p>
           <a:p>
             <a:pPr lvl="2"/>
             <a:r>
-              <a:rPr lang="en-US" smtClean="0"/>
+              <a:rPr lang="en-US"/>
               <a:t>Third level</a:t>
             </a:r>
           </a:p>
           <a:p>
             <a:pPr lvl="3"/>
             <a:r>
-              <a:rPr lang="en-US" smtClean="0"/>
+              <a:rPr lang="en-US"/>
               <a:t>Fourth level</a:t>
             </a:r>
           </a:p>
           <a:p>
             <a:pPr lvl="4"/>
             <a:r>
-              <a:rPr lang="en-US" smtClean="0"/>
+              <a:rPr lang="en-US"/>
               <a:t>Fifth level</a:t>
             </a:r>
             <a:endParaRPr lang="es-ES"/>
@@ -377,7 +378,7 @@
           <a:p>
             <a:fld id="{00AE2DF6-0052-4BF7-B46A-1EF959796807}" type="slidenum">
               <a:rPr lang="es-ES" smtClean="0"/>
-              <a:t>‹#›</a:t>
+              <a:t>‹Nº›</a:t>
             </a:fld>
             <a:endParaRPr lang="es-ES"/>
           </a:p>
@@ -551,7 +552,7 @@
           <a:p>
             <a:fld id="{00AE2DF6-0052-4BF7-B46A-1EF959796807}" type="slidenum">
               <a:rPr lang="es-ES" smtClean="0"/>
-              <a:t>13</a:t>
+              <a:t>14</a:t>
             </a:fld>
             <a:endParaRPr lang="es-ES"/>
           </a:p>
@@ -612,7 +613,7 @@
           </a:lstStyle>
           <a:p>
             <a:r>
-              <a:rPr lang="en-US" smtClean="0"/>
+              <a:rPr lang="en-US"/>
               <a:t>Click to edit Master title style</a:t>
             </a:r>
             <a:endParaRPr lang="es-ES"/>
@@ -677,7 +678,7 @@
           </a:lstStyle>
           <a:p>
             <a:r>
-              <a:rPr lang="en-US" smtClean="0"/>
+              <a:rPr lang="en-US"/>
               <a:t>Click to edit Master subtitle style</a:t>
             </a:r>
             <a:endParaRPr lang="es-ES"/>
@@ -701,7 +702,7 @@
           <a:p>
             <a:fld id="{8FF76082-AC14-4F91-969F-E97991BA1A27}" type="datetimeFigureOut">
               <a:rPr lang="es-ES" smtClean="0"/>
-              <a:t>24/04/2016</a:t>
+              <a:t>27/04/2020</a:t>
             </a:fld>
             <a:endParaRPr lang="es-ES"/>
           </a:p>
@@ -743,7 +744,7 @@
           <a:p>
             <a:fld id="{36893C23-DD9A-49C6-8516-2E9C3F8AFB27}" type="slidenum">
               <a:rPr lang="es-ES" smtClean="0"/>
-              <a:t>‹#›</a:t>
+              <a:t>‹Nº›</a:t>
             </a:fld>
             <a:endParaRPr lang="es-ES"/>
           </a:p>
@@ -795,7 +796,7 @@
           <a:lstStyle/>
           <a:p>
             <a:r>
-              <a:rPr lang="en-US" smtClean="0"/>
+              <a:rPr lang="en-US"/>
               <a:t>Click to edit Master title style</a:t>
             </a:r>
             <a:endParaRPr lang="es-ES"/>
@@ -819,35 +820,35 @@
           <a:p>
             <a:pPr lvl="0"/>
             <a:r>
-              <a:rPr lang="en-US" smtClean="0"/>
+              <a:rPr lang="en-US"/>
               <a:t>Click to edit Master text styles</a:t>
             </a:r>
           </a:p>
           <a:p>
             <a:pPr lvl="1"/>
             <a:r>
-              <a:rPr lang="en-US" smtClean="0"/>
+              <a:rPr lang="en-US"/>
               <a:t>Second level</a:t>
             </a:r>
           </a:p>
           <a:p>
             <a:pPr lvl="2"/>
             <a:r>
-              <a:rPr lang="en-US" smtClean="0"/>
+              <a:rPr lang="en-US"/>
               <a:t>Third level</a:t>
             </a:r>
           </a:p>
           <a:p>
             <a:pPr lvl="3"/>
             <a:r>
-              <a:rPr lang="en-US" smtClean="0"/>
+              <a:rPr lang="en-US"/>
               <a:t>Fourth level</a:t>
             </a:r>
           </a:p>
           <a:p>
             <a:pPr lvl="4"/>
             <a:r>
-              <a:rPr lang="en-US" smtClean="0"/>
+              <a:rPr lang="en-US"/>
               <a:t>Fifth level</a:t>
             </a:r>
             <a:endParaRPr lang="es-ES"/>
@@ -871,7 +872,7 @@
           <a:p>
             <a:fld id="{8FF76082-AC14-4F91-969F-E97991BA1A27}" type="datetimeFigureOut">
               <a:rPr lang="es-ES" smtClean="0"/>
-              <a:t>24/04/2016</a:t>
+              <a:t>27/04/2020</a:t>
             </a:fld>
             <a:endParaRPr lang="es-ES"/>
           </a:p>
@@ -913,7 +914,7 @@
           <a:p>
             <a:fld id="{36893C23-DD9A-49C6-8516-2E9C3F8AFB27}" type="slidenum">
               <a:rPr lang="es-ES" smtClean="0"/>
-              <a:t>‹#›</a:t>
+              <a:t>‹Nº›</a:t>
             </a:fld>
             <a:endParaRPr lang="es-ES"/>
           </a:p>
@@ -970,7 +971,7 @@
           <a:lstStyle/>
           <a:p>
             <a:r>
-              <a:rPr lang="en-US" smtClean="0"/>
+              <a:rPr lang="en-US"/>
               <a:t>Click to edit Master title style</a:t>
             </a:r>
             <a:endParaRPr lang="es-ES"/>
@@ -999,35 +1000,35 @@
           <a:p>
             <a:pPr lvl="0"/>
             <a:r>
-              <a:rPr lang="en-US" smtClean="0"/>
+              <a:rPr lang="en-US"/>
               <a:t>Click to edit Master text styles</a:t>
             </a:r>
           </a:p>
           <a:p>
             <a:pPr lvl="1"/>
             <a:r>
-              <a:rPr lang="en-US" smtClean="0"/>
+              <a:rPr lang="en-US"/>
               <a:t>Second level</a:t>
             </a:r>
           </a:p>
           <a:p>
             <a:pPr lvl="2"/>
             <a:r>
-              <a:rPr lang="en-US" smtClean="0"/>
+              <a:rPr lang="en-US"/>
               <a:t>Third level</a:t>
             </a:r>
           </a:p>
           <a:p>
             <a:pPr lvl="3"/>
             <a:r>
-              <a:rPr lang="en-US" smtClean="0"/>
+              <a:rPr lang="en-US"/>
               <a:t>Fourth level</a:t>
             </a:r>
           </a:p>
           <a:p>
             <a:pPr lvl="4"/>
             <a:r>
-              <a:rPr lang="en-US" smtClean="0"/>
+              <a:rPr lang="en-US"/>
               <a:t>Fifth level</a:t>
             </a:r>
             <a:endParaRPr lang="es-ES"/>
@@ -1051,7 +1052,7 @@
           <a:p>
             <a:fld id="{8FF76082-AC14-4F91-969F-E97991BA1A27}" type="datetimeFigureOut">
               <a:rPr lang="es-ES" smtClean="0"/>
-              <a:t>24/04/2016</a:t>
+              <a:t>27/04/2020</a:t>
             </a:fld>
             <a:endParaRPr lang="es-ES"/>
           </a:p>
@@ -1093,7 +1094,7 @@
           <a:p>
             <a:fld id="{36893C23-DD9A-49C6-8516-2E9C3F8AFB27}" type="slidenum">
               <a:rPr lang="es-ES" smtClean="0"/>
-              <a:t>‹#›</a:t>
+              <a:t>‹Nº›</a:t>
             </a:fld>
             <a:endParaRPr lang="es-ES"/>
           </a:p>
@@ -1145,7 +1146,7 @@
           <a:lstStyle/>
           <a:p>
             <a:r>
-              <a:rPr lang="en-US" smtClean="0"/>
+              <a:rPr lang="en-US"/>
               <a:t>Click to edit Master title style</a:t>
             </a:r>
             <a:endParaRPr lang="es-ES"/>
@@ -1169,35 +1170,35 @@
           <a:p>
             <a:pPr lvl="0"/>
             <a:r>
-              <a:rPr lang="en-US" smtClean="0"/>
+              <a:rPr lang="en-US"/>
               <a:t>Click to edit Master text styles</a:t>
             </a:r>
           </a:p>
           <a:p>
             <a:pPr lvl="1"/>
             <a:r>
-              <a:rPr lang="en-US" smtClean="0"/>
+              <a:rPr lang="en-US"/>
               <a:t>Second level</a:t>
             </a:r>
           </a:p>
           <a:p>
             <a:pPr lvl="2"/>
             <a:r>
-              <a:rPr lang="en-US" smtClean="0"/>
+              <a:rPr lang="en-US"/>
               <a:t>Third level</a:t>
             </a:r>
           </a:p>
           <a:p>
             <a:pPr lvl="3"/>
             <a:r>
-              <a:rPr lang="en-US" smtClean="0"/>
+              <a:rPr lang="en-US"/>
               <a:t>Fourth level</a:t>
             </a:r>
           </a:p>
           <a:p>
             <a:pPr lvl="4"/>
             <a:r>
-              <a:rPr lang="en-US" smtClean="0"/>
+              <a:rPr lang="en-US"/>
               <a:t>Fifth level</a:t>
             </a:r>
             <a:endParaRPr lang="es-ES"/>
@@ -1221,7 +1222,7 @@
           <a:p>
             <a:fld id="{8FF76082-AC14-4F91-969F-E97991BA1A27}" type="datetimeFigureOut">
               <a:rPr lang="es-ES" smtClean="0"/>
-              <a:t>24/04/2016</a:t>
+              <a:t>27/04/2020</a:t>
             </a:fld>
             <a:endParaRPr lang="es-ES"/>
           </a:p>
@@ -1263,7 +1264,7 @@
           <a:p>
             <a:fld id="{36893C23-DD9A-49C6-8516-2E9C3F8AFB27}" type="slidenum">
               <a:rPr lang="es-ES" smtClean="0"/>
-              <a:t>‹#›</a:t>
+              <a:t>‹Nº›</a:t>
             </a:fld>
             <a:endParaRPr lang="es-ES"/>
           </a:p>
@@ -1324,7 +1325,7 @@
           </a:lstStyle>
           <a:p>
             <a:r>
-              <a:rPr lang="en-US" smtClean="0"/>
+              <a:rPr lang="en-US"/>
               <a:t>Click to edit Master title style</a:t>
             </a:r>
             <a:endParaRPr lang="es-ES"/>
@@ -1444,7 +1445,7 @@
           <a:p>
             <a:pPr lvl="0"/>
             <a:r>
-              <a:rPr lang="en-US" smtClean="0"/>
+              <a:rPr lang="en-US"/>
               <a:t>Click to edit Master text styles</a:t>
             </a:r>
           </a:p>
@@ -1467,7 +1468,7 @@
           <a:p>
             <a:fld id="{8FF76082-AC14-4F91-969F-E97991BA1A27}" type="datetimeFigureOut">
               <a:rPr lang="es-ES" smtClean="0"/>
-              <a:t>24/04/2016</a:t>
+              <a:t>27/04/2020</a:t>
             </a:fld>
             <a:endParaRPr lang="es-ES"/>
           </a:p>
@@ -1509,7 +1510,7 @@
           <a:p>
             <a:fld id="{36893C23-DD9A-49C6-8516-2E9C3F8AFB27}" type="slidenum">
               <a:rPr lang="es-ES" smtClean="0"/>
-              <a:t>‹#›</a:t>
+              <a:t>‹Nº›</a:t>
             </a:fld>
             <a:endParaRPr lang="es-ES"/>
           </a:p>
@@ -1561,7 +1562,7 @@
           <a:lstStyle/>
           <a:p>
             <a:r>
-              <a:rPr lang="en-US" smtClean="0"/>
+              <a:rPr lang="en-US"/>
               <a:t>Click to edit Master title style</a:t>
             </a:r>
             <a:endParaRPr lang="es-ES"/>
@@ -1590,35 +1591,35 @@
           <a:p>
             <a:pPr lvl="0"/>
             <a:r>
-              <a:rPr lang="en-US" smtClean="0"/>
+              <a:rPr lang="en-US"/>
               <a:t>Click to edit Master text styles</a:t>
             </a:r>
           </a:p>
           <a:p>
             <a:pPr lvl="1"/>
             <a:r>
-              <a:rPr lang="en-US" smtClean="0"/>
+              <a:rPr lang="en-US"/>
               <a:t>Second level</a:t>
             </a:r>
           </a:p>
           <a:p>
             <a:pPr lvl="2"/>
             <a:r>
-              <a:rPr lang="en-US" smtClean="0"/>
+              <a:rPr lang="en-US"/>
               <a:t>Third level</a:t>
             </a:r>
           </a:p>
           <a:p>
             <a:pPr lvl="3"/>
             <a:r>
-              <a:rPr lang="en-US" smtClean="0"/>
+              <a:rPr lang="en-US"/>
               <a:t>Fourth level</a:t>
             </a:r>
           </a:p>
           <a:p>
             <a:pPr lvl="4"/>
             <a:r>
-              <a:rPr lang="en-US" smtClean="0"/>
+              <a:rPr lang="en-US"/>
               <a:t>Fifth level</a:t>
             </a:r>
             <a:endParaRPr lang="es-ES"/>
@@ -1647,35 +1648,35 @@
           <a:p>
             <a:pPr lvl="0"/>
             <a:r>
-              <a:rPr lang="en-US" smtClean="0"/>
+              <a:rPr lang="en-US"/>
               <a:t>Click to edit Master text styles</a:t>
             </a:r>
           </a:p>
           <a:p>
             <a:pPr lvl="1"/>
             <a:r>
-              <a:rPr lang="en-US" smtClean="0"/>
+              <a:rPr lang="en-US"/>
               <a:t>Second level</a:t>
             </a:r>
           </a:p>
           <a:p>
             <a:pPr lvl="2"/>
             <a:r>
-              <a:rPr lang="en-US" smtClean="0"/>
+              <a:rPr lang="en-US"/>
               <a:t>Third level</a:t>
             </a:r>
           </a:p>
           <a:p>
             <a:pPr lvl="3"/>
             <a:r>
-              <a:rPr lang="en-US" smtClean="0"/>
+              <a:rPr lang="en-US"/>
               <a:t>Fourth level</a:t>
             </a:r>
           </a:p>
           <a:p>
             <a:pPr lvl="4"/>
             <a:r>
-              <a:rPr lang="en-US" smtClean="0"/>
+              <a:rPr lang="en-US"/>
               <a:t>Fifth level</a:t>
             </a:r>
             <a:endParaRPr lang="es-ES"/>
@@ -1699,7 +1700,7 @@
           <a:p>
             <a:fld id="{8FF76082-AC14-4F91-969F-E97991BA1A27}" type="datetimeFigureOut">
               <a:rPr lang="es-ES" smtClean="0"/>
-              <a:t>24/04/2016</a:t>
+              <a:t>27/04/2020</a:t>
             </a:fld>
             <a:endParaRPr lang="es-ES"/>
           </a:p>
@@ -1741,7 +1742,7 @@
           <a:p>
             <a:fld id="{36893C23-DD9A-49C6-8516-2E9C3F8AFB27}" type="slidenum">
               <a:rPr lang="es-ES" smtClean="0"/>
-              <a:t>‹#›</a:t>
+              <a:t>‹Nº›</a:t>
             </a:fld>
             <a:endParaRPr lang="es-ES"/>
           </a:p>
@@ -1798,7 +1799,7 @@
           <a:lstStyle/>
           <a:p>
             <a:r>
-              <a:rPr lang="en-US" smtClean="0"/>
+              <a:rPr lang="en-US"/>
               <a:t>Click to edit Master title style</a:t>
             </a:r>
             <a:endParaRPr lang="es-ES"/>
@@ -1864,7 +1865,7 @@
           <a:p>
             <a:pPr lvl="0"/>
             <a:r>
-              <a:rPr lang="en-US" smtClean="0"/>
+              <a:rPr lang="en-US"/>
               <a:t>Click to edit Master text styles</a:t>
             </a:r>
           </a:p>
@@ -1892,35 +1893,35 @@
           <a:p>
             <a:pPr lvl="0"/>
             <a:r>
-              <a:rPr lang="en-US" smtClean="0"/>
+              <a:rPr lang="en-US"/>
               <a:t>Click to edit Master text styles</a:t>
             </a:r>
           </a:p>
           <a:p>
             <a:pPr lvl="1"/>
             <a:r>
-              <a:rPr lang="en-US" smtClean="0"/>
+              <a:rPr lang="en-US"/>
               <a:t>Second level</a:t>
             </a:r>
           </a:p>
           <a:p>
             <a:pPr lvl="2"/>
             <a:r>
-              <a:rPr lang="en-US" smtClean="0"/>
+              <a:rPr lang="en-US"/>
               <a:t>Third level</a:t>
             </a:r>
           </a:p>
           <a:p>
             <a:pPr lvl="3"/>
             <a:r>
-              <a:rPr lang="en-US" smtClean="0"/>
+              <a:rPr lang="en-US"/>
               <a:t>Fourth level</a:t>
             </a:r>
           </a:p>
           <a:p>
             <a:pPr lvl="4"/>
             <a:r>
-              <a:rPr lang="en-US" smtClean="0"/>
+              <a:rPr lang="en-US"/>
               <a:t>Fifth level</a:t>
             </a:r>
             <a:endParaRPr lang="es-ES"/>
@@ -1986,7 +1987,7 @@
           <a:p>
             <a:pPr lvl="0"/>
             <a:r>
-              <a:rPr lang="en-US" smtClean="0"/>
+              <a:rPr lang="en-US"/>
               <a:t>Click to edit Master text styles</a:t>
             </a:r>
           </a:p>
@@ -2014,35 +2015,35 @@
           <a:p>
             <a:pPr lvl="0"/>
             <a:r>
-              <a:rPr lang="en-US" smtClean="0"/>
+              <a:rPr lang="en-US"/>
               <a:t>Click to edit Master text styles</a:t>
             </a:r>
           </a:p>
           <a:p>
             <a:pPr lvl="1"/>
             <a:r>
-              <a:rPr lang="en-US" smtClean="0"/>
+              <a:rPr lang="en-US"/>
               <a:t>Second level</a:t>
             </a:r>
           </a:p>
           <a:p>
             <a:pPr lvl="2"/>
             <a:r>
-              <a:rPr lang="en-US" smtClean="0"/>
+              <a:rPr lang="en-US"/>
               <a:t>Third level</a:t>
             </a:r>
           </a:p>
           <a:p>
             <a:pPr lvl="3"/>
             <a:r>
-              <a:rPr lang="en-US" smtClean="0"/>
+              <a:rPr lang="en-US"/>
               <a:t>Fourth level</a:t>
             </a:r>
           </a:p>
           <a:p>
             <a:pPr lvl="4"/>
             <a:r>
-              <a:rPr lang="en-US" smtClean="0"/>
+              <a:rPr lang="en-US"/>
               <a:t>Fifth level</a:t>
             </a:r>
             <a:endParaRPr lang="es-ES"/>
@@ -2066,7 +2067,7 @@
           <a:p>
             <a:fld id="{8FF76082-AC14-4F91-969F-E97991BA1A27}" type="datetimeFigureOut">
               <a:rPr lang="es-ES" smtClean="0"/>
-              <a:t>24/04/2016</a:t>
+              <a:t>27/04/2020</a:t>
             </a:fld>
             <a:endParaRPr lang="es-ES"/>
           </a:p>
@@ -2108,7 +2109,7 @@
           <a:p>
             <a:fld id="{36893C23-DD9A-49C6-8516-2E9C3F8AFB27}" type="slidenum">
               <a:rPr lang="es-ES" smtClean="0"/>
-              <a:t>‹#›</a:t>
+              <a:t>‹Nº›</a:t>
             </a:fld>
             <a:endParaRPr lang="es-ES"/>
           </a:p>
@@ -2160,7 +2161,7 @@
           <a:lstStyle/>
           <a:p>
             <a:r>
-              <a:rPr lang="en-US" smtClean="0"/>
+              <a:rPr lang="en-US"/>
               <a:t>Click to edit Master title style</a:t>
             </a:r>
             <a:endParaRPr lang="es-ES"/>
@@ -2184,7 +2185,7 @@
           <a:p>
             <a:fld id="{8FF76082-AC14-4F91-969F-E97991BA1A27}" type="datetimeFigureOut">
               <a:rPr lang="es-ES" smtClean="0"/>
-              <a:t>24/04/2016</a:t>
+              <a:t>27/04/2020</a:t>
             </a:fld>
             <a:endParaRPr lang="es-ES"/>
           </a:p>
@@ -2226,7 +2227,7 @@
           <a:p>
             <a:fld id="{36893C23-DD9A-49C6-8516-2E9C3F8AFB27}" type="slidenum">
               <a:rPr lang="es-ES" smtClean="0"/>
-              <a:t>‹#›</a:t>
+              <a:t>‹Nº›</a:t>
             </a:fld>
             <a:endParaRPr lang="es-ES"/>
           </a:p>
@@ -2279,7 +2280,7 @@
           <a:p>
             <a:fld id="{8FF76082-AC14-4F91-969F-E97991BA1A27}" type="datetimeFigureOut">
               <a:rPr lang="es-ES" smtClean="0"/>
-              <a:t>24/04/2016</a:t>
+              <a:t>27/04/2020</a:t>
             </a:fld>
             <a:endParaRPr lang="es-ES"/>
           </a:p>
@@ -2321,7 +2322,7 @@
           <a:p>
             <a:fld id="{36893C23-DD9A-49C6-8516-2E9C3F8AFB27}" type="slidenum">
               <a:rPr lang="es-ES" smtClean="0"/>
-              <a:t>‹#›</a:t>
+              <a:t>‹Nº›</a:t>
             </a:fld>
             <a:endParaRPr lang="es-ES"/>
           </a:p>
@@ -2382,7 +2383,7 @@
           </a:lstStyle>
           <a:p>
             <a:r>
-              <a:rPr lang="en-US" smtClean="0"/>
+              <a:rPr lang="en-US"/>
               <a:t>Click to edit Master title style</a:t>
             </a:r>
             <a:endParaRPr lang="es-ES"/>
@@ -2439,35 +2440,35 @@
           <a:p>
             <a:pPr lvl="0"/>
             <a:r>
-              <a:rPr lang="en-US" smtClean="0"/>
+              <a:rPr lang="en-US"/>
               <a:t>Click to edit Master text styles</a:t>
             </a:r>
           </a:p>
           <a:p>
             <a:pPr lvl="1"/>
             <a:r>
-              <a:rPr lang="en-US" smtClean="0"/>
+              <a:rPr lang="en-US"/>
               <a:t>Second level</a:t>
             </a:r>
           </a:p>
           <a:p>
             <a:pPr lvl="2"/>
             <a:r>
-              <a:rPr lang="en-US" smtClean="0"/>
+              <a:rPr lang="en-US"/>
               <a:t>Third level</a:t>
             </a:r>
           </a:p>
           <a:p>
             <a:pPr lvl="3"/>
             <a:r>
-              <a:rPr lang="en-US" smtClean="0"/>
+              <a:rPr lang="en-US"/>
               <a:t>Fourth level</a:t>
             </a:r>
           </a:p>
           <a:p>
             <a:pPr lvl="4"/>
             <a:r>
-              <a:rPr lang="en-US" smtClean="0"/>
+              <a:rPr lang="en-US"/>
               <a:t>Fifth level</a:t>
             </a:r>
             <a:endParaRPr lang="es-ES"/>
@@ -2533,7 +2534,7 @@
           <a:p>
             <a:pPr lvl="0"/>
             <a:r>
-              <a:rPr lang="en-US" smtClean="0"/>
+              <a:rPr lang="en-US"/>
               <a:t>Click to edit Master text styles</a:t>
             </a:r>
           </a:p>
@@ -2556,7 +2557,7 @@
           <a:p>
             <a:fld id="{8FF76082-AC14-4F91-969F-E97991BA1A27}" type="datetimeFigureOut">
               <a:rPr lang="es-ES" smtClean="0"/>
-              <a:t>24/04/2016</a:t>
+              <a:t>27/04/2020</a:t>
             </a:fld>
             <a:endParaRPr lang="es-ES"/>
           </a:p>
@@ -2598,7 +2599,7 @@
           <a:p>
             <a:fld id="{36893C23-DD9A-49C6-8516-2E9C3F8AFB27}" type="slidenum">
               <a:rPr lang="es-ES" smtClean="0"/>
-              <a:t>‹#›</a:t>
+              <a:t>‹Nº›</a:t>
             </a:fld>
             <a:endParaRPr lang="es-ES"/>
           </a:p>
@@ -2659,7 +2660,7 @@
           </a:lstStyle>
           <a:p>
             <a:r>
-              <a:rPr lang="en-US" smtClean="0"/>
+              <a:rPr lang="en-US"/>
               <a:t>Click to edit Master title style</a:t>
             </a:r>
             <a:endParaRPr lang="es-ES"/>
@@ -2786,7 +2787,7 @@
           <a:p>
             <a:pPr lvl="0"/>
             <a:r>
-              <a:rPr lang="en-US" smtClean="0"/>
+              <a:rPr lang="en-US"/>
               <a:t>Click to edit Master text styles</a:t>
             </a:r>
           </a:p>
@@ -2809,7 +2810,7 @@
           <a:p>
             <a:fld id="{8FF76082-AC14-4F91-969F-E97991BA1A27}" type="datetimeFigureOut">
               <a:rPr lang="es-ES" smtClean="0"/>
-              <a:t>24/04/2016</a:t>
+              <a:t>27/04/2020</a:t>
             </a:fld>
             <a:endParaRPr lang="es-ES"/>
           </a:p>
@@ -2851,7 +2852,7 @@
           <a:p>
             <a:fld id="{36893C23-DD9A-49C6-8516-2E9C3F8AFB27}" type="slidenum">
               <a:rPr lang="es-ES" smtClean="0"/>
-              <a:t>‹#›</a:t>
+              <a:t>‹Nº›</a:t>
             </a:fld>
             <a:endParaRPr lang="es-ES"/>
           </a:p>
@@ -2918,7 +2919,7 @@
           <a:lstStyle/>
           <a:p>
             <a:r>
-              <a:rPr lang="en-US" smtClean="0"/>
+              <a:rPr lang="en-US"/>
               <a:t>Click to edit Master title style</a:t>
             </a:r>
             <a:endParaRPr lang="es-ES"/>
@@ -2952,35 +2953,35 @@
           <a:p>
             <a:pPr lvl="0"/>
             <a:r>
-              <a:rPr lang="en-US" smtClean="0"/>
+              <a:rPr lang="en-US"/>
               <a:t>Click to edit Master text styles</a:t>
             </a:r>
           </a:p>
           <a:p>
             <a:pPr lvl="1"/>
             <a:r>
-              <a:rPr lang="en-US" smtClean="0"/>
+              <a:rPr lang="en-US"/>
               <a:t>Second level</a:t>
             </a:r>
           </a:p>
           <a:p>
             <a:pPr lvl="2"/>
             <a:r>
-              <a:rPr lang="en-US" smtClean="0"/>
+              <a:rPr lang="en-US"/>
               <a:t>Third level</a:t>
             </a:r>
           </a:p>
           <a:p>
             <a:pPr lvl="3"/>
             <a:r>
-              <a:rPr lang="en-US" smtClean="0"/>
+              <a:rPr lang="en-US"/>
               <a:t>Fourth level</a:t>
             </a:r>
           </a:p>
           <a:p>
             <a:pPr lvl="4"/>
             <a:r>
-              <a:rPr lang="en-US" smtClean="0"/>
+              <a:rPr lang="en-US"/>
               <a:t>Fifth level</a:t>
             </a:r>
             <a:endParaRPr lang="es-ES"/>
@@ -3022,7 +3023,7 @@
           <a:p>
             <a:fld id="{8FF76082-AC14-4F91-969F-E97991BA1A27}" type="datetimeFigureOut">
               <a:rPr lang="es-ES" smtClean="0"/>
-              <a:t>24/04/2016</a:t>
+              <a:t>27/04/2020</a:t>
             </a:fld>
             <a:endParaRPr lang="es-ES"/>
           </a:p>
@@ -3100,7 +3101,7 @@
           <a:p>
             <a:fld id="{36893C23-DD9A-49C6-8516-2E9C3F8AFB27}" type="slidenum">
               <a:rPr lang="es-ES" smtClean="0"/>
-              <a:t>‹#›</a:t>
+              <a:t>‹Nº›</a:t>
             </a:fld>
             <a:endParaRPr lang="es-ES"/>
           </a:p>
@@ -3917,26 +3918,18 @@
       </p:grpSpPr>
       <p:sp>
         <p:nvSpPr>
-          <p:cNvPr id="2" name="Oval 1"/>
+          <p:cNvPr id="2" name="Rectangle 1"/>
           <p:cNvSpPr/>
           <p:nvPr/>
         </p:nvSpPr>
         <p:spPr>
           <a:xfrm>
-            <a:off x="3867150" y="1695450"/>
-            <a:ext cx="4067175" cy="3857625"/>
-          </a:xfrm>
-          <a:prstGeom prst="ellipse">
-            <a:avLst/>
-          </a:prstGeom>
-          <a:solidFill>
-            <a:schemeClr val="bg1"/>
-          </a:solidFill>
-          <a:ln w="28575">
-            <a:solidFill>
-              <a:srgbClr val="00B050"/>
-            </a:solidFill>
-          </a:ln>
+            <a:off x="4178105" y="1906172"/>
+            <a:ext cx="1709224" cy="2173459"/>
+          </a:xfrm>
+          <a:prstGeom prst="rect">
+            <a:avLst/>
+          </a:prstGeom>
         </p:spPr>
         <p:style>
           <a:lnRef idx="2">
@@ -3963,55 +3956,28 @@
           </a:p>
         </p:txBody>
       </p:sp>
-      <p:cxnSp>
-        <p:nvCxnSpPr>
-          <p:cNvPr id="4" name="Straight Arrow Connector 3"/>
-          <p:cNvCxnSpPr>
-            <a:endCxn id="7" idx="2"/>
-          </p:cNvCxnSpPr>
-          <p:nvPr/>
-        </p:nvCxnSpPr>
-        <p:spPr>
-          <a:xfrm flipV="1">
-            <a:off x="5900736" y="2006636"/>
-            <a:ext cx="992630" cy="1694760"/>
-          </a:xfrm>
-          <a:prstGeom prst="straightConnector1">
-            <a:avLst/>
-          </a:prstGeom>
-          <a:ln w="28575">
-            <a:tailEnd type="triangle"/>
-          </a:ln>
-        </p:spPr>
-        <p:style>
-          <a:lnRef idx="1">
-            <a:schemeClr val="accent1"/>
-          </a:lnRef>
-          <a:fillRef idx="0">
-            <a:schemeClr val="accent1"/>
-          </a:fillRef>
-          <a:effectRef idx="0">
-            <a:schemeClr val="accent1"/>
-          </a:effectRef>
-          <a:fontRef idx="minor">
-            <a:schemeClr val="tx1"/>
-          </a:fontRef>
-        </p:style>
-      </p:cxnSp>
-      <p:sp>
-        <p:nvSpPr>
-          <p:cNvPr id="7" name="Rectangle 6"/>
+      <p:sp>
+        <p:nvSpPr>
+          <p:cNvPr id="3" name="Rectangle 2"/>
           <p:cNvSpPr/>
           <p:nvPr/>
         </p:nvSpPr>
         <p:spPr>
-          <a:xfrm rot="1805993">
-            <a:off x="6840588" y="1890198"/>
-            <a:ext cx="168172" cy="124856"/>
+          <a:xfrm>
+            <a:off x="5887329" y="3003452"/>
+            <a:ext cx="1209822" cy="1076179"/>
           </a:xfrm>
           <a:prstGeom prst="rect">
             <a:avLst/>
           </a:prstGeom>
+          <a:solidFill>
+            <a:srgbClr val="00B050"/>
+          </a:solidFill>
+          <a:ln>
+            <a:solidFill>
+              <a:srgbClr val="00B050"/>
+            </a:solidFill>
+          </a:ln>
         </p:spPr>
         <p:style>
           <a:lnRef idx="2">
@@ -4040,21 +4006,99 @@
       </p:sp>
       <p:cxnSp>
         <p:nvCxnSpPr>
+          <p:cNvPr id="5" name="Straight Arrow Connector 4"/>
+          <p:cNvCxnSpPr/>
+          <p:nvPr/>
+        </p:nvCxnSpPr>
+        <p:spPr>
+          <a:xfrm flipV="1">
+            <a:off x="4169459" y="4079631"/>
+            <a:ext cx="1717870" cy="2931"/>
+          </a:xfrm>
+          <a:prstGeom prst="straightConnector1">
+            <a:avLst/>
+          </a:prstGeom>
+          <a:ln w="28575">
+            <a:solidFill>
+              <a:schemeClr val="tx1">
+                <a:lumMod val="95000"/>
+                <a:lumOff val="5000"/>
+              </a:schemeClr>
+            </a:solidFill>
+            <a:tailEnd type="triangle"/>
+          </a:ln>
+        </p:spPr>
+        <p:style>
+          <a:lnRef idx="1">
+            <a:schemeClr val="accent1"/>
+          </a:lnRef>
+          <a:fillRef idx="0">
+            <a:schemeClr val="accent1"/>
+          </a:fillRef>
+          <a:effectRef idx="0">
+            <a:schemeClr val="accent1"/>
+          </a:effectRef>
+          <a:fontRef idx="minor">
+            <a:schemeClr val="tx1"/>
+          </a:fontRef>
+        </p:style>
+      </p:cxnSp>
+      <p:cxnSp>
+        <p:nvCxnSpPr>
+          <p:cNvPr id="6" name="Straight Arrow Connector 5"/>
+          <p:cNvCxnSpPr/>
+          <p:nvPr/>
+        </p:nvCxnSpPr>
+        <p:spPr>
+          <a:xfrm flipV="1">
+            <a:off x="4169459" y="2831123"/>
+            <a:ext cx="0" cy="1248508"/>
+          </a:xfrm>
+          <a:prstGeom prst="straightConnector1">
+            <a:avLst/>
+          </a:prstGeom>
+          <a:ln w="28575">
+            <a:solidFill>
+              <a:schemeClr val="tx1">
+                <a:lumMod val="95000"/>
+                <a:lumOff val="5000"/>
+              </a:schemeClr>
+            </a:solidFill>
+            <a:tailEnd type="triangle"/>
+          </a:ln>
+        </p:spPr>
+        <p:style>
+          <a:lnRef idx="1">
+            <a:schemeClr val="accent1"/>
+          </a:lnRef>
+          <a:fillRef idx="0">
+            <a:schemeClr val="accent1"/>
+          </a:fillRef>
+          <a:effectRef idx="0">
+            <a:schemeClr val="accent1"/>
+          </a:effectRef>
+          <a:fontRef idx="minor">
+            <a:schemeClr val="tx1"/>
+          </a:fontRef>
+        </p:style>
+      </p:cxnSp>
+      <p:cxnSp>
+        <p:nvCxnSpPr>
           <p:cNvPr id="11" name="Straight Arrow Connector 10"/>
           <p:cNvCxnSpPr/>
           <p:nvPr/>
         </p:nvCxnSpPr>
         <p:spPr>
           <a:xfrm flipV="1">
-            <a:off x="5900736" y="1024871"/>
-            <a:ext cx="0" cy="2676525"/>
+            <a:off x="5887329" y="2843579"/>
+            <a:ext cx="0" cy="1248508"/>
           </a:xfrm>
           <a:prstGeom prst="straightConnector1">
             <a:avLst/>
           </a:prstGeom>
           <a:ln w="28575">
             <a:solidFill>
-              <a:schemeClr val="tx1"/>
+              <a:srgbClr val="FF0000"/>
             </a:solidFill>
             <a:tailEnd type="triangle"/>
           </a:ln>
@@ -4082,15 +4126,15 @@
         </p:nvCxnSpPr>
         <p:spPr>
           <a:xfrm>
-            <a:off x="5917405" y="3696634"/>
-            <a:ext cx="3009547" cy="4762"/>
+            <a:off x="5887329" y="4092087"/>
+            <a:ext cx="1631852" cy="0"/>
           </a:xfrm>
           <a:prstGeom prst="straightConnector1">
             <a:avLst/>
           </a:prstGeom>
           <a:ln w="28575">
             <a:solidFill>
-              <a:schemeClr val="tx1"/>
+              <a:srgbClr val="FF0000"/>
             </a:solidFill>
             <a:tailEnd type="triangle"/>
           </a:ln>
@@ -4112,31 +4156,81 @@
       </p:cxnSp>
       <p:sp>
         <p:nvSpPr>
-          <p:cNvPr id="15" name="Arc 14"/>
+          <p:cNvPr id="8" name="Rectangle 7"/>
           <p:cNvSpPr/>
           <p:nvPr/>
         </p:nvSpPr>
         <p:spPr>
           <a:xfrm>
-            <a:off x="5429425" y="2380270"/>
-            <a:ext cx="975961" cy="790575"/>
-          </a:xfrm>
-          <a:prstGeom prst="arc">
-            <a:avLst/>
-          </a:prstGeom>
-        </p:spPr>
-        <p:style>
-          <a:lnRef idx="1">
-            <a:schemeClr val="accent1"/>
-          </a:lnRef>
-          <a:fillRef idx="0">
-            <a:schemeClr val="accent1"/>
-          </a:fillRef>
-          <a:effectRef idx="0">
-            <a:schemeClr val="accent1"/>
-          </a:effectRef>
-          <a:fontRef idx="minor">
-            <a:schemeClr val="tx1"/>
+            <a:off x="1587305" y="4338132"/>
+            <a:ext cx="1709224" cy="2173459"/>
+          </a:xfrm>
+          <a:prstGeom prst="rect">
+            <a:avLst/>
+          </a:prstGeom>
+        </p:spPr>
+        <p:style>
+          <a:lnRef idx="2">
+            <a:schemeClr val="accent1">
+              <a:shade val="50000"/>
+            </a:schemeClr>
+          </a:lnRef>
+          <a:fillRef idx="1">
+            <a:schemeClr val="accent1"/>
+          </a:fillRef>
+          <a:effectRef idx="0">
+            <a:schemeClr val="accent1"/>
+          </a:effectRef>
+          <a:fontRef idx="minor">
+            <a:schemeClr val="lt1"/>
+          </a:fontRef>
+        </p:style>
+        <p:txBody>
+          <a:bodyPr rtlCol="0" anchor="ctr"/>
+          <a:lstStyle/>
+          <a:p>
+            <a:pPr algn="ctr"/>
+            <a:endParaRPr lang="es-ES"/>
+          </a:p>
+        </p:txBody>
+      </p:sp>
+      <p:sp>
+        <p:nvSpPr>
+          <p:cNvPr id="9" name="Rectangle 8"/>
+          <p:cNvSpPr/>
+          <p:nvPr/>
+        </p:nvSpPr>
+        <p:spPr>
+          <a:xfrm>
+            <a:off x="3296529" y="5435412"/>
+            <a:ext cx="1209822" cy="1076179"/>
+          </a:xfrm>
+          <a:prstGeom prst="rect">
+            <a:avLst/>
+          </a:prstGeom>
+          <a:solidFill>
+            <a:srgbClr val="00B050"/>
+          </a:solidFill>
+          <a:ln>
+            <a:solidFill>
+              <a:srgbClr val="00B050"/>
+            </a:solidFill>
+          </a:ln>
+        </p:spPr>
+        <p:style>
+          <a:lnRef idx="2">
+            <a:schemeClr val="accent1">
+              <a:shade val="50000"/>
+            </a:schemeClr>
+          </a:lnRef>
+          <a:fillRef idx="1">
+            <a:schemeClr val="accent1"/>
+          </a:fillRef>
+          <a:effectRef idx="0">
+            <a:schemeClr val="accent1"/>
+          </a:effectRef>
+          <a:fontRef idx="minor">
+            <a:schemeClr val="lt1"/>
           </a:fontRef>
         </p:style>
         <p:txBody>
@@ -4151,7 +4245,7 @@
     </p:spTree>
     <p:extLst>
       <p:ext uri="{BB962C8B-B14F-4D97-AF65-F5344CB8AC3E}">
-        <p14:creationId xmlns:p14="http://schemas.microsoft.com/office/powerpoint/2010/main" val="1496134190"/>
+        <p14:creationId xmlns:p14="http://schemas.microsoft.com/office/powerpoint/2010/main" val="134641596"/>
       </p:ext>
     </p:extLst>
   </p:cSld>
@@ -4197,7 +4291,7 @@
           </a:solidFill>
           <a:ln w="28575">
             <a:solidFill>
-              <a:schemeClr val="tx1"/>
+              <a:srgbClr val="00B050"/>
             </a:solidFill>
           </a:ln>
         </p:spPr>
@@ -4228,22 +4322,21 @@
       </p:sp>
       <p:cxnSp>
         <p:nvCxnSpPr>
-          <p:cNvPr id="3" name="Straight Arrow Connector 2"/>
-          <p:cNvCxnSpPr/>
+          <p:cNvPr id="4" name="Straight Arrow Connector 3"/>
+          <p:cNvCxnSpPr>
+            <a:endCxn id="7" idx="2"/>
+          </p:cNvCxnSpPr>
           <p:nvPr/>
         </p:nvCxnSpPr>
         <p:spPr>
-          <a:xfrm>
-            <a:off x="5917405" y="3696634"/>
-            <a:ext cx="3009547" cy="4762"/>
+          <a:xfrm flipV="1">
+            <a:off x="5900736" y="2006636"/>
+            <a:ext cx="992630" cy="1694760"/>
           </a:xfrm>
           <a:prstGeom prst="straightConnector1">
             <a:avLst/>
           </a:prstGeom>
           <a:ln w="28575">
-            <a:solidFill>
-              <a:srgbClr val="00B050"/>
-            </a:solidFill>
             <a:tailEnd type="triangle"/>
           </a:ln>
         </p:spPr>
@@ -4262,64 +4355,20 @@
           </a:fontRef>
         </p:style>
       </p:cxnSp>
-      <p:cxnSp>
-        <p:nvCxnSpPr>
-          <p:cNvPr id="4" name="Straight Arrow Connector 3"/>
-          <p:cNvCxnSpPr/>
-          <p:nvPr/>
-        </p:nvCxnSpPr>
-        <p:spPr>
-          <a:xfrm flipV="1">
-            <a:off x="5900736" y="1024871"/>
-            <a:ext cx="0" cy="2676525"/>
-          </a:xfrm>
-          <a:prstGeom prst="straightConnector1">
-            <a:avLst/>
-          </a:prstGeom>
-          <a:ln w="28575">
-            <a:solidFill>
-              <a:srgbClr val="00B050"/>
-            </a:solidFill>
-            <a:tailEnd type="triangle"/>
-          </a:ln>
-        </p:spPr>
-        <p:style>
-          <a:lnRef idx="1">
-            <a:schemeClr val="accent1"/>
-          </a:lnRef>
-          <a:fillRef idx="0">
-            <a:schemeClr val="accent1"/>
-          </a:fillRef>
-          <a:effectRef idx="0">
-            <a:schemeClr val="accent1"/>
-          </a:effectRef>
-          <a:fontRef idx="minor">
-            <a:schemeClr val="tx1"/>
-          </a:fontRef>
-        </p:style>
-      </p:cxnSp>
-      <p:sp>
-        <p:nvSpPr>
-          <p:cNvPr id="9" name="Oval 8"/>
+      <p:sp>
+        <p:nvSpPr>
+          <p:cNvPr id="7" name="Rectangle 6"/>
           <p:cNvSpPr/>
           <p:nvPr/>
         </p:nvSpPr>
         <p:spPr>
-          <a:xfrm>
-            <a:off x="5724525" y="3533775"/>
-            <a:ext cx="352425" cy="323850"/>
-          </a:xfrm>
-          <a:prstGeom prst="ellipse">
-            <a:avLst/>
-          </a:prstGeom>
-          <a:solidFill>
-            <a:schemeClr val="bg1"/>
-          </a:solidFill>
-          <a:ln w="28575">
-            <a:solidFill>
-              <a:srgbClr val="7030A0"/>
-            </a:solidFill>
-          </a:ln>
+          <a:xfrm rot="1805993">
+            <a:off x="6840588" y="1890198"/>
+            <a:ext cx="168172" cy="124856"/>
+          </a:xfrm>
+          <a:prstGeom prst="rect">
+            <a:avLst/>
+          </a:prstGeom>
         </p:spPr>
         <p:style>
           <a:lnRef idx="2">
@@ -4348,25 +4397,23 @@
       </p:sp>
       <p:cxnSp>
         <p:nvCxnSpPr>
-          <p:cNvPr id="11" name="Straight Connector 10"/>
-          <p:cNvCxnSpPr>
-            <a:stCxn id="9" idx="7"/>
-            <a:endCxn id="9" idx="3"/>
-          </p:cNvCxnSpPr>
+          <p:cNvPr id="11" name="Straight Arrow Connector 10"/>
+          <p:cNvCxnSpPr/>
           <p:nvPr/>
         </p:nvCxnSpPr>
         <p:spPr>
-          <a:xfrm flipH="1">
-            <a:off x="5776136" y="3581202"/>
-            <a:ext cx="249203" cy="228996"/>
-          </a:xfrm>
-          <a:prstGeom prst="line">
+          <a:xfrm flipV="1">
+            <a:off x="5900736" y="1024871"/>
+            <a:ext cx="0" cy="2676525"/>
+          </a:xfrm>
+          <a:prstGeom prst="straightConnector1">
             <a:avLst/>
           </a:prstGeom>
           <a:ln w="28575">
             <a:solidFill>
-              <a:srgbClr val="7030A0"/>
+              <a:schemeClr val="tx1"/>
             </a:solidFill>
+            <a:tailEnd type="triangle"/>
           </a:ln>
         </p:spPr>
         <p:style>
@@ -4386,25 +4433,23 @@
       </p:cxnSp>
       <p:cxnSp>
         <p:nvCxnSpPr>
-          <p:cNvPr id="13" name="Straight Connector 12"/>
-          <p:cNvCxnSpPr>
-            <a:stCxn id="9" idx="1"/>
-            <a:endCxn id="9" idx="5"/>
-          </p:cNvCxnSpPr>
+          <p:cNvPr id="12" name="Straight Arrow Connector 11"/>
+          <p:cNvCxnSpPr/>
           <p:nvPr/>
         </p:nvCxnSpPr>
         <p:spPr>
           <a:xfrm>
-            <a:off x="5776136" y="3581202"/>
-            <a:ext cx="249203" cy="228996"/>
-          </a:xfrm>
-          <a:prstGeom prst="line">
+            <a:off x="5917405" y="3696634"/>
+            <a:ext cx="3009547" cy="4762"/>
+          </a:xfrm>
+          <a:prstGeom prst="straightConnector1">
             <a:avLst/>
           </a:prstGeom>
           <a:ln w="28575">
             <a:solidFill>
-              <a:srgbClr val="7030A0"/>
+              <a:schemeClr val="tx1"/>
             </a:solidFill>
+            <a:tailEnd type="triangle"/>
           </a:ln>
         </p:spPr>
         <p:style>
@@ -4422,10 +4467,48 @@
           </a:fontRef>
         </p:style>
       </p:cxnSp>
+      <p:sp>
+        <p:nvSpPr>
+          <p:cNvPr id="15" name="Arc 14"/>
+          <p:cNvSpPr/>
+          <p:nvPr/>
+        </p:nvSpPr>
+        <p:spPr>
+          <a:xfrm>
+            <a:off x="5429425" y="2380270"/>
+            <a:ext cx="975961" cy="790575"/>
+          </a:xfrm>
+          <a:prstGeom prst="arc">
+            <a:avLst/>
+          </a:prstGeom>
+        </p:spPr>
+        <p:style>
+          <a:lnRef idx="1">
+            <a:schemeClr val="accent1"/>
+          </a:lnRef>
+          <a:fillRef idx="0">
+            <a:schemeClr val="accent1"/>
+          </a:fillRef>
+          <a:effectRef idx="0">
+            <a:schemeClr val="accent1"/>
+          </a:effectRef>
+          <a:fontRef idx="minor">
+            <a:schemeClr val="tx1"/>
+          </a:fontRef>
+        </p:style>
+        <p:txBody>
+          <a:bodyPr rtlCol="0" anchor="ctr"/>
+          <a:lstStyle/>
+          <a:p>
+            <a:pPr algn="ctr"/>
+            <a:endParaRPr lang="es-ES"/>
+          </a:p>
+        </p:txBody>
+      </p:sp>
     </p:spTree>
     <p:extLst>
       <p:ext uri="{BB962C8B-B14F-4D97-AF65-F5344CB8AC3E}">
-        <p14:creationId xmlns:p14="http://schemas.microsoft.com/office/powerpoint/2010/main" val="4133867060"/>
+        <p14:creationId xmlns:p14="http://schemas.microsoft.com/office/powerpoint/2010/main" val="1496134190"/>
       </p:ext>
     </p:extLst>
   </p:cSld>
@@ -4454,22 +4537,24 @@
       </p:grpSpPr>
       <p:sp>
         <p:nvSpPr>
-          <p:cNvPr id="3" name="Oval 2"/>
+          <p:cNvPr id="2" name="Oval 1"/>
           <p:cNvSpPr/>
           <p:nvPr/>
         </p:nvSpPr>
         <p:spPr>
           <a:xfrm>
-            <a:off x="3438659" y="3657600"/>
-            <a:ext cx="4765183" cy="566670"/>
+            <a:off x="3867150" y="1695450"/>
+            <a:ext cx="4067175" cy="3857625"/>
           </a:xfrm>
           <a:prstGeom prst="ellipse">
             <a:avLst/>
           </a:prstGeom>
-          <a:noFill/>
-          <a:ln w="38100">
+          <a:solidFill>
+            <a:schemeClr val="bg1"/>
+          </a:solidFill>
+          <a:ln w="28575">
             <a:solidFill>
-              <a:srgbClr val="00B050"/>
+              <a:schemeClr val="tx1"/>
             </a:solidFill>
           </a:ln>
         </p:spPr>
@@ -4500,21 +4585,21 @@
       </p:sp>
       <p:cxnSp>
         <p:nvCxnSpPr>
-          <p:cNvPr id="4" name="Straight Arrow Connector 3"/>
+          <p:cNvPr id="3" name="Straight Arrow Connector 2"/>
           <p:cNvCxnSpPr/>
           <p:nvPr/>
         </p:nvCxnSpPr>
         <p:spPr>
-          <a:xfrm flipV="1">
-            <a:off x="5821250" y="3740587"/>
-            <a:ext cx="1684747" cy="200348"/>
+          <a:xfrm>
+            <a:off x="5917405" y="3696634"/>
+            <a:ext cx="3009547" cy="4762"/>
           </a:xfrm>
           <a:prstGeom prst="straightConnector1">
             <a:avLst/>
           </a:prstGeom>
-          <a:ln w="38100">
+          <a:ln w="28575">
             <a:solidFill>
-              <a:schemeClr val="tx1"/>
+              <a:srgbClr val="00B050"/>
             </a:solidFill>
             <a:tailEnd type="triangle"/>
           </a:ln>
@@ -4536,21 +4621,146 @@
       </p:cxnSp>
       <p:cxnSp>
         <p:nvCxnSpPr>
-          <p:cNvPr id="5" name="Straight Connector 4"/>
+          <p:cNvPr id="4" name="Straight Arrow Connector 3"/>
           <p:cNvCxnSpPr/>
           <p:nvPr/>
         </p:nvCxnSpPr>
         <p:spPr>
-          <a:xfrm>
-            <a:off x="5821250" y="1094704"/>
-            <a:ext cx="0" cy="4597757"/>
+          <a:xfrm flipV="1">
+            <a:off x="5900736" y="1024871"/>
+            <a:ext cx="0" cy="2676525"/>
+          </a:xfrm>
+          <a:prstGeom prst="straightConnector1">
+            <a:avLst/>
+          </a:prstGeom>
+          <a:ln w="28575">
+            <a:solidFill>
+              <a:srgbClr val="00B050"/>
+            </a:solidFill>
+            <a:tailEnd type="triangle"/>
+          </a:ln>
+        </p:spPr>
+        <p:style>
+          <a:lnRef idx="1">
+            <a:schemeClr val="accent1"/>
+          </a:lnRef>
+          <a:fillRef idx="0">
+            <a:schemeClr val="accent1"/>
+          </a:fillRef>
+          <a:effectRef idx="0">
+            <a:schemeClr val="accent1"/>
+          </a:effectRef>
+          <a:fontRef idx="minor">
+            <a:schemeClr val="tx1"/>
+          </a:fontRef>
+        </p:style>
+      </p:cxnSp>
+      <p:sp>
+        <p:nvSpPr>
+          <p:cNvPr id="9" name="Oval 8"/>
+          <p:cNvSpPr/>
+          <p:nvPr/>
+        </p:nvSpPr>
+        <p:spPr>
+          <a:xfrm>
+            <a:off x="5724525" y="3533775"/>
+            <a:ext cx="352425" cy="323850"/>
+          </a:xfrm>
+          <a:prstGeom prst="ellipse">
+            <a:avLst/>
+          </a:prstGeom>
+          <a:solidFill>
+            <a:schemeClr val="bg1"/>
+          </a:solidFill>
+          <a:ln w="28575">
+            <a:solidFill>
+              <a:srgbClr val="7030A0"/>
+            </a:solidFill>
+          </a:ln>
+        </p:spPr>
+        <p:style>
+          <a:lnRef idx="2">
+            <a:schemeClr val="accent1">
+              <a:shade val="50000"/>
+            </a:schemeClr>
+          </a:lnRef>
+          <a:fillRef idx="1">
+            <a:schemeClr val="accent1"/>
+          </a:fillRef>
+          <a:effectRef idx="0">
+            <a:schemeClr val="accent1"/>
+          </a:effectRef>
+          <a:fontRef idx="minor">
+            <a:schemeClr val="lt1"/>
+          </a:fontRef>
+        </p:style>
+        <p:txBody>
+          <a:bodyPr rtlCol="0" anchor="ctr"/>
+          <a:lstStyle/>
+          <a:p>
+            <a:pPr algn="ctr"/>
+            <a:endParaRPr lang="es-ES"/>
+          </a:p>
+        </p:txBody>
+      </p:sp>
+      <p:cxnSp>
+        <p:nvCxnSpPr>
+          <p:cNvPr id="11" name="Straight Connector 10"/>
+          <p:cNvCxnSpPr>
+            <a:stCxn id="9" idx="7"/>
+            <a:endCxn id="9" idx="3"/>
+          </p:cNvCxnSpPr>
+          <p:nvPr/>
+        </p:nvCxnSpPr>
+        <p:spPr>
+          <a:xfrm flipH="1">
+            <a:off x="5776136" y="3581202"/>
+            <a:ext cx="249203" cy="228996"/>
           </a:xfrm>
           <a:prstGeom prst="line">
             <a:avLst/>
           </a:prstGeom>
-          <a:ln w="38100">
+          <a:ln w="28575">
             <a:solidFill>
-              <a:schemeClr val="tx1"/>
+              <a:srgbClr val="7030A0"/>
+            </a:solidFill>
+          </a:ln>
+        </p:spPr>
+        <p:style>
+          <a:lnRef idx="1">
+            <a:schemeClr val="accent1"/>
+          </a:lnRef>
+          <a:fillRef idx="0">
+            <a:schemeClr val="accent1"/>
+          </a:fillRef>
+          <a:effectRef idx="0">
+            <a:schemeClr val="accent1"/>
+          </a:effectRef>
+          <a:fontRef idx="minor">
+            <a:schemeClr val="tx1"/>
+          </a:fontRef>
+        </p:style>
+      </p:cxnSp>
+      <p:cxnSp>
+        <p:nvCxnSpPr>
+          <p:cNvPr id="13" name="Straight Connector 12"/>
+          <p:cNvCxnSpPr>
+            <a:stCxn id="9" idx="1"/>
+            <a:endCxn id="9" idx="5"/>
+          </p:cNvCxnSpPr>
+          <p:nvPr/>
+        </p:nvCxnSpPr>
+        <p:spPr>
+          <a:xfrm>
+            <a:off x="5776136" y="3581202"/>
+            <a:ext cx="249203" cy="228996"/>
+          </a:xfrm>
+          <a:prstGeom prst="line">
+            <a:avLst/>
+          </a:prstGeom>
+          <a:ln w="28575">
+            <a:solidFill>
+              <a:srgbClr val="7030A0"/>
             </a:solidFill>
           </a:ln>
         </p:spPr>
@@ -4572,7 +4782,7 @@
     </p:spTree>
     <p:extLst>
       <p:ext uri="{BB962C8B-B14F-4D97-AF65-F5344CB8AC3E}">
-        <p14:creationId xmlns:p14="http://schemas.microsoft.com/office/powerpoint/2010/main" val="666368486"/>
+        <p14:creationId xmlns:p14="http://schemas.microsoft.com/office/powerpoint/2010/main" val="4133867060"/>
       </p:ext>
     </p:extLst>
   </p:cSld>
@@ -4601,7 +4811,7 @@
       </p:grpSpPr>
       <p:sp>
         <p:nvSpPr>
-          <p:cNvPr id="2" name="Oval 1"/>
+          <p:cNvPr id="3" name="Oval 2"/>
           <p:cNvSpPr/>
           <p:nvPr/>
         </p:nvSpPr>
@@ -4613,9 +4823,12 @@
           <a:prstGeom prst="ellipse">
             <a:avLst/>
           </a:prstGeom>
-          <a:solidFill>
-            <a:srgbClr val="00B0F0"/>
-          </a:solidFill>
+          <a:noFill/>
+          <a:ln w="38100">
+            <a:solidFill>
+              <a:srgbClr val="00B050"/>
+            </a:solidFill>
+          </a:ln>
         </p:spPr>
         <p:style>
           <a:lnRef idx="2">
@@ -4644,22 +4857,23 @@
       </p:sp>
       <p:cxnSp>
         <p:nvCxnSpPr>
-          <p:cNvPr id="6" name="Straight Connector 5"/>
+          <p:cNvPr id="4" name="Straight Arrow Connector 3"/>
           <p:cNvCxnSpPr/>
           <p:nvPr/>
         </p:nvCxnSpPr>
         <p:spPr>
-          <a:xfrm>
-            <a:off x="5821250" y="1094704"/>
-            <a:ext cx="0" cy="4597757"/>
-          </a:xfrm>
-          <a:prstGeom prst="line">
+          <a:xfrm flipV="1">
+            <a:off x="5821250" y="3740587"/>
+            <a:ext cx="1684747" cy="200348"/>
+          </a:xfrm>
+          <a:prstGeom prst="straightConnector1">
             <a:avLst/>
           </a:prstGeom>
           <a:ln w="38100">
             <a:solidFill>
               <a:schemeClr val="tx1"/>
             </a:solidFill>
+            <a:tailEnd type="triangle"/>
           </a:ln>
         </p:spPr>
         <p:style>
@@ -4679,25 +4893,22 @@
       </p:cxnSp>
       <p:cxnSp>
         <p:nvCxnSpPr>
-          <p:cNvPr id="9" name="Straight Arrow Connector 8"/>
-          <p:cNvCxnSpPr>
-            <a:endCxn id="2" idx="7"/>
-          </p:cNvCxnSpPr>
+          <p:cNvPr id="5" name="Straight Connector 4"/>
+          <p:cNvCxnSpPr/>
           <p:nvPr/>
         </p:nvCxnSpPr>
         <p:spPr>
-          <a:xfrm flipV="1">
-            <a:off x="5821250" y="3740587"/>
-            <a:ext cx="1684747" cy="200348"/>
-          </a:xfrm>
-          <a:prstGeom prst="straightConnector1">
-            <a:avLst/>
-          </a:prstGeom>
-          <a:ln>
+          <a:xfrm>
+            <a:off x="5821250" y="1094704"/>
+            <a:ext cx="0" cy="4597757"/>
+          </a:xfrm>
+          <a:prstGeom prst="line">
+            <a:avLst/>
+          </a:prstGeom>
+          <a:ln w="38100">
             <a:solidFill>
               <a:schemeClr val="tx1"/>
             </a:solidFill>
-            <a:tailEnd type="triangle"/>
           </a:ln>
         </p:spPr>
         <p:style>
@@ -4718,7 +4929,7 @@
     </p:spTree>
     <p:extLst>
       <p:ext uri="{BB962C8B-B14F-4D97-AF65-F5344CB8AC3E}">
-        <p14:creationId xmlns:p14="http://schemas.microsoft.com/office/powerpoint/2010/main" val="1313278780"/>
+        <p14:creationId xmlns:p14="http://schemas.microsoft.com/office/powerpoint/2010/main" val="666368486"/>
       </p:ext>
     </p:extLst>
   </p:cSld>
@@ -4753,7 +4964,7 @@
         </p:nvSpPr>
         <p:spPr>
           <a:xfrm>
-            <a:off x="3438658" y="4159877"/>
+            <a:off x="3438659" y="3657600"/>
             <a:ext cx="4765183" cy="566670"/>
           </a:xfrm>
           <a:prstGeom prst="ellipse">
@@ -4762,11 +4973,6 @@
           <a:solidFill>
             <a:srgbClr val="00B0F0"/>
           </a:solidFill>
-          <a:ln>
-            <a:solidFill>
-              <a:srgbClr val="00B0F0"/>
-            </a:solidFill>
-          </a:ln>
         </p:spPr>
         <p:style>
           <a:lnRef idx="2">
@@ -4793,513 +4999,16 @@
           </a:p>
         </p:txBody>
       </p:sp>
-      <p:sp>
-        <p:nvSpPr>
-          <p:cNvPr id="4" name="Oval 3"/>
-          <p:cNvSpPr/>
-          <p:nvPr/>
-        </p:nvSpPr>
-        <p:spPr>
-          <a:xfrm>
-            <a:off x="3438658" y="1828802"/>
-            <a:ext cx="4765183" cy="566670"/>
-          </a:xfrm>
-          <a:prstGeom prst="ellipse">
-            <a:avLst/>
-          </a:prstGeom>
-          <a:solidFill>
-            <a:srgbClr val="00B0F0"/>
-          </a:solidFill>
-          <a:ln>
-            <a:solidFill>
-              <a:srgbClr val="00B0F0"/>
-            </a:solidFill>
-          </a:ln>
-        </p:spPr>
-        <p:style>
-          <a:lnRef idx="2">
-            <a:schemeClr val="accent1">
-              <a:shade val="50000"/>
-            </a:schemeClr>
-          </a:lnRef>
-          <a:fillRef idx="1">
-            <a:schemeClr val="accent1"/>
-          </a:fillRef>
-          <a:effectRef idx="0">
-            <a:schemeClr val="accent1"/>
-          </a:effectRef>
-          <a:fontRef idx="minor">
-            <a:schemeClr val="lt1"/>
-          </a:fontRef>
-        </p:style>
-        <p:txBody>
-          <a:bodyPr rtlCol="0" anchor="ctr"/>
-          <a:lstStyle/>
-          <a:p>
-            <a:pPr algn="ctr"/>
-            <a:endParaRPr lang="es-ES"/>
-          </a:p>
-        </p:txBody>
-      </p:sp>
       <p:cxnSp>
         <p:nvCxnSpPr>
           <p:cNvPr id="6" name="Straight Connector 5"/>
-          <p:cNvCxnSpPr>
-            <a:stCxn id="4" idx="2"/>
-            <a:endCxn id="2" idx="2"/>
-          </p:cNvCxnSpPr>
+          <p:cNvCxnSpPr/>
           <p:nvPr/>
         </p:nvCxnSpPr>
         <p:spPr>
           <a:xfrm>
-            <a:off x="3438658" y="2112137"/>
-            <a:ext cx="0" cy="2331075"/>
-          </a:xfrm>
-          <a:prstGeom prst="line">
-            <a:avLst/>
-          </a:prstGeom>
-          <a:ln w="28575"/>
-        </p:spPr>
-        <p:style>
-          <a:lnRef idx="1">
-            <a:schemeClr val="accent1"/>
-          </a:lnRef>
-          <a:fillRef idx="0">
-            <a:schemeClr val="accent1"/>
-          </a:fillRef>
-          <a:effectRef idx="0">
-            <a:schemeClr val="accent1"/>
-          </a:effectRef>
-          <a:fontRef idx="minor">
-            <a:schemeClr val="tx1"/>
-          </a:fontRef>
-        </p:style>
-      </p:cxnSp>
-      <p:cxnSp>
-        <p:nvCxnSpPr>
-          <p:cNvPr id="7" name="Straight Connector 6"/>
-          <p:cNvCxnSpPr/>
-          <p:nvPr/>
-        </p:nvCxnSpPr>
-        <p:spPr>
-          <a:xfrm>
-            <a:off x="8203841" y="2112136"/>
-            <a:ext cx="0" cy="2331075"/>
-          </a:xfrm>
-          <a:prstGeom prst="line">
-            <a:avLst/>
-          </a:prstGeom>
-          <a:ln w="28575"/>
-        </p:spPr>
-        <p:style>
-          <a:lnRef idx="1">
-            <a:schemeClr val="accent1"/>
-          </a:lnRef>
-          <a:fillRef idx="0">
-            <a:schemeClr val="accent1"/>
-          </a:fillRef>
-          <a:effectRef idx="0">
-            <a:schemeClr val="accent1"/>
-          </a:effectRef>
-          <a:fontRef idx="minor">
-            <a:schemeClr val="tx1"/>
-          </a:fontRef>
-        </p:style>
-      </p:cxnSp>
-      <p:sp>
-        <p:nvSpPr>
-          <p:cNvPr id="9" name="Rounded Rectangle 8"/>
-          <p:cNvSpPr/>
-          <p:nvPr/>
-        </p:nvSpPr>
-        <p:spPr>
-          <a:xfrm>
-            <a:off x="3438658" y="2395472"/>
-            <a:ext cx="4765183" cy="1764405"/>
-          </a:xfrm>
-          <a:prstGeom prst="roundRect">
-            <a:avLst/>
-          </a:prstGeom>
-          <a:solidFill>
-            <a:srgbClr val="00B0F0"/>
-          </a:solidFill>
-          <a:ln>
-            <a:solidFill>
-              <a:srgbClr val="00B0F0"/>
-            </a:solidFill>
-          </a:ln>
-        </p:spPr>
-        <p:style>
-          <a:lnRef idx="2">
-            <a:schemeClr val="accent1">
-              <a:shade val="50000"/>
-            </a:schemeClr>
-          </a:lnRef>
-          <a:fillRef idx="1">
-            <a:schemeClr val="accent1"/>
-          </a:fillRef>
-          <a:effectRef idx="0">
-            <a:schemeClr val="accent1"/>
-          </a:effectRef>
-          <a:fontRef idx="minor">
-            <a:schemeClr val="lt1"/>
-          </a:fontRef>
-        </p:style>
-        <p:txBody>
-          <a:bodyPr rtlCol="0" anchor="ctr"/>
-          <a:lstStyle/>
-          <a:p>
-            <a:pPr algn="ctr"/>
-            <a:endParaRPr lang="es-ES"/>
-          </a:p>
-        </p:txBody>
-      </p:sp>
-      <p:sp>
-        <p:nvSpPr>
-          <p:cNvPr id="10" name="Rounded Rectangle 9"/>
-          <p:cNvSpPr/>
-          <p:nvPr/>
-        </p:nvSpPr>
-        <p:spPr>
-          <a:xfrm>
-            <a:off x="3438658" y="2112136"/>
-            <a:ext cx="1893196" cy="476518"/>
-          </a:xfrm>
-          <a:prstGeom prst="roundRect">
-            <a:avLst/>
-          </a:prstGeom>
-          <a:solidFill>
-            <a:srgbClr val="00B0F0"/>
-          </a:solidFill>
-          <a:ln>
-            <a:solidFill>
-              <a:srgbClr val="00B0F0"/>
-            </a:solidFill>
-          </a:ln>
-        </p:spPr>
-        <p:style>
-          <a:lnRef idx="2">
-            <a:schemeClr val="accent1">
-              <a:shade val="50000"/>
-            </a:schemeClr>
-          </a:lnRef>
-          <a:fillRef idx="1">
-            <a:schemeClr val="accent1"/>
-          </a:fillRef>
-          <a:effectRef idx="0">
-            <a:schemeClr val="accent1"/>
-          </a:effectRef>
-          <a:fontRef idx="minor">
-            <a:schemeClr val="lt1"/>
-          </a:fontRef>
-        </p:style>
-        <p:txBody>
-          <a:bodyPr rtlCol="0" anchor="ctr"/>
-          <a:lstStyle/>
-          <a:p>
-            <a:pPr algn="ctr"/>
-            <a:endParaRPr lang="es-ES"/>
-          </a:p>
-        </p:txBody>
-      </p:sp>
-      <p:sp>
-        <p:nvSpPr>
-          <p:cNvPr id="11" name="Rounded Rectangle 10"/>
-          <p:cNvSpPr/>
-          <p:nvPr/>
-        </p:nvSpPr>
-        <p:spPr>
-          <a:xfrm>
-            <a:off x="6310645" y="2099257"/>
-            <a:ext cx="1893196" cy="476518"/>
-          </a:xfrm>
-          <a:prstGeom prst="roundRect">
-            <a:avLst/>
-          </a:prstGeom>
-          <a:solidFill>
-            <a:srgbClr val="00B0F0"/>
-          </a:solidFill>
-          <a:ln>
-            <a:solidFill>
-              <a:srgbClr val="00B0F0"/>
-            </a:solidFill>
-          </a:ln>
-        </p:spPr>
-        <p:style>
-          <a:lnRef idx="2">
-            <a:schemeClr val="accent1">
-              <a:shade val="50000"/>
-            </a:schemeClr>
-          </a:lnRef>
-          <a:fillRef idx="1">
-            <a:schemeClr val="accent1"/>
-          </a:fillRef>
-          <a:effectRef idx="0">
-            <a:schemeClr val="accent1"/>
-          </a:effectRef>
-          <a:fontRef idx="minor">
-            <a:schemeClr val="lt1"/>
-          </a:fontRef>
-        </p:style>
-        <p:txBody>
-          <a:bodyPr rtlCol="0" anchor="ctr"/>
-          <a:lstStyle/>
-          <a:p>
-            <a:pPr algn="ctr"/>
-            <a:endParaRPr lang="es-ES"/>
-          </a:p>
-        </p:txBody>
-      </p:sp>
-      <p:sp>
-        <p:nvSpPr>
-          <p:cNvPr id="12" name="Rounded Rectangle 11"/>
-          <p:cNvSpPr/>
-          <p:nvPr/>
-        </p:nvSpPr>
-        <p:spPr>
-          <a:xfrm>
-            <a:off x="3438657" y="3934497"/>
-            <a:ext cx="1893196" cy="476518"/>
-          </a:xfrm>
-          <a:prstGeom prst="roundRect">
-            <a:avLst/>
-          </a:prstGeom>
-          <a:solidFill>
-            <a:srgbClr val="00B0F0"/>
-          </a:solidFill>
-          <a:ln>
-            <a:solidFill>
-              <a:srgbClr val="00B0F0"/>
-            </a:solidFill>
-          </a:ln>
-        </p:spPr>
-        <p:style>
-          <a:lnRef idx="2">
-            <a:schemeClr val="accent1">
-              <a:shade val="50000"/>
-            </a:schemeClr>
-          </a:lnRef>
-          <a:fillRef idx="1">
-            <a:schemeClr val="accent1"/>
-          </a:fillRef>
-          <a:effectRef idx="0">
-            <a:schemeClr val="accent1"/>
-          </a:effectRef>
-          <a:fontRef idx="minor">
-            <a:schemeClr val="lt1"/>
-          </a:fontRef>
-        </p:style>
-        <p:txBody>
-          <a:bodyPr rtlCol="0" anchor="ctr"/>
-          <a:lstStyle/>
-          <a:p>
-            <a:pPr algn="ctr"/>
-            <a:endParaRPr lang="es-ES"/>
-          </a:p>
-        </p:txBody>
-      </p:sp>
-      <p:sp>
-        <p:nvSpPr>
-          <p:cNvPr id="13" name="Rounded Rectangle 12"/>
-          <p:cNvSpPr/>
-          <p:nvPr/>
-        </p:nvSpPr>
-        <p:spPr>
-          <a:xfrm>
-            <a:off x="6278451" y="3937717"/>
-            <a:ext cx="1893196" cy="476518"/>
-          </a:xfrm>
-          <a:prstGeom prst="roundRect">
-            <a:avLst/>
-          </a:prstGeom>
-          <a:solidFill>
-            <a:srgbClr val="00B0F0"/>
-          </a:solidFill>
-          <a:ln>
-            <a:solidFill>
-              <a:srgbClr val="00B0F0"/>
-            </a:solidFill>
-          </a:ln>
-        </p:spPr>
-        <p:style>
-          <a:lnRef idx="2">
-            <a:schemeClr val="accent1">
-              <a:shade val="50000"/>
-            </a:schemeClr>
-          </a:lnRef>
-          <a:fillRef idx="1">
-            <a:schemeClr val="accent1"/>
-          </a:fillRef>
-          <a:effectRef idx="0">
-            <a:schemeClr val="accent1"/>
-          </a:effectRef>
-          <a:fontRef idx="minor">
-            <a:schemeClr val="lt1"/>
-          </a:fontRef>
-        </p:style>
-        <p:txBody>
-          <a:bodyPr rtlCol="0" anchor="ctr"/>
-          <a:lstStyle/>
-          <a:p>
-            <a:pPr algn="ctr"/>
-            <a:endParaRPr lang="es-ES"/>
-          </a:p>
-        </p:txBody>
-      </p:sp>
-      <p:sp>
-        <p:nvSpPr>
-          <p:cNvPr id="14" name="Rounded Rectangle 13"/>
-          <p:cNvSpPr/>
-          <p:nvPr/>
-        </p:nvSpPr>
-        <p:spPr>
-          <a:xfrm>
-            <a:off x="3432216" y="2421231"/>
-            <a:ext cx="1893196" cy="476518"/>
-          </a:xfrm>
-          <a:prstGeom prst="roundRect">
-            <a:avLst/>
-          </a:prstGeom>
-          <a:solidFill>
-            <a:srgbClr val="00B0F0"/>
-          </a:solidFill>
-          <a:ln>
-            <a:solidFill>
-              <a:srgbClr val="00B0F0"/>
-            </a:solidFill>
-          </a:ln>
-        </p:spPr>
-        <p:style>
-          <a:lnRef idx="2">
-            <a:schemeClr val="accent1">
-              <a:shade val="50000"/>
-            </a:schemeClr>
-          </a:lnRef>
-          <a:fillRef idx="1">
-            <a:schemeClr val="accent1"/>
-          </a:fillRef>
-          <a:effectRef idx="0">
-            <a:schemeClr val="accent1"/>
-          </a:effectRef>
-          <a:fontRef idx="minor">
-            <a:schemeClr val="lt1"/>
-          </a:fontRef>
-        </p:style>
-        <p:txBody>
-          <a:bodyPr rtlCol="0" anchor="ctr"/>
-          <a:lstStyle/>
-          <a:p>
-            <a:pPr algn="ctr"/>
-            <a:endParaRPr lang="es-ES"/>
-          </a:p>
-        </p:txBody>
-      </p:sp>
-      <p:sp>
-        <p:nvSpPr>
-          <p:cNvPr id="15" name="Rounded Rectangle 14"/>
-          <p:cNvSpPr/>
-          <p:nvPr/>
-        </p:nvSpPr>
-        <p:spPr>
-          <a:xfrm>
-            <a:off x="3454754" y="4011770"/>
-            <a:ext cx="1893196" cy="476518"/>
-          </a:xfrm>
-          <a:prstGeom prst="roundRect">
-            <a:avLst/>
-          </a:prstGeom>
-          <a:solidFill>
-            <a:srgbClr val="00B0F0"/>
-          </a:solidFill>
-          <a:ln>
-            <a:solidFill>
-              <a:srgbClr val="00B0F0"/>
-            </a:solidFill>
-          </a:ln>
-        </p:spPr>
-        <p:style>
-          <a:lnRef idx="2">
-            <a:schemeClr val="accent1">
-              <a:shade val="50000"/>
-            </a:schemeClr>
-          </a:lnRef>
-          <a:fillRef idx="1">
-            <a:schemeClr val="accent1"/>
-          </a:fillRef>
-          <a:effectRef idx="0">
-            <a:schemeClr val="accent1"/>
-          </a:effectRef>
-          <a:fontRef idx="minor">
-            <a:schemeClr val="lt1"/>
-          </a:fontRef>
-        </p:style>
-        <p:txBody>
-          <a:bodyPr rtlCol="0" anchor="ctr"/>
-          <a:lstStyle/>
-          <a:p>
-            <a:pPr algn="ctr"/>
-            <a:endParaRPr lang="es-ES"/>
-          </a:p>
-        </p:txBody>
-      </p:sp>
-      <p:sp>
-        <p:nvSpPr>
-          <p:cNvPr id="16" name="Rounded Rectangle 15"/>
-          <p:cNvSpPr/>
-          <p:nvPr/>
-        </p:nvSpPr>
-        <p:spPr>
-          <a:xfrm>
-            <a:off x="6278451" y="4011770"/>
-            <a:ext cx="1893196" cy="476518"/>
-          </a:xfrm>
-          <a:prstGeom prst="roundRect">
-            <a:avLst/>
-          </a:prstGeom>
-          <a:solidFill>
-            <a:srgbClr val="00B0F0"/>
-          </a:solidFill>
-          <a:ln>
-            <a:solidFill>
-              <a:srgbClr val="00B0F0"/>
-            </a:solidFill>
-          </a:ln>
-        </p:spPr>
-        <p:style>
-          <a:lnRef idx="2">
-            <a:schemeClr val="accent1">
-              <a:shade val="50000"/>
-            </a:schemeClr>
-          </a:lnRef>
-          <a:fillRef idx="1">
-            <a:schemeClr val="accent1"/>
-          </a:fillRef>
-          <a:effectRef idx="0">
-            <a:schemeClr val="accent1"/>
-          </a:effectRef>
-          <a:fontRef idx="minor">
-            <a:schemeClr val="lt1"/>
-          </a:fontRef>
-        </p:style>
-        <p:txBody>
-          <a:bodyPr rtlCol="0" anchor="ctr"/>
-          <a:lstStyle/>
-          <a:p>
-            <a:pPr algn="ctr"/>
-            <a:endParaRPr lang="es-ES"/>
-          </a:p>
-        </p:txBody>
-      </p:sp>
-      <p:cxnSp>
-        <p:nvCxnSpPr>
-          <p:cNvPr id="17" name="Straight Connector 16"/>
-          <p:cNvCxnSpPr/>
-          <p:nvPr/>
-        </p:nvCxnSpPr>
-        <p:spPr>
-          <a:xfrm>
-            <a:off x="5821249" y="502276"/>
-            <a:ext cx="1" cy="5190185"/>
+            <a:off x="5821250" y="1094704"/>
+            <a:ext cx="0" cy="4597757"/>
           </a:xfrm>
           <a:prstGeom prst="line">
             <a:avLst/>
@@ -5327,21 +5036,21 @@
       </p:cxnSp>
       <p:cxnSp>
         <p:nvCxnSpPr>
-          <p:cNvPr id="19" name="Straight Arrow Connector 18"/>
+          <p:cNvPr id="9" name="Straight Arrow Connector 8"/>
           <p:cNvCxnSpPr>
-            <a:endCxn id="9" idx="3"/>
+            <a:endCxn id="2" idx="7"/>
           </p:cNvCxnSpPr>
           <p:nvPr/>
         </p:nvCxnSpPr>
         <p:spPr>
-          <a:xfrm>
-            <a:off x="5821249" y="3277673"/>
-            <a:ext cx="2382592" cy="2"/>
+          <a:xfrm flipV="1">
+            <a:off x="5821250" y="3740587"/>
+            <a:ext cx="1684747" cy="200348"/>
           </a:xfrm>
           <a:prstGeom prst="straightConnector1">
             <a:avLst/>
           </a:prstGeom>
-          <a:ln w="38100">
+          <a:ln>
             <a:solidFill>
               <a:schemeClr val="tx1"/>
             </a:solidFill>
@@ -5366,7 +5075,7 @@
     </p:spTree>
     <p:extLst>
       <p:ext uri="{BB962C8B-B14F-4D97-AF65-F5344CB8AC3E}">
-        <p14:creationId xmlns:p14="http://schemas.microsoft.com/office/powerpoint/2010/main" val="1772734685"/>
+        <p14:creationId xmlns:p14="http://schemas.microsoft.com/office/powerpoint/2010/main" val="1313278780"/>
       </p:ext>
     </p:extLst>
   </p:cSld>
@@ -5401,7 +5110,7 @@
         </p:nvSpPr>
         <p:spPr>
           <a:xfrm>
-            <a:off x="3438659" y="3657600"/>
+            <a:off x="3438658" y="4159877"/>
             <a:ext cx="4765183" cy="566670"/>
           </a:xfrm>
           <a:prstGeom prst="ellipse">
@@ -5410,6 +5119,11 @@
           <a:solidFill>
             <a:srgbClr val="00B0F0"/>
           </a:solidFill>
+          <a:ln>
+            <a:solidFill>
+              <a:srgbClr val="00B0F0"/>
+            </a:solidFill>
+          </a:ln>
         </p:spPr>
         <p:style>
           <a:lnRef idx="2">
@@ -5436,21 +5150,555 @@
           </a:p>
         </p:txBody>
       </p:sp>
+      <p:sp>
+        <p:nvSpPr>
+          <p:cNvPr id="4" name="Oval 3"/>
+          <p:cNvSpPr/>
+          <p:nvPr/>
+        </p:nvSpPr>
+        <p:spPr>
+          <a:xfrm>
+            <a:off x="3438658" y="1828802"/>
+            <a:ext cx="4765183" cy="566670"/>
+          </a:xfrm>
+          <a:prstGeom prst="ellipse">
+            <a:avLst/>
+          </a:prstGeom>
+          <a:solidFill>
+            <a:srgbClr val="00B0F0"/>
+          </a:solidFill>
+          <a:ln>
+            <a:solidFill>
+              <a:srgbClr val="00B0F0"/>
+            </a:solidFill>
+          </a:ln>
+        </p:spPr>
+        <p:style>
+          <a:lnRef idx="2">
+            <a:schemeClr val="accent1">
+              <a:shade val="50000"/>
+            </a:schemeClr>
+          </a:lnRef>
+          <a:fillRef idx="1">
+            <a:schemeClr val="accent1"/>
+          </a:fillRef>
+          <a:effectRef idx="0">
+            <a:schemeClr val="accent1"/>
+          </a:effectRef>
+          <a:fontRef idx="minor">
+            <a:schemeClr val="lt1"/>
+          </a:fontRef>
+        </p:style>
+        <p:txBody>
+          <a:bodyPr rtlCol="0" anchor="ctr"/>
+          <a:lstStyle/>
+          <a:p>
+            <a:pPr algn="ctr"/>
+            <a:endParaRPr lang="es-ES"/>
+          </a:p>
+        </p:txBody>
+      </p:sp>
       <p:cxnSp>
         <p:nvCxnSpPr>
-          <p:cNvPr id="3" name="Straight Arrow Connector 2"/>
+          <p:cNvPr id="6" name="Straight Connector 5"/>
+          <p:cNvCxnSpPr>
+            <a:stCxn id="4" idx="2"/>
+            <a:endCxn id="2" idx="2"/>
+          </p:cNvCxnSpPr>
+          <p:nvPr/>
+        </p:nvCxnSpPr>
+        <p:spPr>
+          <a:xfrm>
+            <a:off x="3438658" y="2112137"/>
+            <a:ext cx="0" cy="2331075"/>
+          </a:xfrm>
+          <a:prstGeom prst="line">
+            <a:avLst/>
+          </a:prstGeom>
+          <a:ln w="28575"/>
+        </p:spPr>
+        <p:style>
+          <a:lnRef idx="1">
+            <a:schemeClr val="accent1"/>
+          </a:lnRef>
+          <a:fillRef idx="0">
+            <a:schemeClr val="accent1"/>
+          </a:fillRef>
+          <a:effectRef idx="0">
+            <a:schemeClr val="accent1"/>
+          </a:effectRef>
+          <a:fontRef idx="minor">
+            <a:schemeClr val="tx1"/>
+          </a:fontRef>
+        </p:style>
+      </p:cxnSp>
+      <p:cxnSp>
+        <p:nvCxnSpPr>
+          <p:cNvPr id="7" name="Straight Connector 6"/>
           <p:cNvCxnSpPr/>
           <p:nvPr/>
         </p:nvCxnSpPr>
         <p:spPr>
-          <a:xfrm flipV="1">
-            <a:off x="5821250" y="3740587"/>
-            <a:ext cx="1684747" cy="200348"/>
+          <a:xfrm>
+            <a:off x="8203841" y="2112136"/>
+            <a:ext cx="0" cy="2331075"/>
+          </a:xfrm>
+          <a:prstGeom prst="line">
+            <a:avLst/>
+          </a:prstGeom>
+          <a:ln w="28575"/>
+        </p:spPr>
+        <p:style>
+          <a:lnRef idx="1">
+            <a:schemeClr val="accent1"/>
+          </a:lnRef>
+          <a:fillRef idx="0">
+            <a:schemeClr val="accent1"/>
+          </a:fillRef>
+          <a:effectRef idx="0">
+            <a:schemeClr val="accent1"/>
+          </a:effectRef>
+          <a:fontRef idx="minor">
+            <a:schemeClr val="tx1"/>
+          </a:fontRef>
+        </p:style>
+      </p:cxnSp>
+      <p:sp>
+        <p:nvSpPr>
+          <p:cNvPr id="9" name="Rounded Rectangle 8"/>
+          <p:cNvSpPr/>
+          <p:nvPr/>
+        </p:nvSpPr>
+        <p:spPr>
+          <a:xfrm>
+            <a:off x="3438658" y="2395472"/>
+            <a:ext cx="4765183" cy="1764405"/>
+          </a:xfrm>
+          <a:prstGeom prst="roundRect">
+            <a:avLst/>
+          </a:prstGeom>
+          <a:solidFill>
+            <a:srgbClr val="00B0F0"/>
+          </a:solidFill>
+          <a:ln>
+            <a:solidFill>
+              <a:srgbClr val="00B0F0"/>
+            </a:solidFill>
+          </a:ln>
+        </p:spPr>
+        <p:style>
+          <a:lnRef idx="2">
+            <a:schemeClr val="accent1">
+              <a:shade val="50000"/>
+            </a:schemeClr>
+          </a:lnRef>
+          <a:fillRef idx="1">
+            <a:schemeClr val="accent1"/>
+          </a:fillRef>
+          <a:effectRef idx="0">
+            <a:schemeClr val="accent1"/>
+          </a:effectRef>
+          <a:fontRef idx="minor">
+            <a:schemeClr val="lt1"/>
+          </a:fontRef>
+        </p:style>
+        <p:txBody>
+          <a:bodyPr rtlCol="0" anchor="ctr"/>
+          <a:lstStyle/>
+          <a:p>
+            <a:pPr algn="ctr"/>
+            <a:endParaRPr lang="es-ES"/>
+          </a:p>
+        </p:txBody>
+      </p:sp>
+      <p:sp>
+        <p:nvSpPr>
+          <p:cNvPr id="10" name="Rounded Rectangle 9"/>
+          <p:cNvSpPr/>
+          <p:nvPr/>
+        </p:nvSpPr>
+        <p:spPr>
+          <a:xfrm>
+            <a:off x="3438658" y="2112136"/>
+            <a:ext cx="1893196" cy="476518"/>
+          </a:xfrm>
+          <a:prstGeom prst="roundRect">
+            <a:avLst/>
+          </a:prstGeom>
+          <a:solidFill>
+            <a:srgbClr val="00B0F0"/>
+          </a:solidFill>
+          <a:ln>
+            <a:solidFill>
+              <a:srgbClr val="00B0F0"/>
+            </a:solidFill>
+          </a:ln>
+        </p:spPr>
+        <p:style>
+          <a:lnRef idx="2">
+            <a:schemeClr val="accent1">
+              <a:shade val="50000"/>
+            </a:schemeClr>
+          </a:lnRef>
+          <a:fillRef idx="1">
+            <a:schemeClr val="accent1"/>
+          </a:fillRef>
+          <a:effectRef idx="0">
+            <a:schemeClr val="accent1"/>
+          </a:effectRef>
+          <a:fontRef idx="minor">
+            <a:schemeClr val="lt1"/>
+          </a:fontRef>
+        </p:style>
+        <p:txBody>
+          <a:bodyPr rtlCol="0" anchor="ctr"/>
+          <a:lstStyle/>
+          <a:p>
+            <a:pPr algn="ctr"/>
+            <a:endParaRPr lang="es-ES"/>
+          </a:p>
+        </p:txBody>
+      </p:sp>
+      <p:sp>
+        <p:nvSpPr>
+          <p:cNvPr id="11" name="Rounded Rectangle 10"/>
+          <p:cNvSpPr/>
+          <p:nvPr/>
+        </p:nvSpPr>
+        <p:spPr>
+          <a:xfrm>
+            <a:off x="6310645" y="2099257"/>
+            <a:ext cx="1893196" cy="476518"/>
+          </a:xfrm>
+          <a:prstGeom prst="roundRect">
+            <a:avLst/>
+          </a:prstGeom>
+          <a:solidFill>
+            <a:srgbClr val="00B0F0"/>
+          </a:solidFill>
+          <a:ln>
+            <a:solidFill>
+              <a:srgbClr val="00B0F0"/>
+            </a:solidFill>
+          </a:ln>
+        </p:spPr>
+        <p:style>
+          <a:lnRef idx="2">
+            <a:schemeClr val="accent1">
+              <a:shade val="50000"/>
+            </a:schemeClr>
+          </a:lnRef>
+          <a:fillRef idx="1">
+            <a:schemeClr val="accent1"/>
+          </a:fillRef>
+          <a:effectRef idx="0">
+            <a:schemeClr val="accent1"/>
+          </a:effectRef>
+          <a:fontRef idx="minor">
+            <a:schemeClr val="lt1"/>
+          </a:fontRef>
+        </p:style>
+        <p:txBody>
+          <a:bodyPr rtlCol="0" anchor="ctr"/>
+          <a:lstStyle/>
+          <a:p>
+            <a:pPr algn="ctr"/>
+            <a:endParaRPr lang="es-ES"/>
+          </a:p>
+        </p:txBody>
+      </p:sp>
+      <p:sp>
+        <p:nvSpPr>
+          <p:cNvPr id="12" name="Rounded Rectangle 11"/>
+          <p:cNvSpPr/>
+          <p:nvPr/>
+        </p:nvSpPr>
+        <p:spPr>
+          <a:xfrm>
+            <a:off x="3438657" y="3934497"/>
+            <a:ext cx="1893196" cy="476518"/>
+          </a:xfrm>
+          <a:prstGeom prst="roundRect">
+            <a:avLst/>
+          </a:prstGeom>
+          <a:solidFill>
+            <a:srgbClr val="00B0F0"/>
+          </a:solidFill>
+          <a:ln>
+            <a:solidFill>
+              <a:srgbClr val="00B0F0"/>
+            </a:solidFill>
+          </a:ln>
+        </p:spPr>
+        <p:style>
+          <a:lnRef idx="2">
+            <a:schemeClr val="accent1">
+              <a:shade val="50000"/>
+            </a:schemeClr>
+          </a:lnRef>
+          <a:fillRef idx="1">
+            <a:schemeClr val="accent1"/>
+          </a:fillRef>
+          <a:effectRef idx="0">
+            <a:schemeClr val="accent1"/>
+          </a:effectRef>
+          <a:fontRef idx="minor">
+            <a:schemeClr val="lt1"/>
+          </a:fontRef>
+        </p:style>
+        <p:txBody>
+          <a:bodyPr rtlCol="0" anchor="ctr"/>
+          <a:lstStyle/>
+          <a:p>
+            <a:pPr algn="ctr"/>
+            <a:endParaRPr lang="es-ES"/>
+          </a:p>
+        </p:txBody>
+      </p:sp>
+      <p:sp>
+        <p:nvSpPr>
+          <p:cNvPr id="13" name="Rounded Rectangle 12"/>
+          <p:cNvSpPr/>
+          <p:nvPr/>
+        </p:nvSpPr>
+        <p:spPr>
+          <a:xfrm>
+            <a:off x="6278451" y="3937717"/>
+            <a:ext cx="1893196" cy="476518"/>
+          </a:xfrm>
+          <a:prstGeom prst="roundRect">
+            <a:avLst/>
+          </a:prstGeom>
+          <a:solidFill>
+            <a:srgbClr val="00B0F0"/>
+          </a:solidFill>
+          <a:ln>
+            <a:solidFill>
+              <a:srgbClr val="00B0F0"/>
+            </a:solidFill>
+          </a:ln>
+        </p:spPr>
+        <p:style>
+          <a:lnRef idx="2">
+            <a:schemeClr val="accent1">
+              <a:shade val="50000"/>
+            </a:schemeClr>
+          </a:lnRef>
+          <a:fillRef idx="1">
+            <a:schemeClr val="accent1"/>
+          </a:fillRef>
+          <a:effectRef idx="0">
+            <a:schemeClr val="accent1"/>
+          </a:effectRef>
+          <a:fontRef idx="minor">
+            <a:schemeClr val="lt1"/>
+          </a:fontRef>
+        </p:style>
+        <p:txBody>
+          <a:bodyPr rtlCol="0" anchor="ctr"/>
+          <a:lstStyle/>
+          <a:p>
+            <a:pPr algn="ctr"/>
+            <a:endParaRPr lang="es-ES"/>
+          </a:p>
+        </p:txBody>
+      </p:sp>
+      <p:sp>
+        <p:nvSpPr>
+          <p:cNvPr id="14" name="Rounded Rectangle 13"/>
+          <p:cNvSpPr/>
+          <p:nvPr/>
+        </p:nvSpPr>
+        <p:spPr>
+          <a:xfrm>
+            <a:off x="3432216" y="2421231"/>
+            <a:ext cx="1893196" cy="476518"/>
+          </a:xfrm>
+          <a:prstGeom prst="roundRect">
+            <a:avLst/>
+          </a:prstGeom>
+          <a:solidFill>
+            <a:srgbClr val="00B0F0"/>
+          </a:solidFill>
+          <a:ln>
+            <a:solidFill>
+              <a:srgbClr val="00B0F0"/>
+            </a:solidFill>
+          </a:ln>
+        </p:spPr>
+        <p:style>
+          <a:lnRef idx="2">
+            <a:schemeClr val="accent1">
+              <a:shade val="50000"/>
+            </a:schemeClr>
+          </a:lnRef>
+          <a:fillRef idx="1">
+            <a:schemeClr val="accent1"/>
+          </a:fillRef>
+          <a:effectRef idx="0">
+            <a:schemeClr val="accent1"/>
+          </a:effectRef>
+          <a:fontRef idx="minor">
+            <a:schemeClr val="lt1"/>
+          </a:fontRef>
+        </p:style>
+        <p:txBody>
+          <a:bodyPr rtlCol="0" anchor="ctr"/>
+          <a:lstStyle/>
+          <a:p>
+            <a:pPr algn="ctr"/>
+            <a:endParaRPr lang="es-ES"/>
+          </a:p>
+        </p:txBody>
+      </p:sp>
+      <p:sp>
+        <p:nvSpPr>
+          <p:cNvPr id="15" name="Rounded Rectangle 14"/>
+          <p:cNvSpPr/>
+          <p:nvPr/>
+        </p:nvSpPr>
+        <p:spPr>
+          <a:xfrm>
+            <a:off x="3454754" y="4011770"/>
+            <a:ext cx="1893196" cy="476518"/>
+          </a:xfrm>
+          <a:prstGeom prst="roundRect">
+            <a:avLst/>
+          </a:prstGeom>
+          <a:solidFill>
+            <a:srgbClr val="00B0F0"/>
+          </a:solidFill>
+          <a:ln>
+            <a:solidFill>
+              <a:srgbClr val="00B0F0"/>
+            </a:solidFill>
+          </a:ln>
+        </p:spPr>
+        <p:style>
+          <a:lnRef idx="2">
+            <a:schemeClr val="accent1">
+              <a:shade val="50000"/>
+            </a:schemeClr>
+          </a:lnRef>
+          <a:fillRef idx="1">
+            <a:schemeClr val="accent1"/>
+          </a:fillRef>
+          <a:effectRef idx="0">
+            <a:schemeClr val="accent1"/>
+          </a:effectRef>
+          <a:fontRef idx="minor">
+            <a:schemeClr val="lt1"/>
+          </a:fontRef>
+        </p:style>
+        <p:txBody>
+          <a:bodyPr rtlCol="0" anchor="ctr"/>
+          <a:lstStyle/>
+          <a:p>
+            <a:pPr algn="ctr"/>
+            <a:endParaRPr lang="es-ES"/>
+          </a:p>
+        </p:txBody>
+      </p:sp>
+      <p:sp>
+        <p:nvSpPr>
+          <p:cNvPr id="16" name="Rounded Rectangle 15"/>
+          <p:cNvSpPr/>
+          <p:nvPr/>
+        </p:nvSpPr>
+        <p:spPr>
+          <a:xfrm>
+            <a:off x="6278451" y="4011770"/>
+            <a:ext cx="1893196" cy="476518"/>
+          </a:xfrm>
+          <a:prstGeom prst="roundRect">
+            <a:avLst/>
+          </a:prstGeom>
+          <a:solidFill>
+            <a:srgbClr val="00B0F0"/>
+          </a:solidFill>
+          <a:ln>
+            <a:solidFill>
+              <a:srgbClr val="00B0F0"/>
+            </a:solidFill>
+          </a:ln>
+        </p:spPr>
+        <p:style>
+          <a:lnRef idx="2">
+            <a:schemeClr val="accent1">
+              <a:shade val="50000"/>
+            </a:schemeClr>
+          </a:lnRef>
+          <a:fillRef idx="1">
+            <a:schemeClr val="accent1"/>
+          </a:fillRef>
+          <a:effectRef idx="0">
+            <a:schemeClr val="accent1"/>
+          </a:effectRef>
+          <a:fontRef idx="minor">
+            <a:schemeClr val="lt1"/>
+          </a:fontRef>
+        </p:style>
+        <p:txBody>
+          <a:bodyPr rtlCol="0" anchor="ctr"/>
+          <a:lstStyle/>
+          <a:p>
+            <a:pPr algn="ctr"/>
+            <a:endParaRPr lang="es-ES"/>
+          </a:p>
+        </p:txBody>
+      </p:sp>
+      <p:cxnSp>
+        <p:nvCxnSpPr>
+          <p:cNvPr id="17" name="Straight Connector 16"/>
+          <p:cNvCxnSpPr/>
+          <p:nvPr/>
+        </p:nvCxnSpPr>
+        <p:spPr>
+          <a:xfrm>
+            <a:off x="5821249" y="502276"/>
+            <a:ext cx="1" cy="5190185"/>
+          </a:xfrm>
+          <a:prstGeom prst="line">
+            <a:avLst/>
+          </a:prstGeom>
+          <a:ln w="38100">
+            <a:solidFill>
+              <a:schemeClr val="tx1"/>
+            </a:solidFill>
+          </a:ln>
+        </p:spPr>
+        <p:style>
+          <a:lnRef idx="1">
+            <a:schemeClr val="accent1"/>
+          </a:lnRef>
+          <a:fillRef idx="0">
+            <a:schemeClr val="accent1"/>
+          </a:fillRef>
+          <a:effectRef idx="0">
+            <a:schemeClr val="accent1"/>
+          </a:effectRef>
+          <a:fontRef idx="minor">
+            <a:schemeClr val="tx1"/>
+          </a:fontRef>
+        </p:style>
+      </p:cxnSp>
+      <p:cxnSp>
+        <p:nvCxnSpPr>
+          <p:cNvPr id="19" name="Straight Arrow Connector 18"/>
+          <p:cNvCxnSpPr>
+            <a:endCxn id="9" idx="3"/>
+          </p:cNvCxnSpPr>
+          <p:nvPr/>
+        </p:nvCxnSpPr>
+        <p:spPr>
+          <a:xfrm>
+            <a:off x="5821249" y="3277673"/>
+            <a:ext cx="2382592" cy="2"/>
           </a:xfrm>
           <a:prstGeom prst="straightConnector1">
             <a:avLst/>
           </a:prstGeom>
-          <a:ln>
+          <a:ln w="38100">
             <a:solidFill>
               <a:schemeClr val="tx1"/>
             </a:solidFill>
@@ -5472,355 +5720,10 @@
           </a:fontRef>
         </p:style>
       </p:cxnSp>
-      <p:sp>
-        <p:nvSpPr>
-          <p:cNvPr id="4" name="Oval 3"/>
-          <p:cNvSpPr/>
-          <p:nvPr/>
-        </p:nvSpPr>
-        <p:spPr>
-          <a:xfrm>
-            <a:off x="3438659" y="2890582"/>
-            <a:ext cx="4765183" cy="566670"/>
-          </a:xfrm>
-          <a:prstGeom prst="ellipse">
-            <a:avLst/>
-          </a:prstGeom>
-          <a:solidFill>
-            <a:srgbClr val="00B0F0"/>
-          </a:solidFill>
-        </p:spPr>
-        <p:style>
-          <a:lnRef idx="2">
-            <a:schemeClr val="accent1">
-              <a:shade val="50000"/>
-            </a:schemeClr>
-          </a:lnRef>
-          <a:fillRef idx="1">
-            <a:schemeClr val="accent1"/>
-          </a:fillRef>
-          <a:effectRef idx="0">
-            <a:schemeClr val="accent1"/>
-          </a:effectRef>
-          <a:fontRef idx="minor">
-            <a:schemeClr val="lt1"/>
-          </a:fontRef>
-        </p:style>
-        <p:txBody>
-          <a:bodyPr rtlCol="0" anchor="ctr"/>
-          <a:lstStyle/>
-          <a:p>
-            <a:pPr algn="ctr"/>
-            <a:endParaRPr lang="es-ES"/>
-          </a:p>
-        </p:txBody>
-      </p:sp>
-      <p:sp>
-        <p:nvSpPr>
-          <p:cNvPr id="5" name="Oval 4"/>
-          <p:cNvSpPr/>
-          <p:nvPr/>
-        </p:nvSpPr>
-        <p:spPr>
-          <a:xfrm>
-            <a:off x="3438658" y="2139300"/>
-            <a:ext cx="4765183" cy="566670"/>
-          </a:xfrm>
-          <a:prstGeom prst="ellipse">
-            <a:avLst/>
-          </a:prstGeom>
-          <a:solidFill>
-            <a:srgbClr val="00B0F0"/>
-          </a:solidFill>
-        </p:spPr>
-        <p:style>
-          <a:lnRef idx="2">
-            <a:schemeClr val="accent1">
-              <a:shade val="50000"/>
-            </a:schemeClr>
-          </a:lnRef>
-          <a:fillRef idx="1">
-            <a:schemeClr val="accent1"/>
-          </a:fillRef>
-          <a:effectRef idx="0">
-            <a:schemeClr val="accent1"/>
-          </a:effectRef>
-          <a:fontRef idx="minor">
-            <a:schemeClr val="lt1"/>
-          </a:fontRef>
-        </p:style>
-        <p:txBody>
-          <a:bodyPr rtlCol="0" anchor="ctr"/>
-          <a:lstStyle/>
-          <a:p>
-            <a:pPr algn="ctr"/>
-            <a:endParaRPr lang="es-ES"/>
-          </a:p>
-        </p:txBody>
-      </p:sp>
-      <p:sp>
-        <p:nvSpPr>
-          <p:cNvPr id="6" name="Oval 5"/>
-          <p:cNvSpPr/>
-          <p:nvPr/>
-        </p:nvSpPr>
-        <p:spPr>
-          <a:xfrm>
-            <a:off x="3438658" y="4424618"/>
-            <a:ext cx="4765183" cy="566670"/>
-          </a:xfrm>
-          <a:prstGeom prst="ellipse">
-            <a:avLst/>
-          </a:prstGeom>
-          <a:solidFill>
-            <a:srgbClr val="00B0F0"/>
-          </a:solidFill>
-        </p:spPr>
-        <p:style>
-          <a:lnRef idx="2">
-            <a:schemeClr val="accent1">
-              <a:shade val="50000"/>
-            </a:schemeClr>
-          </a:lnRef>
-          <a:fillRef idx="1">
-            <a:schemeClr val="accent1"/>
-          </a:fillRef>
-          <a:effectRef idx="0">
-            <a:schemeClr val="accent1"/>
-          </a:effectRef>
-          <a:fontRef idx="minor">
-            <a:schemeClr val="lt1"/>
-          </a:fontRef>
-        </p:style>
-        <p:txBody>
-          <a:bodyPr rtlCol="0" anchor="ctr"/>
-          <a:lstStyle/>
-          <a:p>
-            <a:pPr algn="ctr"/>
-            <a:endParaRPr lang="es-ES"/>
-          </a:p>
-        </p:txBody>
-      </p:sp>
-      <p:cxnSp>
-        <p:nvCxnSpPr>
-          <p:cNvPr id="7" name="Straight Arrow Connector 6"/>
-          <p:cNvCxnSpPr/>
-          <p:nvPr/>
-        </p:nvCxnSpPr>
-        <p:spPr>
-          <a:xfrm flipV="1">
-            <a:off x="5821250" y="4507605"/>
-            <a:ext cx="1684747" cy="200348"/>
-          </a:xfrm>
-          <a:prstGeom prst="straightConnector1">
-            <a:avLst/>
-          </a:prstGeom>
-          <a:ln>
-            <a:solidFill>
-              <a:schemeClr val="tx1"/>
-            </a:solidFill>
-            <a:tailEnd type="triangle"/>
-          </a:ln>
-        </p:spPr>
-        <p:style>
-          <a:lnRef idx="1">
-            <a:schemeClr val="accent1"/>
-          </a:lnRef>
-          <a:fillRef idx="0">
-            <a:schemeClr val="accent1"/>
-          </a:fillRef>
-          <a:effectRef idx="0">
-            <a:schemeClr val="accent1"/>
-          </a:effectRef>
-          <a:fontRef idx="minor">
-            <a:schemeClr val="tx1"/>
-          </a:fontRef>
-        </p:style>
-      </p:cxnSp>
-      <p:cxnSp>
-        <p:nvCxnSpPr>
-          <p:cNvPr id="8" name="Straight Arrow Connector 7"/>
-          <p:cNvCxnSpPr/>
-          <p:nvPr/>
-        </p:nvCxnSpPr>
-        <p:spPr>
-          <a:xfrm flipV="1">
-            <a:off x="5826496" y="2981437"/>
-            <a:ext cx="1684747" cy="200348"/>
-          </a:xfrm>
-          <a:prstGeom prst="straightConnector1">
-            <a:avLst/>
-          </a:prstGeom>
-          <a:ln>
-            <a:solidFill>
-              <a:schemeClr val="tx1"/>
-            </a:solidFill>
-            <a:tailEnd type="triangle"/>
-          </a:ln>
-        </p:spPr>
-        <p:style>
-          <a:lnRef idx="1">
-            <a:schemeClr val="accent1"/>
-          </a:lnRef>
-          <a:fillRef idx="0">
-            <a:schemeClr val="accent1"/>
-          </a:fillRef>
-          <a:effectRef idx="0">
-            <a:schemeClr val="accent1"/>
-          </a:effectRef>
-          <a:fontRef idx="minor">
-            <a:schemeClr val="tx1"/>
-          </a:fontRef>
-        </p:style>
-      </p:cxnSp>
-      <p:cxnSp>
-        <p:nvCxnSpPr>
-          <p:cNvPr id="9" name="Straight Arrow Connector 8"/>
-          <p:cNvCxnSpPr/>
-          <p:nvPr/>
-        </p:nvCxnSpPr>
-        <p:spPr>
-          <a:xfrm flipV="1">
-            <a:off x="5821249" y="2222287"/>
-            <a:ext cx="1684747" cy="200348"/>
-          </a:xfrm>
-          <a:prstGeom prst="straightConnector1">
-            <a:avLst/>
-          </a:prstGeom>
-          <a:ln>
-            <a:solidFill>
-              <a:schemeClr val="tx1"/>
-            </a:solidFill>
-            <a:tailEnd type="triangle"/>
-          </a:ln>
-        </p:spPr>
-        <p:style>
-          <a:lnRef idx="1">
-            <a:schemeClr val="accent1"/>
-          </a:lnRef>
-          <a:fillRef idx="0">
-            <a:schemeClr val="accent1"/>
-          </a:fillRef>
-          <a:effectRef idx="0">
-            <a:schemeClr val="accent1"/>
-          </a:effectRef>
-          <a:fontRef idx="minor">
-            <a:schemeClr val="tx1"/>
-          </a:fontRef>
-        </p:style>
-      </p:cxnSp>
-      <p:cxnSp>
-        <p:nvCxnSpPr>
-          <p:cNvPr id="10" name="Straight Connector 9"/>
-          <p:cNvCxnSpPr/>
-          <p:nvPr/>
-        </p:nvCxnSpPr>
-        <p:spPr>
-          <a:xfrm>
-            <a:off x="5821250" y="1094704"/>
-            <a:ext cx="0" cy="4597757"/>
-          </a:xfrm>
-          <a:prstGeom prst="line">
-            <a:avLst/>
-          </a:prstGeom>
-          <a:ln w="38100">
-            <a:solidFill>
-              <a:schemeClr val="tx1"/>
-            </a:solidFill>
-          </a:ln>
-        </p:spPr>
-        <p:style>
-          <a:lnRef idx="1">
-            <a:schemeClr val="accent1"/>
-          </a:lnRef>
-          <a:fillRef idx="0">
-            <a:schemeClr val="accent1"/>
-          </a:fillRef>
-          <a:effectRef idx="0">
-            <a:schemeClr val="accent1"/>
-          </a:effectRef>
-          <a:fontRef idx="minor">
-            <a:schemeClr val="tx1"/>
-          </a:fontRef>
-        </p:style>
-      </p:cxnSp>
-      <p:cxnSp>
-        <p:nvCxnSpPr>
-          <p:cNvPr id="12" name="Straight Connector 11"/>
-          <p:cNvCxnSpPr>
-            <a:stCxn id="5" idx="2"/>
-            <a:endCxn id="6" idx="2"/>
-          </p:cNvCxnSpPr>
-          <p:nvPr/>
-        </p:nvCxnSpPr>
-        <p:spPr>
-          <a:xfrm>
-            <a:off x="3438658" y="2422635"/>
-            <a:ext cx="0" cy="2285318"/>
-          </a:xfrm>
-          <a:prstGeom prst="line">
-            <a:avLst/>
-          </a:prstGeom>
-          <a:ln w="38100">
-            <a:solidFill>
-              <a:srgbClr val="00B0F0"/>
-            </a:solidFill>
-          </a:ln>
-        </p:spPr>
-        <p:style>
-          <a:lnRef idx="1">
-            <a:schemeClr val="accent1"/>
-          </a:lnRef>
-          <a:fillRef idx="0">
-            <a:schemeClr val="accent1"/>
-          </a:fillRef>
-          <a:effectRef idx="0">
-            <a:schemeClr val="accent1"/>
-          </a:effectRef>
-          <a:fontRef idx="minor">
-            <a:schemeClr val="tx1"/>
-          </a:fontRef>
-        </p:style>
-      </p:cxnSp>
-      <p:cxnSp>
-        <p:nvCxnSpPr>
-          <p:cNvPr id="13" name="Straight Connector 12"/>
-          <p:cNvCxnSpPr/>
-          <p:nvPr/>
-        </p:nvCxnSpPr>
-        <p:spPr>
-          <a:xfrm>
-            <a:off x="8203841" y="2387566"/>
-            <a:ext cx="0" cy="2285318"/>
-          </a:xfrm>
-          <a:prstGeom prst="line">
-            <a:avLst/>
-          </a:prstGeom>
-          <a:ln w="38100">
-            <a:solidFill>
-              <a:srgbClr val="00B0F0"/>
-            </a:solidFill>
-          </a:ln>
-        </p:spPr>
-        <p:style>
-          <a:lnRef idx="1">
-            <a:schemeClr val="accent1"/>
-          </a:lnRef>
-          <a:fillRef idx="0">
-            <a:schemeClr val="accent1"/>
-          </a:fillRef>
-          <a:effectRef idx="0">
-            <a:schemeClr val="accent1"/>
-          </a:effectRef>
-          <a:fontRef idx="minor">
-            <a:schemeClr val="tx1"/>
-          </a:fontRef>
-        </p:style>
-      </p:cxnSp>
     </p:spTree>
     <p:extLst>
       <p:ext uri="{BB962C8B-B14F-4D97-AF65-F5344CB8AC3E}">
-        <p14:creationId xmlns:p14="http://schemas.microsoft.com/office/powerpoint/2010/main" val="2234811684"/>
+        <p14:creationId xmlns:p14="http://schemas.microsoft.com/office/powerpoint/2010/main" val="1772734685"/>
       </p:ext>
     </p:extLst>
   </p:cSld>
@@ -5855,8 +5758,8 @@
         </p:nvSpPr>
         <p:spPr>
           <a:xfrm>
-            <a:off x="3867150" y="1695450"/>
-            <a:ext cx="4067175" cy="3857625"/>
+            <a:off x="3438659" y="3657600"/>
+            <a:ext cx="4765183" cy="566670"/>
           </a:xfrm>
           <a:prstGeom prst="ellipse">
             <a:avLst/>
@@ -5864,11 +5767,6 @@
           <a:solidFill>
             <a:srgbClr val="00B0F0"/>
           </a:solidFill>
-          <a:ln w="28575">
-            <a:solidFill>
-              <a:schemeClr val="tx1"/>
-            </a:solidFill>
-          </a:ln>
         </p:spPr>
         <p:style>
           <a:lnRef idx="2">
@@ -5895,16 +5793,52 @@
           </a:p>
         </p:txBody>
       </p:sp>
-      <p:sp>
-        <p:nvSpPr>
-          <p:cNvPr id="3" name="Oval 2"/>
+      <p:cxnSp>
+        <p:nvCxnSpPr>
+          <p:cNvPr id="3" name="Straight Arrow Connector 2"/>
+          <p:cNvCxnSpPr/>
+          <p:nvPr/>
+        </p:nvCxnSpPr>
+        <p:spPr>
+          <a:xfrm flipV="1">
+            <a:off x="5821250" y="3740587"/>
+            <a:ext cx="1684747" cy="200348"/>
+          </a:xfrm>
+          <a:prstGeom prst="straightConnector1">
+            <a:avLst/>
+          </a:prstGeom>
+          <a:ln>
+            <a:solidFill>
+              <a:schemeClr val="tx1"/>
+            </a:solidFill>
+            <a:tailEnd type="triangle"/>
+          </a:ln>
+        </p:spPr>
+        <p:style>
+          <a:lnRef idx="1">
+            <a:schemeClr val="accent1"/>
+          </a:lnRef>
+          <a:fillRef idx="0">
+            <a:schemeClr val="accent1"/>
+          </a:fillRef>
+          <a:effectRef idx="0">
+            <a:schemeClr val="accent1"/>
+          </a:effectRef>
+          <a:fontRef idx="minor">
+            <a:schemeClr val="tx1"/>
+          </a:fontRef>
+        </p:style>
+      </p:cxnSp>
+      <p:sp>
+        <p:nvSpPr>
+          <p:cNvPr id="4" name="Oval 3"/>
           <p:cNvSpPr/>
           <p:nvPr/>
         </p:nvSpPr>
         <p:spPr>
           <a:xfrm>
-            <a:off x="4714874" y="2505074"/>
-            <a:ext cx="2371725" cy="2238375"/>
+            <a:off x="3438659" y="2890582"/>
+            <a:ext cx="4765183" cy="566670"/>
           </a:xfrm>
           <a:prstGeom prst="ellipse">
             <a:avLst/>
@@ -5912,11 +5846,6 @@
           <a:solidFill>
             <a:srgbClr val="00B0F0"/>
           </a:solidFill>
-          <a:ln w="28575">
-            <a:solidFill>
-              <a:schemeClr val="tx1"/>
-            </a:solidFill>
-          </a:ln>
         </p:spPr>
         <p:style>
           <a:lnRef idx="2">
@@ -5943,21 +5872,107 @@
           </a:p>
         </p:txBody>
       </p:sp>
+      <p:sp>
+        <p:nvSpPr>
+          <p:cNvPr id="5" name="Oval 4"/>
+          <p:cNvSpPr/>
+          <p:nvPr/>
+        </p:nvSpPr>
+        <p:spPr>
+          <a:xfrm>
+            <a:off x="3438658" y="2139300"/>
+            <a:ext cx="4765183" cy="566670"/>
+          </a:xfrm>
+          <a:prstGeom prst="ellipse">
+            <a:avLst/>
+          </a:prstGeom>
+          <a:solidFill>
+            <a:srgbClr val="00B0F0"/>
+          </a:solidFill>
+        </p:spPr>
+        <p:style>
+          <a:lnRef idx="2">
+            <a:schemeClr val="accent1">
+              <a:shade val="50000"/>
+            </a:schemeClr>
+          </a:lnRef>
+          <a:fillRef idx="1">
+            <a:schemeClr val="accent1"/>
+          </a:fillRef>
+          <a:effectRef idx="0">
+            <a:schemeClr val="accent1"/>
+          </a:effectRef>
+          <a:fontRef idx="minor">
+            <a:schemeClr val="lt1"/>
+          </a:fontRef>
+        </p:style>
+        <p:txBody>
+          <a:bodyPr rtlCol="0" anchor="ctr"/>
+          <a:lstStyle/>
+          <a:p>
+            <a:pPr algn="ctr"/>
+            <a:endParaRPr lang="es-ES"/>
+          </a:p>
+        </p:txBody>
+      </p:sp>
+      <p:sp>
+        <p:nvSpPr>
+          <p:cNvPr id="6" name="Oval 5"/>
+          <p:cNvSpPr/>
+          <p:nvPr/>
+        </p:nvSpPr>
+        <p:spPr>
+          <a:xfrm>
+            <a:off x="3438658" y="4424618"/>
+            <a:ext cx="4765183" cy="566670"/>
+          </a:xfrm>
+          <a:prstGeom prst="ellipse">
+            <a:avLst/>
+          </a:prstGeom>
+          <a:solidFill>
+            <a:srgbClr val="00B0F0"/>
+          </a:solidFill>
+        </p:spPr>
+        <p:style>
+          <a:lnRef idx="2">
+            <a:schemeClr val="accent1">
+              <a:shade val="50000"/>
+            </a:schemeClr>
+          </a:lnRef>
+          <a:fillRef idx="1">
+            <a:schemeClr val="accent1"/>
+          </a:fillRef>
+          <a:effectRef idx="0">
+            <a:schemeClr val="accent1"/>
+          </a:effectRef>
+          <a:fontRef idx="minor">
+            <a:schemeClr val="lt1"/>
+          </a:fontRef>
+        </p:style>
+        <p:txBody>
+          <a:bodyPr rtlCol="0" anchor="ctr"/>
+          <a:lstStyle/>
+          <a:p>
+            <a:pPr algn="ctr"/>
+            <a:endParaRPr lang="es-ES"/>
+          </a:p>
+        </p:txBody>
+      </p:sp>
       <p:cxnSp>
         <p:nvCxnSpPr>
-          <p:cNvPr id="5" name="Straight Arrow Connector 4"/>
+          <p:cNvPr id="7" name="Straight Arrow Connector 6"/>
           <p:cNvCxnSpPr/>
           <p:nvPr/>
         </p:nvCxnSpPr>
         <p:spPr>
           <a:xfrm flipV="1">
-            <a:off x="5900736" y="2647950"/>
-            <a:ext cx="628650" cy="1053446"/>
+            <a:off x="5821250" y="4507605"/>
+            <a:ext cx="1684747" cy="200348"/>
           </a:xfrm>
           <a:prstGeom prst="straightConnector1">
             <a:avLst/>
           </a:prstGeom>
-          <a:ln w="28575">
+          <a:ln>
             <a:solidFill>
               <a:schemeClr val="tx1"/>
             </a:solidFill>
@@ -5979,56 +5994,190 @@
           </a:fontRef>
         </p:style>
       </p:cxnSp>
-      <p:sp>
-        <p:nvSpPr>
-          <p:cNvPr id="14" name="Oval 13"/>
-          <p:cNvSpPr/>
-          <p:nvPr/>
-        </p:nvSpPr>
-        <p:spPr>
-          <a:xfrm>
-            <a:off x="4657723" y="2459830"/>
-            <a:ext cx="2486025" cy="2328862"/>
-          </a:xfrm>
-          <a:prstGeom prst="ellipse">
-            <a:avLst/>
-          </a:prstGeom>
-          <a:noFill/>
-          <a:ln w="28575">
+      <p:cxnSp>
+        <p:nvCxnSpPr>
+          <p:cNvPr id="8" name="Straight Arrow Connector 7"/>
+          <p:cNvCxnSpPr/>
+          <p:nvPr/>
+        </p:nvCxnSpPr>
+        <p:spPr>
+          <a:xfrm flipV="1">
+            <a:off x="5826496" y="2981437"/>
+            <a:ext cx="1684747" cy="200348"/>
+          </a:xfrm>
+          <a:prstGeom prst="straightConnector1">
+            <a:avLst/>
+          </a:prstGeom>
+          <a:ln>
             <a:solidFill>
               <a:schemeClr val="tx1"/>
             </a:solidFill>
-          </a:ln>
-        </p:spPr>
-        <p:style>
-          <a:lnRef idx="2">
-            <a:schemeClr val="accent1">
-              <a:shade val="50000"/>
-            </a:schemeClr>
-          </a:lnRef>
-          <a:fillRef idx="1">
-            <a:schemeClr val="accent1"/>
-          </a:fillRef>
-          <a:effectRef idx="0">
-            <a:schemeClr val="accent1"/>
-          </a:effectRef>
-          <a:fontRef idx="minor">
-            <a:schemeClr val="lt1"/>
-          </a:fontRef>
-        </p:style>
-        <p:txBody>
-          <a:bodyPr rtlCol="0" anchor="ctr"/>
-          <a:lstStyle/>
-          <a:p>
-            <a:pPr algn="ctr"/>
-            <a:endParaRPr lang="es-ES"/>
-          </a:p>
-        </p:txBody>
-      </p:sp>
+            <a:tailEnd type="triangle"/>
+          </a:ln>
+        </p:spPr>
+        <p:style>
+          <a:lnRef idx="1">
+            <a:schemeClr val="accent1"/>
+          </a:lnRef>
+          <a:fillRef idx="0">
+            <a:schemeClr val="accent1"/>
+          </a:fillRef>
+          <a:effectRef idx="0">
+            <a:schemeClr val="accent1"/>
+          </a:effectRef>
+          <a:fontRef idx="minor">
+            <a:schemeClr val="tx1"/>
+          </a:fontRef>
+        </p:style>
+      </p:cxnSp>
+      <p:cxnSp>
+        <p:nvCxnSpPr>
+          <p:cNvPr id="9" name="Straight Arrow Connector 8"/>
+          <p:cNvCxnSpPr/>
+          <p:nvPr/>
+        </p:nvCxnSpPr>
+        <p:spPr>
+          <a:xfrm flipV="1">
+            <a:off x="5821249" y="2222287"/>
+            <a:ext cx="1684747" cy="200348"/>
+          </a:xfrm>
+          <a:prstGeom prst="straightConnector1">
+            <a:avLst/>
+          </a:prstGeom>
+          <a:ln>
+            <a:solidFill>
+              <a:schemeClr val="tx1"/>
+            </a:solidFill>
+            <a:tailEnd type="triangle"/>
+          </a:ln>
+        </p:spPr>
+        <p:style>
+          <a:lnRef idx="1">
+            <a:schemeClr val="accent1"/>
+          </a:lnRef>
+          <a:fillRef idx="0">
+            <a:schemeClr val="accent1"/>
+          </a:fillRef>
+          <a:effectRef idx="0">
+            <a:schemeClr val="accent1"/>
+          </a:effectRef>
+          <a:fontRef idx="minor">
+            <a:schemeClr val="tx1"/>
+          </a:fontRef>
+        </p:style>
+      </p:cxnSp>
+      <p:cxnSp>
+        <p:nvCxnSpPr>
+          <p:cNvPr id="10" name="Straight Connector 9"/>
+          <p:cNvCxnSpPr/>
+          <p:nvPr/>
+        </p:nvCxnSpPr>
+        <p:spPr>
+          <a:xfrm>
+            <a:off x="5821250" y="1094704"/>
+            <a:ext cx="0" cy="4597757"/>
+          </a:xfrm>
+          <a:prstGeom prst="line">
+            <a:avLst/>
+          </a:prstGeom>
+          <a:ln w="38100">
+            <a:solidFill>
+              <a:schemeClr val="tx1"/>
+            </a:solidFill>
+          </a:ln>
+        </p:spPr>
+        <p:style>
+          <a:lnRef idx="1">
+            <a:schemeClr val="accent1"/>
+          </a:lnRef>
+          <a:fillRef idx="0">
+            <a:schemeClr val="accent1"/>
+          </a:fillRef>
+          <a:effectRef idx="0">
+            <a:schemeClr val="accent1"/>
+          </a:effectRef>
+          <a:fontRef idx="minor">
+            <a:schemeClr val="tx1"/>
+          </a:fontRef>
+        </p:style>
+      </p:cxnSp>
+      <p:cxnSp>
+        <p:nvCxnSpPr>
+          <p:cNvPr id="12" name="Straight Connector 11"/>
+          <p:cNvCxnSpPr>
+            <a:stCxn id="5" idx="2"/>
+            <a:endCxn id="6" idx="2"/>
+          </p:cNvCxnSpPr>
+          <p:nvPr/>
+        </p:nvCxnSpPr>
+        <p:spPr>
+          <a:xfrm>
+            <a:off x="3438658" y="2422635"/>
+            <a:ext cx="0" cy="2285318"/>
+          </a:xfrm>
+          <a:prstGeom prst="line">
+            <a:avLst/>
+          </a:prstGeom>
+          <a:ln w="38100">
+            <a:solidFill>
+              <a:srgbClr val="00B0F0"/>
+            </a:solidFill>
+          </a:ln>
+        </p:spPr>
+        <p:style>
+          <a:lnRef idx="1">
+            <a:schemeClr val="accent1"/>
+          </a:lnRef>
+          <a:fillRef idx="0">
+            <a:schemeClr val="accent1"/>
+          </a:fillRef>
+          <a:effectRef idx="0">
+            <a:schemeClr val="accent1"/>
+          </a:effectRef>
+          <a:fontRef idx="minor">
+            <a:schemeClr val="tx1"/>
+          </a:fontRef>
+        </p:style>
+      </p:cxnSp>
+      <p:cxnSp>
+        <p:nvCxnSpPr>
+          <p:cNvPr id="13" name="Straight Connector 12"/>
+          <p:cNvCxnSpPr/>
+          <p:nvPr/>
+        </p:nvCxnSpPr>
+        <p:spPr>
+          <a:xfrm>
+            <a:off x="8203841" y="2387566"/>
+            <a:ext cx="0" cy="2285318"/>
+          </a:xfrm>
+          <a:prstGeom prst="line">
+            <a:avLst/>
+          </a:prstGeom>
+          <a:ln w="38100">
+            <a:solidFill>
+              <a:srgbClr val="00B0F0"/>
+            </a:solidFill>
+          </a:ln>
+        </p:spPr>
+        <p:style>
+          <a:lnRef idx="1">
+            <a:schemeClr val="accent1"/>
+          </a:lnRef>
+          <a:fillRef idx="0">
+            <a:schemeClr val="accent1"/>
+          </a:fillRef>
+          <a:effectRef idx="0">
+            <a:schemeClr val="accent1"/>
+          </a:effectRef>
+          <a:fontRef idx="minor">
+            <a:schemeClr val="tx1"/>
+          </a:fontRef>
+        </p:style>
+      </p:cxnSp>
     </p:spTree>
     <p:extLst>
       <p:ext uri="{BB962C8B-B14F-4D97-AF65-F5344CB8AC3E}">
-        <p14:creationId xmlns:p14="http://schemas.microsoft.com/office/powerpoint/2010/main" val="1277821857"/>
+        <p14:creationId xmlns:p14="http://schemas.microsoft.com/office/powerpoint/2010/main" val="2234811684"/>
       </p:ext>
     </p:extLst>
   </p:cSld>
@@ -6057,14 +6206,14 @@
       </p:grpSpPr>
       <p:sp>
         <p:nvSpPr>
-          <p:cNvPr id="3" name="Oval 2"/>
+          <p:cNvPr id="2" name="Oval 1"/>
           <p:cNvSpPr/>
           <p:nvPr/>
         </p:nvSpPr>
         <p:spPr>
           <a:xfrm>
-            <a:off x="4452933" y="2255639"/>
-            <a:ext cx="2895604" cy="2737244"/>
+            <a:off x="3867150" y="1695450"/>
+            <a:ext cx="4067175" cy="3857625"/>
           </a:xfrm>
           <a:prstGeom prst="ellipse">
             <a:avLst/>
@@ -6103,61 +6252,22 @@
           </a:p>
         </p:txBody>
       </p:sp>
-      <p:cxnSp>
-        <p:nvCxnSpPr>
-          <p:cNvPr id="5" name="Straight Arrow Connector 4"/>
-          <p:cNvCxnSpPr>
-            <a:endCxn id="3" idx="6"/>
-          </p:cNvCxnSpPr>
-          <p:nvPr/>
-        </p:nvCxnSpPr>
-        <p:spPr>
-          <a:xfrm>
-            <a:off x="7143748" y="3624261"/>
-            <a:ext cx="204789" cy="0"/>
-          </a:xfrm>
-          <a:prstGeom prst="straightConnector1">
-            <a:avLst/>
-          </a:prstGeom>
-          <a:ln>
-            <a:solidFill>
-              <a:schemeClr val="tx1"/>
-            </a:solidFill>
-            <a:headEnd type="triangle"/>
-            <a:tailEnd type="triangle"/>
-          </a:ln>
-        </p:spPr>
-        <p:style>
-          <a:lnRef idx="1">
-            <a:schemeClr val="accent1"/>
-          </a:lnRef>
-          <a:fillRef idx="0">
-            <a:schemeClr val="accent1"/>
-          </a:fillRef>
-          <a:effectRef idx="0">
-            <a:schemeClr val="accent1"/>
-          </a:effectRef>
-          <a:fontRef idx="minor">
-            <a:schemeClr val="tx1"/>
-          </a:fontRef>
-        </p:style>
-      </p:cxnSp>
-      <p:sp>
-        <p:nvSpPr>
-          <p:cNvPr id="11" name="Oval 10"/>
+      <p:sp>
+        <p:nvSpPr>
+          <p:cNvPr id="3" name="Oval 2"/>
           <p:cNvSpPr/>
           <p:nvPr/>
         </p:nvSpPr>
         <p:spPr>
           <a:xfrm>
-            <a:off x="4657723" y="2459830"/>
-            <a:ext cx="2486025" cy="2328862"/>
+            <a:off x="4714874" y="2505074"/>
+            <a:ext cx="2371725" cy="2238375"/>
           </a:xfrm>
           <a:prstGeom prst="ellipse">
             <a:avLst/>
           </a:prstGeom>
           <a:solidFill>
-            <a:schemeClr val="bg1"/>
+            <a:srgbClr val="00B0F0"/>
           </a:solidFill>
           <a:ln w="28575">
             <a:solidFill>
@@ -6192,14 +6302,14 @@
       </p:sp>
       <p:cxnSp>
         <p:nvCxnSpPr>
-          <p:cNvPr id="12" name="Straight Arrow Connector 11"/>
+          <p:cNvPr id="5" name="Straight Arrow Connector 4"/>
           <p:cNvCxnSpPr/>
           <p:nvPr/>
         </p:nvCxnSpPr>
         <p:spPr>
-          <a:xfrm>
-            <a:off x="5900735" y="3624261"/>
-            <a:ext cx="878943" cy="812065"/>
+          <a:xfrm flipV="1">
+            <a:off x="5900736" y="2647950"/>
+            <a:ext cx="628650" cy="1053446"/>
           </a:xfrm>
           <a:prstGeom prst="straightConnector1">
             <a:avLst/>
@@ -6226,10 +6336,56 @@
           </a:fontRef>
         </p:style>
       </p:cxnSp>
+      <p:sp>
+        <p:nvSpPr>
+          <p:cNvPr id="14" name="Oval 13"/>
+          <p:cNvSpPr/>
+          <p:nvPr/>
+        </p:nvSpPr>
+        <p:spPr>
+          <a:xfrm>
+            <a:off x="4657723" y="2459830"/>
+            <a:ext cx="2486025" cy="2328862"/>
+          </a:xfrm>
+          <a:prstGeom prst="ellipse">
+            <a:avLst/>
+          </a:prstGeom>
+          <a:noFill/>
+          <a:ln w="28575">
+            <a:solidFill>
+              <a:schemeClr val="tx1"/>
+            </a:solidFill>
+          </a:ln>
+        </p:spPr>
+        <p:style>
+          <a:lnRef idx="2">
+            <a:schemeClr val="accent1">
+              <a:shade val="50000"/>
+            </a:schemeClr>
+          </a:lnRef>
+          <a:fillRef idx="1">
+            <a:schemeClr val="accent1"/>
+          </a:fillRef>
+          <a:effectRef idx="0">
+            <a:schemeClr val="accent1"/>
+          </a:effectRef>
+          <a:fontRef idx="minor">
+            <a:schemeClr val="lt1"/>
+          </a:fontRef>
+        </p:style>
+        <p:txBody>
+          <a:bodyPr rtlCol="0" anchor="ctr"/>
+          <a:lstStyle/>
+          <a:p>
+            <a:pPr algn="ctr"/>
+            <a:endParaRPr lang="es-ES"/>
+          </a:p>
+        </p:txBody>
+      </p:sp>
     </p:spTree>
     <p:extLst>
       <p:ext uri="{BB962C8B-B14F-4D97-AF65-F5344CB8AC3E}">
-        <p14:creationId xmlns:p14="http://schemas.microsoft.com/office/powerpoint/2010/main" val="3636322220"/>
+        <p14:creationId xmlns:p14="http://schemas.microsoft.com/office/powerpoint/2010/main" val="1277821857"/>
       </p:ext>
     </p:extLst>
   </p:cSld>
@@ -6258,14 +6414,101 @@
       </p:grpSpPr>
       <p:sp>
         <p:nvSpPr>
-          <p:cNvPr id="2" name="Oval 1"/>
+          <p:cNvPr id="3" name="Oval 2"/>
           <p:cNvSpPr/>
           <p:nvPr/>
         </p:nvSpPr>
         <p:spPr>
           <a:xfrm>
-            <a:off x="3867150" y="1695450"/>
-            <a:ext cx="4067175" cy="3857625"/>
+            <a:off x="4452933" y="2255639"/>
+            <a:ext cx="2895604" cy="2737244"/>
+          </a:xfrm>
+          <a:prstGeom prst="ellipse">
+            <a:avLst/>
+          </a:prstGeom>
+          <a:solidFill>
+            <a:srgbClr val="00B0F0"/>
+          </a:solidFill>
+          <a:ln w="28575">
+            <a:solidFill>
+              <a:schemeClr val="tx1"/>
+            </a:solidFill>
+          </a:ln>
+        </p:spPr>
+        <p:style>
+          <a:lnRef idx="2">
+            <a:schemeClr val="accent1">
+              <a:shade val="50000"/>
+            </a:schemeClr>
+          </a:lnRef>
+          <a:fillRef idx="1">
+            <a:schemeClr val="accent1"/>
+          </a:fillRef>
+          <a:effectRef idx="0">
+            <a:schemeClr val="accent1"/>
+          </a:effectRef>
+          <a:fontRef idx="minor">
+            <a:schemeClr val="lt1"/>
+          </a:fontRef>
+        </p:style>
+        <p:txBody>
+          <a:bodyPr rtlCol="0" anchor="ctr"/>
+          <a:lstStyle/>
+          <a:p>
+            <a:pPr algn="ctr"/>
+            <a:endParaRPr lang="es-ES"/>
+          </a:p>
+        </p:txBody>
+      </p:sp>
+      <p:cxnSp>
+        <p:nvCxnSpPr>
+          <p:cNvPr id="5" name="Straight Arrow Connector 4"/>
+          <p:cNvCxnSpPr>
+            <a:endCxn id="3" idx="6"/>
+          </p:cNvCxnSpPr>
+          <p:nvPr/>
+        </p:nvCxnSpPr>
+        <p:spPr>
+          <a:xfrm>
+            <a:off x="7143748" y="3624261"/>
+            <a:ext cx="204789" cy="0"/>
+          </a:xfrm>
+          <a:prstGeom prst="straightConnector1">
+            <a:avLst/>
+          </a:prstGeom>
+          <a:ln>
+            <a:solidFill>
+              <a:schemeClr val="tx1"/>
+            </a:solidFill>
+            <a:headEnd type="triangle"/>
+            <a:tailEnd type="triangle"/>
+          </a:ln>
+        </p:spPr>
+        <p:style>
+          <a:lnRef idx="1">
+            <a:schemeClr val="accent1"/>
+          </a:lnRef>
+          <a:fillRef idx="0">
+            <a:schemeClr val="accent1"/>
+          </a:fillRef>
+          <a:effectRef idx="0">
+            <a:schemeClr val="accent1"/>
+          </a:effectRef>
+          <a:fontRef idx="minor">
+            <a:schemeClr val="tx1"/>
+          </a:fontRef>
+        </p:style>
+      </p:cxnSp>
+      <p:sp>
+        <p:nvSpPr>
+          <p:cNvPr id="11" name="Oval 10"/>
+          <p:cNvSpPr/>
+          <p:nvPr/>
+        </p:nvSpPr>
+        <p:spPr>
+          <a:xfrm>
+            <a:off x="4657723" y="2459830"/>
+            <a:ext cx="2486025" cy="2328862"/>
           </a:xfrm>
           <a:prstGeom prst="ellipse">
             <a:avLst/>
@@ -6304,50 +6547,46 @@
           </a:p>
         </p:txBody>
       </p:sp>
-      <p:sp>
-        <p:nvSpPr>
-          <p:cNvPr id="3" name="Flowchart: Summing Junction 2"/>
-          <p:cNvSpPr/>
-          <p:nvPr/>
-        </p:nvSpPr>
-        <p:spPr>
-          <a:xfrm>
-            <a:off x="5691187" y="3428999"/>
-            <a:ext cx="419100" cy="390525"/>
-          </a:xfrm>
-          <a:prstGeom prst="flowChartSummingJunction">
-            <a:avLst/>
-          </a:prstGeom>
-        </p:spPr>
-        <p:style>
-          <a:lnRef idx="2">
-            <a:schemeClr val="accent1">
-              <a:shade val="50000"/>
-            </a:schemeClr>
-          </a:lnRef>
-          <a:fillRef idx="1">
-            <a:schemeClr val="accent1"/>
-          </a:fillRef>
-          <a:effectRef idx="0">
-            <a:schemeClr val="accent1"/>
-          </a:effectRef>
-          <a:fontRef idx="minor">
-            <a:schemeClr val="lt1"/>
-          </a:fontRef>
-        </p:style>
-        <p:txBody>
-          <a:bodyPr rtlCol="0" anchor="ctr"/>
-          <a:lstStyle/>
-          <a:p>
-            <a:pPr algn="ctr"/>
-            <a:endParaRPr lang="es-ES"/>
-          </a:p>
-        </p:txBody>
-      </p:sp>
+      <p:cxnSp>
+        <p:nvCxnSpPr>
+          <p:cNvPr id="12" name="Straight Arrow Connector 11"/>
+          <p:cNvCxnSpPr/>
+          <p:nvPr/>
+        </p:nvCxnSpPr>
+        <p:spPr>
+          <a:xfrm>
+            <a:off x="5900735" y="3624261"/>
+            <a:ext cx="878943" cy="812065"/>
+          </a:xfrm>
+          <a:prstGeom prst="straightConnector1">
+            <a:avLst/>
+          </a:prstGeom>
+          <a:ln w="28575">
+            <a:solidFill>
+              <a:schemeClr val="tx1"/>
+            </a:solidFill>
+            <a:tailEnd type="triangle"/>
+          </a:ln>
+        </p:spPr>
+        <p:style>
+          <a:lnRef idx="1">
+            <a:schemeClr val="accent1"/>
+          </a:lnRef>
+          <a:fillRef idx="0">
+            <a:schemeClr val="accent1"/>
+          </a:fillRef>
+          <a:effectRef idx="0">
+            <a:schemeClr val="accent1"/>
+          </a:effectRef>
+          <a:fontRef idx="minor">
+            <a:schemeClr val="tx1"/>
+          </a:fontRef>
+        </p:style>
+      </p:cxnSp>
     </p:spTree>
     <p:extLst>
       <p:ext uri="{BB962C8B-B14F-4D97-AF65-F5344CB8AC3E}">
-        <p14:creationId xmlns:p14="http://schemas.microsoft.com/office/powerpoint/2010/main" val="3406754509"/>
+        <p14:creationId xmlns:p14="http://schemas.microsoft.com/office/powerpoint/2010/main" val="3636322220"/>
       </p:ext>
     </p:extLst>
   </p:cSld>
@@ -6382,12 +6621,20 @@
         </p:nvSpPr>
         <p:spPr>
           <a:xfrm>
-            <a:off x="3257550" y="1990725"/>
-            <a:ext cx="3419475" cy="3143250"/>
+            <a:off x="3867150" y="1695450"/>
+            <a:ext cx="4067175" cy="3857625"/>
           </a:xfrm>
           <a:prstGeom prst="ellipse">
             <a:avLst/>
           </a:prstGeom>
+          <a:solidFill>
+            <a:schemeClr val="bg1"/>
+          </a:solidFill>
+          <a:ln w="28575">
+            <a:solidFill>
+              <a:schemeClr val="tx1"/>
+            </a:solidFill>
+          </a:ln>
         </p:spPr>
         <p:style>
           <a:lnRef idx="2">
@@ -6410,162 +6657,54 @@
           <a:lstStyle/>
           <a:p>
             <a:pPr algn="ctr"/>
-            <a:endParaRPr lang="es-ES" dirty="0"/>
-          </a:p>
-        </p:txBody>
-      </p:sp>
-      <p:cxnSp>
-        <p:nvCxnSpPr>
-          <p:cNvPr id="6" name="Straight Connector 5"/>
-          <p:cNvCxnSpPr/>
-          <p:nvPr/>
-        </p:nvCxnSpPr>
-        <p:spPr>
-          <a:xfrm flipH="1">
-            <a:off x="4962525" y="1504950"/>
-            <a:ext cx="4762" cy="4114800"/>
-          </a:xfrm>
-          <a:prstGeom prst="line">
-            <a:avLst/>
-          </a:prstGeom>
-          <a:ln w="28575">
-            <a:solidFill>
-              <a:schemeClr val="tx1">
-                <a:lumMod val="95000"/>
-                <a:lumOff val="5000"/>
-              </a:schemeClr>
-            </a:solidFill>
-          </a:ln>
-        </p:spPr>
-        <p:style>
-          <a:lnRef idx="1">
-            <a:schemeClr val="accent1"/>
-          </a:lnRef>
-          <a:fillRef idx="0">
-            <a:schemeClr val="accent1"/>
-          </a:fillRef>
-          <a:effectRef idx="0">
-            <a:schemeClr val="accent1"/>
-          </a:effectRef>
-          <a:fontRef idx="minor">
-            <a:schemeClr val="tx1"/>
-          </a:fontRef>
-        </p:style>
-      </p:cxnSp>
-      <p:cxnSp>
-        <p:nvCxnSpPr>
-          <p:cNvPr id="9" name="Straight Connector 8"/>
-          <p:cNvCxnSpPr/>
-          <p:nvPr/>
-        </p:nvCxnSpPr>
-        <p:spPr>
-          <a:xfrm flipH="1">
-            <a:off x="6667500" y="1504950"/>
-            <a:ext cx="4762" cy="4114800"/>
-          </a:xfrm>
-          <a:prstGeom prst="line">
-            <a:avLst/>
-          </a:prstGeom>
-          <a:ln w="28575">
-            <a:solidFill>
-              <a:srgbClr val="00B050"/>
-            </a:solidFill>
-          </a:ln>
-        </p:spPr>
-        <p:style>
-          <a:lnRef idx="1">
-            <a:schemeClr val="accent1"/>
-          </a:lnRef>
-          <a:fillRef idx="0">
-            <a:schemeClr val="accent1"/>
-          </a:fillRef>
-          <a:effectRef idx="0">
-            <a:schemeClr val="accent1"/>
-          </a:effectRef>
-          <a:fontRef idx="minor">
-            <a:schemeClr val="tx1"/>
-          </a:fontRef>
-        </p:style>
-      </p:cxnSp>
-      <p:cxnSp>
-        <p:nvCxnSpPr>
-          <p:cNvPr id="13" name="Straight Arrow Connector 12"/>
-          <p:cNvCxnSpPr>
-            <a:endCxn id="2" idx="2"/>
-          </p:cNvCxnSpPr>
-          <p:nvPr/>
-        </p:nvCxnSpPr>
-        <p:spPr>
-          <a:xfrm flipH="1" flipV="1">
-            <a:off x="3257550" y="3562350"/>
-            <a:ext cx="1704975" cy="1"/>
-          </a:xfrm>
-          <a:prstGeom prst="straightConnector1">
-            <a:avLst/>
-          </a:prstGeom>
-          <a:ln w="28575">
-            <a:solidFill>
-              <a:srgbClr val="7030A0"/>
-            </a:solidFill>
-            <a:tailEnd type="triangle"/>
-          </a:ln>
-        </p:spPr>
-        <p:style>
-          <a:lnRef idx="1">
-            <a:schemeClr val="accent1"/>
-          </a:lnRef>
-          <a:fillRef idx="0">
-            <a:schemeClr val="accent1"/>
-          </a:fillRef>
-          <a:effectRef idx="0">
-            <a:schemeClr val="accent1"/>
-          </a:effectRef>
-          <a:fontRef idx="minor">
-            <a:schemeClr val="tx1"/>
-          </a:fontRef>
-        </p:style>
-      </p:cxnSp>
-      <p:cxnSp>
-        <p:nvCxnSpPr>
-          <p:cNvPr id="18" name="Straight Arrow Connector 17"/>
-          <p:cNvCxnSpPr/>
-          <p:nvPr/>
-        </p:nvCxnSpPr>
-        <p:spPr>
-          <a:xfrm>
-            <a:off x="4962525" y="5376862"/>
-            <a:ext cx="1700212" cy="0"/>
-          </a:xfrm>
-          <a:prstGeom prst="straightConnector1">
-            <a:avLst/>
-          </a:prstGeom>
-          <a:ln w="28575">
-            <a:solidFill>
-              <a:srgbClr val="7030A0"/>
-            </a:solidFill>
-            <a:headEnd type="triangle"/>
-            <a:tailEnd type="triangle"/>
-          </a:ln>
-        </p:spPr>
-        <p:style>
-          <a:lnRef idx="1">
-            <a:schemeClr val="accent1"/>
-          </a:lnRef>
-          <a:fillRef idx="0">
-            <a:schemeClr val="accent1"/>
-          </a:fillRef>
-          <a:effectRef idx="0">
-            <a:schemeClr val="accent1"/>
-          </a:effectRef>
-          <a:fontRef idx="minor">
-            <a:schemeClr val="tx1"/>
-          </a:fontRef>
-        </p:style>
-      </p:cxnSp>
+            <a:endParaRPr lang="es-ES"/>
+          </a:p>
+        </p:txBody>
+      </p:sp>
+      <p:sp>
+        <p:nvSpPr>
+          <p:cNvPr id="3" name="Flowchart: Summing Junction 2"/>
+          <p:cNvSpPr/>
+          <p:nvPr/>
+        </p:nvSpPr>
+        <p:spPr>
+          <a:xfrm>
+            <a:off x="5691187" y="3428999"/>
+            <a:ext cx="419100" cy="390525"/>
+          </a:xfrm>
+          <a:prstGeom prst="flowChartSummingJunction">
+            <a:avLst/>
+          </a:prstGeom>
+        </p:spPr>
+        <p:style>
+          <a:lnRef idx="2">
+            <a:schemeClr val="accent1">
+              <a:shade val="50000"/>
+            </a:schemeClr>
+          </a:lnRef>
+          <a:fillRef idx="1">
+            <a:schemeClr val="accent1"/>
+          </a:fillRef>
+          <a:effectRef idx="0">
+            <a:schemeClr val="accent1"/>
+          </a:effectRef>
+          <a:fontRef idx="minor">
+            <a:schemeClr val="lt1"/>
+          </a:fontRef>
+        </p:style>
+        <p:txBody>
+          <a:bodyPr rtlCol="0" anchor="ctr"/>
+          <a:lstStyle/>
+          <a:p>
+            <a:pPr algn="ctr"/>
+            <a:endParaRPr lang="es-ES"/>
+          </a:p>
+        </p:txBody>
+      </p:sp>
     </p:spTree>
     <p:extLst>
       <p:ext uri="{BB962C8B-B14F-4D97-AF65-F5344CB8AC3E}">
-        <p14:creationId xmlns:p14="http://schemas.microsoft.com/office/powerpoint/2010/main" val="3877954148"/>
+        <p14:creationId xmlns:p14="http://schemas.microsoft.com/office/powerpoint/2010/main" val="3406754509"/>
       </p:ext>
     </p:extLst>
   </p:cSld>
@@ -6594,16 +6733,22 @@
       </p:grpSpPr>
       <p:sp>
         <p:nvSpPr>
-          <p:cNvPr id="2" name="Oval 1"/>
+          <p:cNvPr id="2" name="Triángulo isósceles 1">
+            <a:extLst>
+              <a:ext uri="{FF2B5EF4-FFF2-40B4-BE49-F238E27FC236}">
+                <a16:creationId xmlns:a16="http://schemas.microsoft.com/office/drawing/2014/main" id="{26168D93-15DF-4915-A6A8-719672E57E23}"/>
+              </a:ext>
+            </a:extLst>
+          </p:cNvPr>
           <p:cNvSpPr/>
           <p:nvPr/>
         </p:nvSpPr>
         <p:spPr>
           <a:xfrm>
-            <a:off x="7431110" y="1558344"/>
-            <a:ext cx="193183" cy="193183"/>
-          </a:xfrm>
-          <a:prstGeom prst="ellipse">
+            <a:off x="2349795" y="1839433"/>
+            <a:ext cx="3157870" cy="2743200"/>
+          </a:xfrm>
+          <a:prstGeom prst="triangle">
             <a:avLst/>
           </a:prstGeom>
         </p:spPr>
@@ -6628,121 +6773,73 @@
           <a:lstStyle/>
           <a:p>
             <a:pPr algn="ctr"/>
-            <a:endParaRPr lang="es-ES"/>
-          </a:p>
-        </p:txBody>
-      </p:sp>
-      <p:sp>
-        <p:nvSpPr>
-          <p:cNvPr id="3" name="Oval 2"/>
-          <p:cNvSpPr/>
-          <p:nvPr/>
-        </p:nvSpPr>
-        <p:spPr>
-          <a:xfrm>
-            <a:off x="8240333" y="3384998"/>
-            <a:ext cx="193183" cy="193183"/>
-          </a:xfrm>
-          <a:prstGeom prst="ellipse">
-            <a:avLst/>
-          </a:prstGeom>
-          <a:solidFill>
-            <a:srgbClr val="FF0000"/>
-          </a:solidFill>
-          <a:ln>
-            <a:solidFill>
-              <a:srgbClr val="FF0000"/>
-            </a:solidFill>
-          </a:ln>
-        </p:spPr>
-        <p:style>
-          <a:lnRef idx="2">
-            <a:schemeClr val="accent1">
-              <a:shade val="50000"/>
-            </a:schemeClr>
-          </a:lnRef>
-          <a:fillRef idx="1">
-            <a:schemeClr val="accent1"/>
-          </a:fillRef>
-          <a:effectRef idx="0">
-            <a:schemeClr val="accent1"/>
-          </a:effectRef>
-          <a:fontRef idx="minor">
-            <a:schemeClr val="lt1"/>
-          </a:fontRef>
-        </p:style>
-        <p:txBody>
-          <a:bodyPr rtlCol="0" anchor="ctr"/>
-          <a:lstStyle/>
-          <a:p>
-            <a:pPr algn="ctr"/>
-            <a:endParaRPr lang="es-ES"/>
-          </a:p>
-        </p:txBody>
-      </p:sp>
-      <p:sp>
-        <p:nvSpPr>
-          <p:cNvPr id="4" name="Oval 3"/>
-          <p:cNvSpPr/>
-          <p:nvPr/>
-        </p:nvSpPr>
-        <p:spPr>
-          <a:xfrm>
-            <a:off x="2648755" y="2185117"/>
-            <a:ext cx="193183" cy="193183"/>
-          </a:xfrm>
-          <a:prstGeom prst="ellipse">
-            <a:avLst/>
-          </a:prstGeom>
-          <a:solidFill>
-            <a:srgbClr val="00B050"/>
-          </a:solidFill>
-          <a:ln>
-            <a:solidFill>
-              <a:srgbClr val="00B050"/>
-            </a:solidFill>
-          </a:ln>
-        </p:spPr>
-        <p:style>
-          <a:lnRef idx="2">
-            <a:schemeClr val="accent1">
-              <a:shade val="50000"/>
-            </a:schemeClr>
-          </a:lnRef>
-          <a:fillRef idx="1">
-            <a:schemeClr val="accent1"/>
-          </a:fillRef>
-          <a:effectRef idx="0">
-            <a:schemeClr val="accent1"/>
-          </a:effectRef>
-          <a:fontRef idx="minor">
-            <a:schemeClr val="lt1"/>
-          </a:fontRef>
-        </p:style>
-        <p:txBody>
-          <a:bodyPr rtlCol="0" anchor="ctr"/>
-          <a:lstStyle/>
-          <a:p>
-            <a:pPr algn="ctr"/>
-            <a:endParaRPr lang="es-ES"/>
+            <a:endParaRPr lang="es-CO"/>
           </a:p>
         </p:txBody>
       </p:sp>
       <p:cxnSp>
         <p:nvCxnSpPr>
-          <p:cNvPr id="8" name="Straight Arrow Connector 7"/>
+          <p:cNvPr id="12" name="Conector recto de flecha 11">
+            <a:extLst>
+              <a:ext uri="{FF2B5EF4-FFF2-40B4-BE49-F238E27FC236}">
+                <a16:creationId xmlns:a16="http://schemas.microsoft.com/office/drawing/2014/main" id="{F0CCB8EF-B884-44B3-AB4A-2742F6161CB1}"/>
+              </a:ext>
+            </a:extLst>
+          </p:cNvPr>
           <p:cNvCxnSpPr/>
           <p:nvPr/>
         </p:nvCxnSpPr>
         <p:spPr>
+          <a:xfrm>
+            <a:off x="3928730" y="3296093"/>
+            <a:ext cx="419986" cy="1212112"/>
+          </a:xfrm>
+          <a:prstGeom prst="straightConnector1">
+            <a:avLst/>
+          </a:prstGeom>
+          <a:ln>
+            <a:tailEnd type="triangle"/>
+          </a:ln>
+        </p:spPr>
+        <p:style>
+          <a:lnRef idx="1">
+            <a:schemeClr val="accent1"/>
+          </a:lnRef>
+          <a:fillRef idx="0">
+            <a:schemeClr val="accent1"/>
+          </a:fillRef>
+          <a:effectRef idx="0">
+            <a:schemeClr val="accent1"/>
+          </a:effectRef>
+          <a:fontRef idx="minor">
+            <a:schemeClr val="tx1"/>
+          </a:fontRef>
+        </p:style>
+      </p:cxnSp>
+      <p:cxnSp>
+        <p:nvCxnSpPr>
+          <p:cNvPr id="14" name="Conector recto de flecha 13">
+            <a:extLst>
+              <a:ext uri="{FF2B5EF4-FFF2-40B4-BE49-F238E27FC236}">
+                <a16:creationId xmlns:a16="http://schemas.microsoft.com/office/drawing/2014/main" id="{DB4AA080-0FC5-4D6A-9554-8ED10DEAB90C}"/>
+              </a:ext>
+            </a:extLst>
+          </p:cNvPr>
+          <p:cNvCxnSpPr>
+            <a:cxnSpLocks/>
+            <a:stCxn id="2" idx="3"/>
+          </p:cNvCxnSpPr>
+          <p:nvPr/>
+        </p:nvCxnSpPr>
+        <p:spPr>
           <a:xfrm flipV="1">
-            <a:off x="5370490" y="1120462"/>
-            <a:ext cx="0" cy="2859110"/>
+            <a:off x="3928730" y="3429000"/>
+            <a:ext cx="0" cy="1153633"/>
           </a:xfrm>
           <a:prstGeom prst="straightConnector1">
             <a:avLst/>
           </a:prstGeom>
-          <a:ln w="38100">
+          <a:ln w="28575">
             <a:solidFill>
               <a:schemeClr val="tx1"/>
             </a:solidFill>
@@ -6766,19 +6863,27 @@
       </p:cxnSp>
       <p:cxnSp>
         <p:nvCxnSpPr>
-          <p:cNvPr id="10" name="Straight Arrow Connector 9"/>
-          <p:cNvCxnSpPr/>
+          <p:cNvPr id="16" name="Conector recto de flecha 15">
+            <a:extLst>
+              <a:ext uri="{FF2B5EF4-FFF2-40B4-BE49-F238E27FC236}">
+                <a16:creationId xmlns:a16="http://schemas.microsoft.com/office/drawing/2014/main" id="{C269B346-F1C8-4BE7-8DEB-9A01898C3950}"/>
+              </a:ext>
+            </a:extLst>
+          </p:cNvPr>
+          <p:cNvCxnSpPr>
+            <a:cxnSpLocks/>
+          </p:cNvCxnSpPr>
           <p:nvPr/>
         </p:nvCxnSpPr>
         <p:spPr>
           <a:xfrm flipV="1">
-            <a:off x="5370490" y="3979572"/>
-            <a:ext cx="2966434" cy="2"/>
+            <a:off x="3928730" y="4582633"/>
+            <a:ext cx="916172" cy="1"/>
           </a:xfrm>
           <a:prstGeom prst="straightConnector1">
             <a:avLst/>
           </a:prstGeom>
-          <a:ln w="38100">
+          <a:ln w="28575">
             <a:solidFill>
               <a:schemeClr val="tx1"/>
             </a:solidFill>
@@ -6800,118 +6905,10 @@
           </a:fontRef>
         </p:style>
       </p:cxnSp>
-      <p:cxnSp>
-        <p:nvCxnSpPr>
-          <p:cNvPr id="14" name="Straight Arrow Connector 13"/>
-          <p:cNvCxnSpPr/>
-          <p:nvPr/>
-        </p:nvCxnSpPr>
-        <p:spPr>
-          <a:xfrm flipV="1">
-            <a:off x="5370490" y="1751527"/>
-            <a:ext cx="2060619" cy="2228045"/>
-          </a:xfrm>
-          <a:prstGeom prst="straightConnector1">
-            <a:avLst/>
-          </a:prstGeom>
-          <a:ln w="28575">
-            <a:solidFill>
-              <a:srgbClr val="7030A0"/>
-            </a:solidFill>
-            <a:tailEnd type="triangle"/>
-          </a:ln>
-        </p:spPr>
-        <p:style>
-          <a:lnRef idx="1">
-            <a:schemeClr val="accent1"/>
-          </a:lnRef>
-          <a:fillRef idx="0">
-            <a:schemeClr val="accent1"/>
-          </a:fillRef>
-          <a:effectRef idx="0">
-            <a:schemeClr val="accent1"/>
-          </a:effectRef>
-          <a:fontRef idx="minor">
-            <a:schemeClr val="tx1"/>
-          </a:fontRef>
-        </p:style>
-      </p:cxnSp>
-      <p:cxnSp>
-        <p:nvCxnSpPr>
-          <p:cNvPr id="18" name="Straight Arrow Connector 17"/>
-          <p:cNvCxnSpPr/>
-          <p:nvPr/>
-        </p:nvCxnSpPr>
-        <p:spPr>
-          <a:xfrm flipV="1">
-            <a:off x="5370490" y="3529886"/>
-            <a:ext cx="2869843" cy="449686"/>
-          </a:xfrm>
-          <a:prstGeom prst="straightConnector1">
-            <a:avLst/>
-          </a:prstGeom>
-          <a:ln w="28575">
-            <a:solidFill>
-              <a:srgbClr val="7030A0"/>
-            </a:solidFill>
-            <a:tailEnd type="triangle"/>
-          </a:ln>
-        </p:spPr>
-        <p:style>
-          <a:lnRef idx="1">
-            <a:schemeClr val="accent1"/>
-          </a:lnRef>
-          <a:fillRef idx="0">
-            <a:schemeClr val="accent1"/>
-          </a:fillRef>
-          <a:effectRef idx="0">
-            <a:schemeClr val="accent1"/>
-          </a:effectRef>
-          <a:fontRef idx="minor">
-            <a:schemeClr val="tx1"/>
-          </a:fontRef>
-        </p:style>
-      </p:cxnSp>
-      <p:cxnSp>
-        <p:nvCxnSpPr>
-          <p:cNvPr id="21" name="Straight Arrow Connector 20"/>
-          <p:cNvCxnSpPr/>
-          <p:nvPr/>
-        </p:nvCxnSpPr>
-        <p:spPr>
-          <a:xfrm flipH="1" flipV="1">
-            <a:off x="2841938" y="2378300"/>
-            <a:ext cx="2528553" cy="1601273"/>
-          </a:xfrm>
-          <a:prstGeom prst="straightConnector1">
-            <a:avLst/>
-          </a:prstGeom>
-          <a:ln w="28575">
-            <a:solidFill>
-              <a:srgbClr val="7030A0"/>
-            </a:solidFill>
-            <a:tailEnd type="triangle"/>
-          </a:ln>
-        </p:spPr>
-        <p:style>
-          <a:lnRef idx="1">
-            <a:schemeClr val="accent1"/>
-          </a:lnRef>
-          <a:fillRef idx="0">
-            <a:schemeClr val="accent1"/>
-          </a:fillRef>
-          <a:effectRef idx="0">
-            <a:schemeClr val="accent1"/>
-          </a:effectRef>
-          <a:fontRef idx="minor">
-            <a:schemeClr val="tx1"/>
-          </a:fontRef>
-        </p:style>
-      </p:cxnSp>
     </p:spTree>
     <p:extLst>
       <p:ext uri="{BB962C8B-B14F-4D97-AF65-F5344CB8AC3E}">
-        <p14:creationId xmlns:p14="http://schemas.microsoft.com/office/powerpoint/2010/main" val="3862616413"/>
+        <p14:creationId xmlns:p14="http://schemas.microsoft.com/office/powerpoint/2010/main" val="794307709"/>
       </p:ext>
     </p:extLst>
   </p:cSld>
@@ -6980,7 +6977,7 @@
       </p:sp>
       <p:cxnSp>
         <p:nvCxnSpPr>
-          <p:cNvPr id="3" name="Straight Connector 2"/>
+          <p:cNvPr id="6" name="Straight Connector 5"/>
           <p:cNvCxnSpPr/>
           <p:nvPr/>
         </p:nvCxnSpPr>
@@ -7016,10 +7013,120 @@
           </a:fontRef>
         </p:style>
       </p:cxnSp>
+      <p:cxnSp>
+        <p:nvCxnSpPr>
+          <p:cNvPr id="9" name="Straight Connector 8"/>
+          <p:cNvCxnSpPr/>
+          <p:nvPr/>
+        </p:nvCxnSpPr>
+        <p:spPr>
+          <a:xfrm flipH="1">
+            <a:off x="6667500" y="1504950"/>
+            <a:ext cx="4762" cy="4114800"/>
+          </a:xfrm>
+          <a:prstGeom prst="line">
+            <a:avLst/>
+          </a:prstGeom>
+          <a:ln w="28575">
+            <a:solidFill>
+              <a:srgbClr val="00B050"/>
+            </a:solidFill>
+          </a:ln>
+        </p:spPr>
+        <p:style>
+          <a:lnRef idx="1">
+            <a:schemeClr val="accent1"/>
+          </a:lnRef>
+          <a:fillRef idx="0">
+            <a:schemeClr val="accent1"/>
+          </a:fillRef>
+          <a:effectRef idx="0">
+            <a:schemeClr val="accent1"/>
+          </a:effectRef>
+          <a:fontRef idx="minor">
+            <a:schemeClr val="tx1"/>
+          </a:fontRef>
+        </p:style>
+      </p:cxnSp>
+      <p:cxnSp>
+        <p:nvCxnSpPr>
+          <p:cNvPr id="13" name="Straight Arrow Connector 12"/>
+          <p:cNvCxnSpPr>
+            <a:endCxn id="2" idx="2"/>
+          </p:cNvCxnSpPr>
+          <p:nvPr/>
+        </p:nvCxnSpPr>
+        <p:spPr>
+          <a:xfrm flipH="1" flipV="1">
+            <a:off x="3257550" y="3562350"/>
+            <a:ext cx="1704975" cy="1"/>
+          </a:xfrm>
+          <a:prstGeom prst="straightConnector1">
+            <a:avLst/>
+          </a:prstGeom>
+          <a:ln w="28575">
+            <a:solidFill>
+              <a:srgbClr val="7030A0"/>
+            </a:solidFill>
+            <a:tailEnd type="triangle"/>
+          </a:ln>
+        </p:spPr>
+        <p:style>
+          <a:lnRef idx="1">
+            <a:schemeClr val="accent1"/>
+          </a:lnRef>
+          <a:fillRef idx="0">
+            <a:schemeClr val="accent1"/>
+          </a:fillRef>
+          <a:effectRef idx="0">
+            <a:schemeClr val="accent1"/>
+          </a:effectRef>
+          <a:fontRef idx="minor">
+            <a:schemeClr val="tx1"/>
+          </a:fontRef>
+        </p:style>
+      </p:cxnSp>
+      <p:cxnSp>
+        <p:nvCxnSpPr>
+          <p:cNvPr id="18" name="Straight Arrow Connector 17"/>
+          <p:cNvCxnSpPr/>
+          <p:nvPr/>
+        </p:nvCxnSpPr>
+        <p:spPr>
+          <a:xfrm>
+            <a:off x="4962525" y="5376862"/>
+            <a:ext cx="1700212" cy="0"/>
+          </a:xfrm>
+          <a:prstGeom prst="straightConnector1">
+            <a:avLst/>
+          </a:prstGeom>
+          <a:ln w="28575">
+            <a:solidFill>
+              <a:srgbClr val="7030A0"/>
+            </a:solidFill>
+            <a:headEnd type="triangle"/>
+            <a:tailEnd type="triangle"/>
+          </a:ln>
+        </p:spPr>
+        <p:style>
+          <a:lnRef idx="1">
+            <a:schemeClr val="accent1"/>
+          </a:lnRef>
+          <a:fillRef idx="0">
+            <a:schemeClr val="accent1"/>
+          </a:fillRef>
+          <a:effectRef idx="0">
+            <a:schemeClr val="accent1"/>
+          </a:effectRef>
+          <a:fontRef idx="minor">
+            <a:schemeClr val="tx1"/>
+          </a:fontRef>
+        </p:style>
+      </p:cxnSp>
     </p:spTree>
     <p:extLst>
       <p:ext uri="{BB962C8B-B14F-4D97-AF65-F5344CB8AC3E}">
-        <p14:creationId xmlns:p14="http://schemas.microsoft.com/office/powerpoint/2010/main" val="3435806431"/>
+        <p14:creationId xmlns:p14="http://schemas.microsoft.com/office/powerpoint/2010/main" val="3877954148"/>
       </p:ext>
     </p:extLst>
   </p:cSld>
@@ -7046,6 +7153,46 @@
           <a:chExt cx="0" cy="0"/>
         </a:xfrm>
       </p:grpSpPr>
+      <p:sp>
+        <p:nvSpPr>
+          <p:cNvPr id="2" name="Oval 1"/>
+          <p:cNvSpPr/>
+          <p:nvPr/>
+        </p:nvSpPr>
+        <p:spPr>
+          <a:xfrm>
+            <a:off x="3257550" y="1990725"/>
+            <a:ext cx="3419475" cy="3143250"/>
+          </a:xfrm>
+          <a:prstGeom prst="ellipse">
+            <a:avLst/>
+          </a:prstGeom>
+        </p:spPr>
+        <p:style>
+          <a:lnRef idx="2">
+            <a:schemeClr val="accent1">
+              <a:shade val="50000"/>
+            </a:schemeClr>
+          </a:lnRef>
+          <a:fillRef idx="1">
+            <a:schemeClr val="accent1"/>
+          </a:fillRef>
+          <a:effectRef idx="0">
+            <a:schemeClr val="accent1"/>
+          </a:effectRef>
+          <a:fontRef idx="minor">
+            <a:schemeClr val="lt1"/>
+          </a:fontRef>
+        </p:style>
+        <p:txBody>
+          <a:bodyPr rtlCol="0" anchor="ctr"/>
+          <a:lstStyle/>
+          <a:p>
+            <a:pPr algn="ctr"/>
+            <a:endParaRPr lang="es-ES" dirty="0"/>
+          </a:p>
+        </p:txBody>
+      </p:sp>
       <p:cxnSp>
         <p:nvCxnSpPr>
           <p:cNvPr id="3" name="Straight Connector 2"/>
@@ -7054,82 +7201,7 @@
         </p:nvCxnSpPr>
         <p:spPr>
           <a:xfrm flipH="1">
-            <a:off x="6667500" y="1504950"/>
-            <a:ext cx="4762" cy="4114800"/>
-          </a:xfrm>
-          <a:prstGeom prst="line">
-            <a:avLst/>
-          </a:prstGeom>
-          <a:ln w="28575">
-            <a:solidFill>
-              <a:srgbClr val="00B050"/>
-            </a:solidFill>
-          </a:ln>
-        </p:spPr>
-        <p:style>
-          <a:lnRef idx="1">
-            <a:schemeClr val="accent1"/>
-          </a:lnRef>
-          <a:fillRef idx="0">
-            <a:schemeClr val="accent1"/>
-          </a:fillRef>
-          <a:effectRef idx="0">
-            <a:schemeClr val="accent1"/>
-          </a:effectRef>
-          <a:fontRef idx="minor">
-            <a:schemeClr val="tx1"/>
-          </a:fontRef>
-        </p:style>
-      </p:cxnSp>
-      <p:sp>
-        <p:nvSpPr>
-          <p:cNvPr id="4" name="Rectangle 3"/>
-          <p:cNvSpPr/>
-          <p:nvPr/>
-        </p:nvSpPr>
-        <p:spPr>
-          <a:xfrm>
-            <a:off x="1800225" y="3362325"/>
-            <a:ext cx="4867275" cy="200025"/>
-          </a:xfrm>
-          <a:prstGeom prst="rect">
-            <a:avLst/>
-          </a:prstGeom>
-        </p:spPr>
-        <p:style>
-          <a:lnRef idx="2">
-            <a:schemeClr val="accent1">
-              <a:shade val="50000"/>
-            </a:schemeClr>
-          </a:lnRef>
-          <a:fillRef idx="1">
-            <a:schemeClr val="accent1"/>
-          </a:fillRef>
-          <a:effectRef idx="0">
-            <a:schemeClr val="accent1"/>
-          </a:effectRef>
-          <a:fontRef idx="minor">
-            <a:schemeClr val="lt1"/>
-          </a:fontRef>
-        </p:style>
-        <p:txBody>
-          <a:bodyPr rtlCol="0" anchor="ctr"/>
-          <a:lstStyle/>
-          <a:p>
-            <a:pPr algn="ctr"/>
-            <a:endParaRPr lang="es-ES"/>
-          </a:p>
-        </p:txBody>
-      </p:sp>
-      <p:cxnSp>
-        <p:nvCxnSpPr>
-          <p:cNvPr id="5" name="Straight Connector 4"/>
-          <p:cNvCxnSpPr/>
-          <p:nvPr/>
-        </p:nvCxnSpPr>
-        <p:spPr>
-          <a:xfrm flipH="1">
-            <a:off x="4231482" y="1504950"/>
+            <a:off x="4962525" y="1504950"/>
             <a:ext cx="4762" cy="4114800"/>
           </a:xfrm>
           <a:prstGeom prst="line">
@@ -7159,84 +7231,10 @@
           </a:fontRef>
         </p:style>
       </p:cxnSp>
-      <p:cxnSp>
-        <p:nvCxnSpPr>
-          <p:cNvPr id="9" name="Straight Arrow Connector 8"/>
-          <p:cNvCxnSpPr/>
-          <p:nvPr/>
-        </p:nvCxnSpPr>
-        <p:spPr>
-          <a:xfrm>
-            <a:off x="4275534" y="5124450"/>
-            <a:ext cx="2352675" cy="9525"/>
-          </a:xfrm>
-          <a:prstGeom prst="straightConnector1">
-            <a:avLst/>
-          </a:prstGeom>
-          <a:ln w="28575">
-            <a:solidFill>
-              <a:srgbClr val="7030A0"/>
-            </a:solidFill>
-            <a:headEnd type="triangle"/>
-            <a:tailEnd type="triangle"/>
-          </a:ln>
-        </p:spPr>
-        <p:style>
-          <a:lnRef idx="1">
-            <a:schemeClr val="accent1"/>
-          </a:lnRef>
-          <a:fillRef idx="0">
-            <a:schemeClr val="accent1"/>
-          </a:fillRef>
-          <a:effectRef idx="0">
-            <a:schemeClr val="accent1"/>
-          </a:effectRef>
-          <a:fontRef idx="minor">
-            <a:schemeClr val="tx1"/>
-          </a:fontRef>
-        </p:style>
-      </p:cxnSp>
-      <p:cxnSp>
-        <p:nvCxnSpPr>
-          <p:cNvPr id="10" name="Straight Arrow Connector 9"/>
-          <p:cNvCxnSpPr/>
-          <p:nvPr/>
-        </p:nvCxnSpPr>
-        <p:spPr>
-          <a:xfrm>
-            <a:off x="1800225" y="4576762"/>
-            <a:ext cx="4867275" cy="9525"/>
-          </a:xfrm>
-          <a:prstGeom prst="straightConnector1">
-            <a:avLst/>
-          </a:prstGeom>
-          <a:ln w="28575">
-            <a:solidFill>
-              <a:srgbClr val="7030A0"/>
-            </a:solidFill>
-            <a:headEnd type="triangle"/>
-            <a:tailEnd type="triangle"/>
-          </a:ln>
-        </p:spPr>
-        <p:style>
-          <a:lnRef idx="1">
-            <a:schemeClr val="accent1"/>
-          </a:lnRef>
-          <a:fillRef idx="0">
-            <a:schemeClr val="accent1"/>
-          </a:fillRef>
-          <a:effectRef idx="0">
-            <a:schemeClr val="accent1"/>
-          </a:effectRef>
-          <a:fontRef idx="minor">
-            <a:schemeClr val="tx1"/>
-          </a:fontRef>
-        </p:style>
-      </p:cxnSp>
     </p:spTree>
     <p:extLst>
       <p:ext uri="{BB962C8B-B14F-4D97-AF65-F5344CB8AC3E}">
-        <p14:creationId xmlns:p14="http://schemas.microsoft.com/office/powerpoint/2010/main" val="3288066942"/>
+        <p14:creationId xmlns:p14="http://schemas.microsoft.com/office/powerpoint/2010/main" val="3435806431"/>
       </p:ext>
     </p:extLst>
   </p:cSld>
@@ -7263,6 +7261,223 @@
           <a:chExt cx="0" cy="0"/>
         </a:xfrm>
       </p:grpSpPr>
+      <p:cxnSp>
+        <p:nvCxnSpPr>
+          <p:cNvPr id="3" name="Straight Connector 2"/>
+          <p:cNvCxnSpPr/>
+          <p:nvPr/>
+        </p:nvCxnSpPr>
+        <p:spPr>
+          <a:xfrm flipH="1">
+            <a:off x="6667500" y="1504950"/>
+            <a:ext cx="4762" cy="4114800"/>
+          </a:xfrm>
+          <a:prstGeom prst="line">
+            <a:avLst/>
+          </a:prstGeom>
+          <a:ln w="28575">
+            <a:solidFill>
+              <a:srgbClr val="00B050"/>
+            </a:solidFill>
+          </a:ln>
+        </p:spPr>
+        <p:style>
+          <a:lnRef idx="1">
+            <a:schemeClr val="accent1"/>
+          </a:lnRef>
+          <a:fillRef idx="0">
+            <a:schemeClr val="accent1"/>
+          </a:fillRef>
+          <a:effectRef idx="0">
+            <a:schemeClr val="accent1"/>
+          </a:effectRef>
+          <a:fontRef idx="minor">
+            <a:schemeClr val="tx1"/>
+          </a:fontRef>
+        </p:style>
+      </p:cxnSp>
+      <p:sp>
+        <p:nvSpPr>
+          <p:cNvPr id="4" name="Rectangle 3"/>
+          <p:cNvSpPr/>
+          <p:nvPr/>
+        </p:nvSpPr>
+        <p:spPr>
+          <a:xfrm>
+            <a:off x="1800225" y="3362325"/>
+            <a:ext cx="4867275" cy="200025"/>
+          </a:xfrm>
+          <a:prstGeom prst="rect">
+            <a:avLst/>
+          </a:prstGeom>
+        </p:spPr>
+        <p:style>
+          <a:lnRef idx="2">
+            <a:schemeClr val="accent1">
+              <a:shade val="50000"/>
+            </a:schemeClr>
+          </a:lnRef>
+          <a:fillRef idx="1">
+            <a:schemeClr val="accent1"/>
+          </a:fillRef>
+          <a:effectRef idx="0">
+            <a:schemeClr val="accent1"/>
+          </a:effectRef>
+          <a:fontRef idx="minor">
+            <a:schemeClr val="lt1"/>
+          </a:fontRef>
+        </p:style>
+        <p:txBody>
+          <a:bodyPr rtlCol="0" anchor="ctr"/>
+          <a:lstStyle/>
+          <a:p>
+            <a:pPr algn="ctr"/>
+            <a:endParaRPr lang="es-ES"/>
+          </a:p>
+        </p:txBody>
+      </p:sp>
+      <p:cxnSp>
+        <p:nvCxnSpPr>
+          <p:cNvPr id="5" name="Straight Connector 4"/>
+          <p:cNvCxnSpPr/>
+          <p:nvPr/>
+        </p:nvCxnSpPr>
+        <p:spPr>
+          <a:xfrm flipH="1">
+            <a:off x="4231482" y="1504950"/>
+            <a:ext cx="4762" cy="4114800"/>
+          </a:xfrm>
+          <a:prstGeom prst="line">
+            <a:avLst/>
+          </a:prstGeom>
+          <a:ln w="28575">
+            <a:solidFill>
+              <a:schemeClr val="tx1">
+                <a:lumMod val="95000"/>
+                <a:lumOff val="5000"/>
+              </a:schemeClr>
+            </a:solidFill>
+          </a:ln>
+        </p:spPr>
+        <p:style>
+          <a:lnRef idx="1">
+            <a:schemeClr val="accent1"/>
+          </a:lnRef>
+          <a:fillRef idx="0">
+            <a:schemeClr val="accent1"/>
+          </a:fillRef>
+          <a:effectRef idx="0">
+            <a:schemeClr val="accent1"/>
+          </a:effectRef>
+          <a:fontRef idx="minor">
+            <a:schemeClr val="tx1"/>
+          </a:fontRef>
+        </p:style>
+      </p:cxnSp>
+      <p:cxnSp>
+        <p:nvCxnSpPr>
+          <p:cNvPr id="9" name="Straight Arrow Connector 8"/>
+          <p:cNvCxnSpPr/>
+          <p:nvPr/>
+        </p:nvCxnSpPr>
+        <p:spPr>
+          <a:xfrm>
+            <a:off x="4275534" y="5124450"/>
+            <a:ext cx="2352675" cy="9525"/>
+          </a:xfrm>
+          <a:prstGeom prst="straightConnector1">
+            <a:avLst/>
+          </a:prstGeom>
+          <a:ln w="28575">
+            <a:solidFill>
+              <a:srgbClr val="7030A0"/>
+            </a:solidFill>
+            <a:headEnd type="triangle"/>
+            <a:tailEnd type="triangle"/>
+          </a:ln>
+        </p:spPr>
+        <p:style>
+          <a:lnRef idx="1">
+            <a:schemeClr val="accent1"/>
+          </a:lnRef>
+          <a:fillRef idx="0">
+            <a:schemeClr val="accent1"/>
+          </a:fillRef>
+          <a:effectRef idx="0">
+            <a:schemeClr val="accent1"/>
+          </a:effectRef>
+          <a:fontRef idx="minor">
+            <a:schemeClr val="tx1"/>
+          </a:fontRef>
+        </p:style>
+      </p:cxnSp>
+      <p:cxnSp>
+        <p:nvCxnSpPr>
+          <p:cNvPr id="10" name="Straight Arrow Connector 9"/>
+          <p:cNvCxnSpPr/>
+          <p:nvPr/>
+        </p:nvCxnSpPr>
+        <p:spPr>
+          <a:xfrm>
+            <a:off x="1800225" y="4576762"/>
+            <a:ext cx="4867275" cy="9525"/>
+          </a:xfrm>
+          <a:prstGeom prst="straightConnector1">
+            <a:avLst/>
+          </a:prstGeom>
+          <a:ln w="28575">
+            <a:solidFill>
+              <a:srgbClr val="7030A0"/>
+            </a:solidFill>
+            <a:headEnd type="triangle"/>
+            <a:tailEnd type="triangle"/>
+          </a:ln>
+        </p:spPr>
+        <p:style>
+          <a:lnRef idx="1">
+            <a:schemeClr val="accent1"/>
+          </a:lnRef>
+          <a:fillRef idx="0">
+            <a:schemeClr val="accent1"/>
+          </a:fillRef>
+          <a:effectRef idx="0">
+            <a:schemeClr val="accent1"/>
+          </a:effectRef>
+          <a:fontRef idx="minor">
+            <a:schemeClr val="tx1"/>
+          </a:fontRef>
+        </p:style>
+      </p:cxnSp>
+    </p:spTree>
+    <p:extLst>
+      <p:ext uri="{BB962C8B-B14F-4D97-AF65-F5344CB8AC3E}">
+        <p14:creationId xmlns:p14="http://schemas.microsoft.com/office/powerpoint/2010/main" val="3288066942"/>
+      </p:ext>
+    </p:extLst>
+  </p:cSld>
+  <p:clrMapOvr>
+    <a:masterClrMapping/>
+  </p:clrMapOvr>
+</p:sld>
+</file>
+
+<file path=ppt/slides/slide23.xml><?xml version="1.0" encoding="utf-8"?>
+<p:sld xmlns:a="http://schemas.openxmlformats.org/drawingml/2006/main" xmlns:r="http://schemas.openxmlformats.org/officeDocument/2006/relationships" xmlns:p="http://schemas.openxmlformats.org/presentationml/2006/main">
+  <p:cSld>
+    <p:spTree>
+      <p:nvGrpSpPr>
+        <p:cNvPr id="1" name=""/>
+        <p:cNvGrpSpPr/>
+        <p:nvPr/>
+      </p:nvGrpSpPr>
+      <p:grpSpPr>
+        <a:xfrm>
+          <a:off x="0" y="0"/>
+          <a:ext cx="0" cy="0"/>
+          <a:chOff x="0" y="0"/>
+          <a:chExt cx="0" cy="0"/>
+        </a:xfrm>
+      </p:grpSpPr>
       <p:sp>
         <p:nvSpPr>
           <p:cNvPr id="2" name="Oval 1"/>
@@ -7533,10 +7748,9 @@
           <a:lstStyle/>
           <a:p>
             <a:r>
-              <a:rPr lang="es-ES" dirty="0" smtClean="0"/>
+              <a:rPr lang="es-ES" dirty="0"/>
               <a:t>1</a:t>
             </a:r>
-            <a:endParaRPr lang="es-ES" dirty="0"/>
           </a:p>
         </p:txBody>
       </p:sp>
@@ -7563,10 +7777,9 @@
           <a:lstStyle/>
           <a:p>
             <a:r>
-              <a:rPr lang="es-ES" dirty="0" smtClean="0"/>
+              <a:rPr lang="es-ES" dirty="0"/>
               <a:t>2</a:t>
             </a:r>
-            <a:endParaRPr lang="es-ES" dirty="0"/>
           </a:p>
         </p:txBody>
       </p:sp>
@@ -7592,10 +7805,9 @@
           <a:lstStyle/>
           <a:p>
             <a:r>
-              <a:rPr lang="es-ES" dirty="0" smtClean="0"/>
+              <a:rPr lang="es-ES" dirty="0"/>
               <a:t>3</a:t>
             </a:r>
-            <a:endParaRPr lang="es-ES" dirty="0"/>
           </a:p>
         </p:txBody>
       </p:sp>
@@ -7823,22 +8035,23 @@
       </p:sp>
       <p:cxnSp>
         <p:nvCxnSpPr>
-          <p:cNvPr id="6" name="Straight Connector 5"/>
+          <p:cNvPr id="8" name="Straight Arrow Connector 7"/>
           <p:cNvCxnSpPr/>
           <p:nvPr/>
         </p:nvCxnSpPr>
         <p:spPr>
-          <a:xfrm flipH="1">
-            <a:off x="5125792" y="399245"/>
-            <a:ext cx="51515" cy="5331854"/>
-          </a:xfrm>
-          <a:prstGeom prst="line">
+          <a:xfrm flipV="1">
+            <a:off x="5370490" y="1120462"/>
+            <a:ext cx="0" cy="2859110"/>
+          </a:xfrm>
+          <a:prstGeom prst="straightConnector1">
             <a:avLst/>
           </a:prstGeom>
           <a:ln w="38100">
             <a:solidFill>
               <a:schemeClr val="tx1"/>
             </a:solidFill>
+            <a:tailEnd type="triangle"/>
           </a:ln>
         </p:spPr>
         <p:style>
@@ -7858,24 +8071,59 @@
       </p:cxnSp>
       <p:cxnSp>
         <p:nvCxnSpPr>
-          <p:cNvPr id="8" name="Straight Connector 7"/>
-          <p:cNvCxnSpPr>
-            <a:endCxn id="2" idx="2"/>
-          </p:cNvCxnSpPr>
+          <p:cNvPr id="10" name="Straight Arrow Connector 9"/>
+          <p:cNvCxnSpPr/>
           <p:nvPr/>
         </p:nvCxnSpPr>
         <p:spPr>
-          <a:xfrm>
-            <a:off x="5177307" y="1648496"/>
-            <a:ext cx="2253803" cy="6440"/>
-          </a:xfrm>
-          <a:prstGeom prst="line">
+          <a:xfrm flipV="1">
+            <a:off x="5370490" y="3979572"/>
+            <a:ext cx="2966434" cy="2"/>
+          </a:xfrm>
+          <a:prstGeom prst="straightConnector1">
+            <a:avLst/>
+          </a:prstGeom>
+          <a:ln w="38100">
+            <a:solidFill>
+              <a:schemeClr val="tx1"/>
+            </a:solidFill>
+            <a:tailEnd type="triangle"/>
+          </a:ln>
+        </p:spPr>
+        <p:style>
+          <a:lnRef idx="1">
+            <a:schemeClr val="accent1"/>
+          </a:lnRef>
+          <a:fillRef idx="0">
+            <a:schemeClr val="accent1"/>
+          </a:fillRef>
+          <a:effectRef idx="0">
+            <a:schemeClr val="accent1"/>
+          </a:effectRef>
+          <a:fontRef idx="minor">
+            <a:schemeClr val="tx1"/>
+          </a:fontRef>
+        </p:style>
+      </p:cxnSp>
+      <p:cxnSp>
+        <p:nvCxnSpPr>
+          <p:cNvPr id="14" name="Straight Arrow Connector 13"/>
+          <p:cNvCxnSpPr/>
+          <p:nvPr/>
+        </p:nvCxnSpPr>
+        <p:spPr>
+          <a:xfrm flipV="1">
+            <a:off x="5370490" y="1751527"/>
+            <a:ext cx="2060619" cy="2228045"/>
+          </a:xfrm>
+          <a:prstGeom prst="straightConnector1">
             <a:avLst/>
           </a:prstGeom>
           <a:ln w="28575">
             <a:solidFill>
               <a:srgbClr val="7030A0"/>
             </a:solidFill>
+            <a:tailEnd type="triangle"/>
           </a:ln>
         </p:spPr>
         <p:style>
@@ -7895,22 +8143,23 @@
       </p:cxnSp>
       <p:cxnSp>
         <p:nvCxnSpPr>
-          <p:cNvPr id="10" name="Straight Connector 9"/>
+          <p:cNvPr id="18" name="Straight Arrow Connector 17"/>
           <p:cNvCxnSpPr/>
           <p:nvPr/>
         </p:nvCxnSpPr>
         <p:spPr>
-          <a:xfrm>
-            <a:off x="5150283" y="3481589"/>
-            <a:ext cx="3090050" cy="0"/>
-          </a:xfrm>
-          <a:prstGeom prst="line">
+          <a:xfrm flipV="1">
+            <a:off x="5370490" y="3529886"/>
+            <a:ext cx="2869843" cy="449686"/>
+          </a:xfrm>
+          <a:prstGeom prst="straightConnector1">
             <a:avLst/>
           </a:prstGeom>
           <a:ln w="28575">
             <a:solidFill>
               <a:srgbClr val="7030A0"/>
             </a:solidFill>
+            <a:tailEnd type="triangle"/>
           </a:ln>
         </p:spPr>
         <p:style>
@@ -7930,22 +8179,23 @@
       </p:cxnSp>
       <p:cxnSp>
         <p:nvCxnSpPr>
-          <p:cNvPr id="13" name="Straight Connector 12"/>
+          <p:cNvPr id="21" name="Straight Arrow Connector 20"/>
           <p:cNvCxnSpPr/>
           <p:nvPr/>
         </p:nvCxnSpPr>
         <p:spPr>
-          <a:xfrm flipV="1">
-            <a:off x="2856963" y="2281708"/>
-            <a:ext cx="2268829" cy="19317"/>
-          </a:xfrm>
-          <a:prstGeom prst="line">
+          <a:xfrm flipH="1" flipV="1">
+            <a:off x="2841938" y="2378300"/>
+            <a:ext cx="2528553" cy="1601273"/>
+          </a:xfrm>
+          <a:prstGeom prst="straightConnector1">
             <a:avLst/>
           </a:prstGeom>
           <a:ln w="28575">
             <a:solidFill>
               <a:srgbClr val="7030A0"/>
             </a:solidFill>
+            <a:tailEnd type="triangle"/>
           </a:ln>
         </p:spPr>
         <p:style>
@@ -7966,7 +8216,7 @@
     </p:spTree>
     <p:extLst>
       <p:ext uri="{BB962C8B-B14F-4D97-AF65-F5344CB8AC3E}">
-        <p14:creationId xmlns:p14="http://schemas.microsoft.com/office/powerpoint/2010/main" val="3144878056"/>
+        <p14:creationId xmlns:p14="http://schemas.microsoft.com/office/powerpoint/2010/main" val="3862616413"/>
       </p:ext>
     </p:extLst>
   </p:cSld>
@@ -8136,9 +8386,9 @@
           <p:nvPr/>
         </p:nvCxnSpPr>
         <p:spPr>
-          <a:xfrm flipV="1">
-            <a:off x="2021983" y="2833352"/>
-            <a:ext cx="8409904" cy="64394"/>
+          <a:xfrm flipH="1">
+            <a:off x="5125792" y="399245"/>
+            <a:ext cx="51515" cy="5331854"/>
           </a:xfrm>
           <a:prstGeom prst="line">
             <a:avLst/>
@@ -8168,14 +8418,14 @@
         <p:nvCxnSpPr>
           <p:cNvPr id="8" name="Straight Connector 7"/>
           <p:cNvCxnSpPr>
-            <a:stCxn id="2" idx="4"/>
+            <a:endCxn id="2" idx="2"/>
           </p:cNvCxnSpPr>
           <p:nvPr/>
         </p:nvCxnSpPr>
         <p:spPr>
           <a:xfrm>
-            <a:off x="7527702" y="1751527"/>
-            <a:ext cx="14144" cy="1077533"/>
+            <a:off x="5177307" y="1648496"/>
+            <a:ext cx="2253803" cy="6440"/>
           </a:xfrm>
           <a:prstGeom prst="line">
             <a:avLst/>
@@ -8204,15 +8454,13 @@
       <p:cxnSp>
         <p:nvCxnSpPr>
           <p:cNvPr id="10" name="Straight Connector 9"/>
-          <p:cNvCxnSpPr>
-            <a:stCxn id="4" idx="4"/>
-          </p:cNvCxnSpPr>
+          <p:cNvCxnSpPr/>
           <p:nvPr/>
         </p:nvCxnSpPr>
         <p:spPr>
           <a:xfrm>
-            <a:off x="2745347" y="2378300"/>
-            <a:ext cx="14143" cy="538766"/>
+            <a:off x="5150283" y="3481589"/>
+            <a:ext cx="3090050" cy="0"/>
           </a:xfrm>
           <a:prstGeom prst="line">
             <a:avLst/>
@@ -8240,14 +8488,14 @@
       </p:cxnSp>
       <p:cxnSp>
         <p:nvCxnSpPr>
-          <p:cNvPr id="12" name="Straight Connector 11"/>
+          <p:cNvPr id="13" name="Straight Connector 12"/>
           <p:cNvCxnSpPr/>
           <p:nvPr/>
         </p:nvCxnSpPr>
         <p:spPr>
-          <a:xfrm>
-            <a:off x="8336924" y="2865549"/>
-            <a:ext cx="14144" cy="523743"/>
+          <a:xfrm flipV="1">
+            <a:off x="2856963" y="2281708"/>
+            <a:ext cx="2268829" cy="19317"/>
           </a:xfrm>
           <a:prstGeom prst="line">
             <a:avLst/>
@@ -8276,7 +8524,7 @@
     </p:spTree>
     <p:extLst>
       <p:ext uri="{BB962C8B-B14F-4D97-AF65-F5344CB8AC3E}">
-        <p14:creationId xmlns:p14="http://schemas.microsoft.com/office/powerpoint/2010/main" val="2827952430"/>
+        <p14:creationId xmlns:p14="http://schemas.microsoft.com/office/powerpoint/2010/main" val="3144878056"/>
       </p:ext>
     </p:extLst>
   </p:cSld>
@@ -8303,53 +8551,18 @@
           <a:chExt cx="0" cy="0"/>
         </a:xfrm>
       </p:grpSpPr>
-      <p:cxnSp>
-        <p:nvCxnSpPr>
-          <p:cNvPr id="2" name="Straight Connector 1"/>
-          <p:cNvCxnSpPr/>
-          <p:nvPr/>
-        </p:nvCxnSpPr>
-        <p:spPr>
-          <a:xfrm flipH="1">
-            <a:off x="5125792" y="399245"/>
-            <a:ext cx="51515" cy="5331854"/>
-          </a:xfrm>
-          <a:prstGeom prst="line">
-            <a:avLst/>
-          </a:prstGeom>
-          <a:ln w="38100">
-            <a:solidFill>
-              <a:schemeClr val="tx1"/>
-            </a:solidFill>
-          </a:ln>
-        </p:spPr>
-        <p:style>
-          <a:lnRef idx="1">
-            <a:schemeClr val="accent1"/>
-          </a:lnRef>
-          <a:fillRef idx="0">
-            <a:schemeClr val="accent1"/>
-          </a:fillRef>
-          <a:effectRef idx="0">
-            <a:schemeClr val="accent1"/>
-          </a:effectRef>
-          <a:fontRef idx="minor">
-            <a:schemeClr val="tx1"/>
-          </a:fontRef>
-        </p:style>
-      </p:cxnSp>
-      <p:sp>
-        <p:nvSpPr>
-          <p:cNvPr id="6" name="Isosceles Triangle 5"/>
+      <p:sp>
+        <p:nvSpPr>
+          <p:cNvPr id="2" name="Oval 1"/>
           <p:cNvSpPr/>
           <p:nvPr/>
         </p:nvSpPr>
         <p:spPr>
           <a:xfrm>
-            <a:off x="7105726" y="1197197"/>
-            <a:ext cx="656822" cy="721217"/>
-          </a:xfrm>
-          <a:prstGeom prst="triangle">
+            <a:off x="7431110" y="1558344"/>
+            <a:ext cx="193183" cy="193183"/>
+          </a:xfrm>
+          <a:prstGeom prst="ellipse">
             <a:avLst/>
           </a:prstGeom>
         </p:spPr>
@@ -8380,16 +8593,16 @@
       </p:sp>
       <p:sp>
         <p:nvSpPr>
-          <p:cNvPr id="7" name="Chord 6"/>
+          <p:cNvPr id="3" name="Oval 2"/>
           <p:cNvSpPr/>
           <p:nvPr/>
         </p:nvSpPr>
         <p:spPr>
           <a:xfrm>
-            <a:off x="7762548" y="3036730"/>
-            <a:ext cx="1004552" cy="889717"/>
-          </a:xfrm>
-          <a:prstGeom prst="chord">
+            <a:off x="8240333" y="3384998"/>
+            <a:ext cx="193183" cy="193183"/>
+          </a:xfrm>
+          <a:prstGeom prst="ellipse">
             <a:avLst/>
           </a:prstGeom>
           <a:solidFill>
@@ -8428,16 +8641,16 @@
       </p:sp>
       <p:sp>
         <p:nvSpPr>
-          <p:cNvPr id="8" name="5-Point Star 7"/>
+          <p:cNvPr id="4" name="Oval 3"/>
           <p:cNvSpPr/>
           <p:nvPr/>
         </p:nvSpPr>
         <p:spPr>
           <a:xfrm>
-            <a:off x="2404057" y="2006957"/>
-            <a:ext cx="875764" cy="742683"/>
-          </a:xfrm>
-          <a:prstGeom prst="star5">
+            <a:off x="2648755" y="2185117"/>
+            <a:ext cx="193183" cy="193183"/>
+          </a:xfrm>
+          <a:prstGeom prst="ellipse">
             <a:avLst/>
           </a:prstGeom>
           <a:solidFill>
@@ -8476,14 +8689,51 @@
       </p:sp>
       <p:cxnSp>
         <p:nvCxnSpPr>
-          <p:cNvPr id="10" name="Straight Connector 9"/>
+          <p:cNvPr id="6" name="Straight Connector 5"/>
           <p:cNvCxnSpPr/>
           <p:nvPr/>
         </p:nvCxnSpPr>
         <p:spPr>
-          <a:xfrm>
-            <a:off x="2820473" y="2446986"/>
-            <a:ext cx="2305319" cy="0"/>
+          <a:xfrm flipV="1">
+            <a:off x="2021983" y="2833352"/>
+            <a:ext cx="8409904" cy="64394"/>
+          </a:xfrm>
+          <a:prstGeom prst="line">
+            <a:avLst/>
+          </a:prstGeom>
+          <a:ln w="38100">
+            <a:solidFill>
+              <a:schemeClr val="tx1"/>
+            </a:solidFill>
+          </a:ln>
+        </p:spPr>
+        <p:style>
+          <a:lnRef idx="1">
+            <a:schemeClr val="accent1"/>
+          </a:lnRef>
+          <a:fillRef idx="0">
+            <a:schemeClr val="accent1"/>
+          </a:fillRef>
+          <a:effectRef idx="0">
+            <a:schemeClr val="accent1"/>
+          </a:effectRef>
+          <a:fontRef idx="minor">
+            <a:schemeClr val="tx1"/>
+          </a:fontRef>
+        </p:style>
+      </p:cxnSp>
+      <p:cxnSp>
+        <p:nvCxnSpPr>
+          <p:cNvPr id="8" name="Straight Connector 7"/>
+          <p:cNvCxnSpPr>
+            <a:stCxn id="2" idx="4"/>
+          </p:cNvCxnSpPr>
+          <p:nvPr/>
+        </p:nvCxnSpPr>
+        <p:spPr>
+          <a:xfrm>
+            <a:off x="7527702" y="1751527"/>
+            <a:ext cx="14144" cy="1077533"/>
           </a:xfrm>
           <a:prstGeom prst="line">
             <a:avLst/>
@@ -8511,14 +8761,16 @@
       </p:cxnSp>
       <p:cxnSp>
         <p:nvCxnSpPr>
-          <p:cNvPr id="13" name="Straight Connector 12"/>
-          <p:cNvCxnSpPr/>
+          <p:cNvPr id="10" name="Straight Connector 9"/>
+          <p:cNvCxnSpPr>
+            <a:stCxn id="4" idx="4"/>
+          </p:cNvCxnSpPr>
           <p:nvPr/>
         </p:nvCxnSpPr>
         <p:spPr>
           <a:xfrm>
-            <a:off x="5177307" y="1648496"/>
-            <a:ext cx="2253803" cy="6440"/>
+            <a:off x="2745347" y="2378300"/>
+            <a:ext cx="14143" cy="538766"/>
           </a:xfrm>
           <a:prstGeom prst="line">
             <a:avLst/>
@@ -8546,14 +8798,14 @@
       </p:cxnSp>
       <p:cxnSp>
         <p:nvCxnSpPr>
-          <p:cNvPr id="14" name="Straight Connector 13"/>
+          <p:cNvPr id="12" name="Straight Connector 11"/>
           <p:cNvCxnSpPr/>
           <p:nvPr/>
         </p:nvCxnSpPr>
         <p:spPr>
           <a:xfrm>
-            <a:off x="5150283" y="3481589"/>
-            <a:ext cx="3090050" cy="0"/>
+            <a:off x="8336924" y="2865549"/>
+            <a:ext cx="14144" cy="523743"/>
           </a:xfrm>
           <a:prstGeom prst="line">
             <a:avLst/>
@@ -8582,7 +8834,7 @@
     </p:spTree>
     <p:extLst>
       <p:ext uri="{BB962C8B-B14F-4D97-AF65-F5344CB8AC3E}">
-        <p14:creationId xmlns:p14="http://schemas.microsoft.com/office/powerpoint/2010/main" val="2099494931"/>
+        <p14:creationId xmlns:p14="http://schemas.microsoft.com/office/powerpoint/2010/main" val="2827952430"/>
       </p:ext>
     </p:extLst>
   </p:cSld>
@@ -8611,23 +8863,22 @@
       </p:grpSpPr>
       <p:cxnSp>
         <p:nvCxnSpPr>
-          <p:cNvPr id="2" name="Straight Arrow Connector 1"/>
+          <p:cNvPr id="2" name="Straight Connector 1"/>
           <p:cNvCxnSpPr/>
           <p:nvPr/>
         </p:nvCxnSpPr>
         <p:spPr>
-          <a:xfrm flipV="1">
-            <a:off x="5370490" y="1120462"/>
-            <a:ext cx="0" cy="2859110"/>
-          </a:xfrm>
-          <a:prstGeom prst="straightConnector1">
+          <a:xfrm flipH="1">
+            <a:off x="5125792" y="399245"/>
+            <a:ext cx="51515" cy="5331854"/>
+          </a:xfrm>
+          <a:prstGeom prst="line">
             <a:avLst/>
           </a:prstGeom>
           <a:ln w="38100">
             <a:solidFill>
               <a:schemeClr val="tx1"/>
             </a:solidFill>
-            <a:tailEnd type="triangle"/>
           </a:ln>
         </p:spPr>
         <p:style>
@@ -8645,45 +8896,97 @@
           </a:fontRef>
         </p:style>
       </p:cxnSp>
-      <p:cxnSp>
-        <p:nvCxnSpPr>
-          <p:cNvPr id="3" name="Straight Arrow Connector 2"/>
-          <p:cNvCxnSpPr/>
-          <p:nvPr/>
-        </p:nvCxnSpPr>
-        <p:spPr>
-          <a:xfrm flipV="1">
-            <a:off x="5370490" y="3979572"/>
-            <a:ext cx="2966434" cy="2"/>
-          </a:xfrm>
-          <a:prstGeom prst="straightConnector1">
-            <a:avLst/>
-          </a:prstGeom>
-          <a:ln w="38100">
+      <p:sp>
+        <p:nvSpPr>
+          <p:cNvPr id="6" name="Isosceles Triangle 5"/>
+          <p:cNvSpPr/>
+          <p:nvPr/>
+        </p:nvSpPr>
+        <p:spPr>
+          <a:xfrm>
+            <a:off x="7105726" y="1197197"/>
+            <a:ext cx="656822" cy="721217"/>
+          </a:xfrm>
+          <a:prstGeom prst="triangle">
+            <a:avLst/>
+          </a:prstGeom>
+        </p:spPr>
+        <p:style>
+          <a:lnRef idx="2">
+            <a:schemeClr val="accent1">
+              <a:shade val="50000"/>
+            </a:schemeClr>
+          </a:lnRef>
+          <a:fillRef idx="1">
+            <a:schemeClr val="accent1"/>
+          </a:fillRef>
+          <a:effectRef idx="0">
+            <a:schemeClr val="accent1"/>
+          </a:effectRef>
+          <a:fontRef idx="minor">
+            <a:schemeClr val="lt1"/>
+          </a:fontRef>
+        </p:style>
+        <p:txBody>
+          <a:bodyPr rtlCol="0" anchor="ctr"/>
+          <a:lstStyle/>
+          <a:p>
+            <a:pPr algn="ctr"/>
+            <a:endParaRPr lang="es-ES"/>
+          </a:p>
+        </p:txBody>
+      </p:sp>
+      <p:sp>
+        <p:nvSpPr>
+          <p:cNvPr id="7" name="Chord 6"/>
+          <p:cNvSpPr/>
+          <p:nvPr/>
+        </p:nvSpPr>
+        <p:spPr>
+          <a:xfrm>
+            <a:off x="7762548" y="3036730"/>
+            <a:ext cx="1004552" cy="889717"/>
+          </a:xfrm>
+          <a:prstGeom prst="chord">
+            <a:avLst/>
+          </a:prstGeom>
+          <a:solidFill>
+            <a:srgbClr val="FF0000"/>
+          </a:solidFill>
+          <a:ln>
             <a:solidFill>
-              <a:schemeClr val="tx1"/>
+              <a:srgbClr val="FF0000"/>
             </a:solidFill>
-            <a:tailEnd type="triangle"/>
-          </a:ln>
-        </p:spPr>
-        <p:style>
-          <a:lnRef idx="1">
-            <a:schemeClr val="accent1"/>
-          </a:lnRef>
-          <a:fillRef idx="0">
-            <a:schemeClr val="accent1"/>
-          </a:fillRef>
-          <a:effectRef idx="0">
-            <a:schemeClr val="accent1"/>
-          </a:effectRef>
-          <a:fontRef idx="minor">
-            <a:schemeClr val="tx1"/>
-          </a:fontRef>
-        </p:style>
-      </p:cxnSp>
-      <p:sp>
-        <p:nvSpPr>
-          <p:cNvPr id="7" name="5-Point Star 6"/>
+          </a:ln>
+        </p:spPr>
+        <p:style>
+          <a:lnRef idx="2">
+            <a:schemeClr val="accent1">
+              <a:shade val="50000"/>
+            </a:schemeClr>
+          </a:lnRef>
+          <a:fillRef idx="1">
+            <a:schemeClr val="accent1"/>
+          </a:fillRef>
+          <a:effectRef idx="0">
+            <a:schemeClr val="accent1"/>
+          </a:effectRef>
+          <a:fontRef idx="minor">
+            <a:schemeClr val="lt1"/>
+          </a:fontRef>
+        </p:style>
+        <p:txBody>
+          <a:bodyPr rtlCol="0" anchor="ctr"/>
+          <a:lstStyle/>
+          <a:p>
+            <a:pPr algn="ctr"/>
+            <a:endParaRPr lang="es-ES"/>
+          </a:p>
+        </p:txBody>
+      </p:sp>
+      <p:sp>
+        <p:nvSpPr>
+          <p:cNvPr id="8" name="5-Point Star 7"/>
           <p:cNvSpPr/>
           <p:nvPr/>
         </p:nvSpPr>
@@ -8731,23 +9034,22 @@
       </p:sp>
       <p:cxnSp>
         <p:nvCxnSpPr>
-          <p:cNvPr id="9" name="Straight Arrow Connector 8"/>
+          <p:cNvPr id="10" name="Straight Connector 9"/>
           <p:cNvCxnSpPr/>
           <p:nvPr/>
         </p:nvCxnSpPr>
         <p:spPr>
-          <a:xfrm flipH="1" flipV="1">
-            <a:off x="2841938" y="2378300"/>
-            <a:ext cx="2528553" cy="1601273"/>
-          </a:xfrm>
-          <a:prstGeom prst="straightConnector1">
+          <a:xfrm>
+            <a:off x="2820473" y="2446986"/>
+            <a:ext cx="2305319" cy="0"/>
+          </a:xfrm>
+          <a:prstGeom prst="line">
             <a:avLst/>
           </a:prstGeom>
           <a:ln w="28575">
             <a:solidFill>
               <a:srgbClr val="7030A0"/>
             </a:solidFill>
-            <a:tailEnd type="triangle"/>
           </a:ln>
         </p:spPr>
         <p:style>
@@ -8765,65 +9067,24 @@
           </a:fontRef>
         </p:style>
       </p:cxnSp>
-      <p:sp>
-        <p:nvSpPr>
-          <p:cNvPr id="10" name="Isosceles Triangle 9"/>
-          <p:cNvSpPr/>
-          <p:nvPr/>
-        </p:nvSpPr>
-        <p:spPr>
-          <a:xfrm>
-            <a:off x="7101626" y="1285740"/>
-            <a:ext cx="656822" cy="721217"/>
-          </a:xfrm>
-          <a:prstGeom prst="triangle">
-            <a:avLst/>
-          </a:prstGeom>
-        </p:spPr>
-        <p:style>
-          <a:lnRef idx="2">
-            <a:schemeClr val="accent1">
-              <a:shade val="50000"/>
-            </a:schemeClr>
-          </a:lnRef>
-          <a:fillRef idx="1">
-            <a:schemeClr val="accent1"/>
-          </a:fillRef>
-          <a:effectRef idx="0">
-            <a:schemeClr val="accent1"/>
-          </a:effectRef>
-          <a:fontRef idx="minor">
-            <a:schemeClr val="lt1"/>
-          </a:fontRef>
-        </p:style>
-        <p:txBody>
-          <a:bodyPr rtlCol="0" anchor="ctr"/>
-          <a:lstStyle/>
-          <a:p>
-            <a:pPr algn="ctr"/>
-            <a:endParaRPr lang="es-ES"/>
-          </a:p>
-        </p:txBody>
-      </p:sp>
       <p:cxnSp>
         <p:nvCxnSpPr>
-          <p:cNvPr id="11" name="Straight Arrow Connector 10"/>
+          <p:cNvPr id="13" name="Straight Connector 12"/>
           <p:cNvCxnSpPr/>
           <p:nvPr/>
         </p:nvCxnSpPr>
         <p:spPr>
-          <a:xfrm flipV="1">
-            <a:off x="5370490" y="1751527"/>
-            <a:ext cx="2060619" cy="2228045"/>
-          </a:xfrm>
-          <a:prstGeom prst="straightConnector1">
+          <a:xfrm>
+            <a:off x="5177307" y="1648496"/>
+            <a:ext cx="2253803" cy="6440"/>
+          </a:xfrm>
+          <a:prstGeom prst="line">
             <a:avLst/>
           </a:prstGeom>
           <a:ln w="28575">
             <a:solidFill>
               <a:srgbClr val="7030A0"/>
             </a:solidFill>
-            <a:tailEnd type="triangle"/>
           </a:ln>
         </p:spPr>
         <p:style>
@@ -8841,73 +9102,24 @@
           </a:fontRef>
         </p:style>
       </p:cxnSp>
-      <p:sp>
-        <p:nvSpPr>
-          <p:cNvPr id="13" name="Chord 12"/>
-          <p:cNvSpPr/>
-          <p:nvPr/>
-        </p:nvSpPr>
-        <p:spPr>
-          <a:xfrm>
-            <a:off x="7801378" y="3085025"/>
-            <a:ext cx="1004552" cy="889717"/>
-          </a:xfrm>
-          <a:prstGeom prst="chord">
-            <a:avLst/>
-          </a:prstGeom>
-          <a:solidFill>
-            <a:srgbClr val="FF0000"/>
-          </a:solidFill>
-          <a:ln>
-            <a:solidFill>
-              <a:srgbClr val="FF0000"/>
-            </a:solidFill>
-          </a:ln>
-        </p:spPr>
-        <p:style>
-          <a:lnRef idx="2">
-            <a:schemeClr val="accent1">
-              <a:shade val="50000"/>
-            </a:schemeClr>
-          </a:lnRef>
-          <a:fillRef idx="1">
-            <a:schemeClr val="accent1"/>
-          </a:fillRef>
-          <a:effectRef idx="0">
-            <a:schemeClr val="accent1"/>
-          </a:effectRef>
-          <a:fontRef idx="minor">
-            <a:schemeClr val="lt1"/>
-          </a:fontRef>
-        </p:style>
-        <p:txBody>
-          <a:bodyPr rtlCol="0" anchor="ctr"/>
-          <a:lstStyle/>
-          <a:p>
-            <a:pPr algn="ctr"/>
-            <a:endParaRPr lang="es-ES"/>
-          </a:p>
-        </p:txBody>
-      </p:sp>
       <p:cxnSp>
         <p:nvCxnSpPr>
-          <p:cNvPr id="14" name="Straight Arrow Connector 13"/>
+          <p:cNvPr id="14" name="Straight Connector 13"/>
           <p:cNvCxnSpPr/>
           <p:nvPr/>
         </p:nvCxnSpPr>
         <p:spPr>
-          <a:xfrm flipV="1">
-            <a:off x="5370490" y="3529886"/>
-            <a:ext cx="2869843" cy="449686"/>
-          </a:xfrm>
-          <a:prstGeom prst="straightConnector1">
+          <a:xfrm>
+            <a:off x="5150283" y="3481589"/>
+            <a:ext cx="3090050" cy="0"/>
+          </a:xfrm>
+          <a:prstGeom prst="line">
             <a:avLst/>
           </a:prstGeom>
           <a:ln w="28575">
             <a:solidFill>
               <a:srgbClr val="7030A0"/>
             </a:solidFill>
-            <a:tailEnd type="triangle"/>
           </a:ln>
         </p:spPr>
         <p:style>
@@ -8928,7 +9140,7 @@
     </p:spTree>
     <p:extLst>
       <p:ext uri="{BB962C8B-B14F-4D97-AF65-F5344CB8AC3E}">
-        <p14:creationId xmlns:p14="http://schemas.microsoft.com/office/powerpoint/2010/main" val="500059459"/>
+        <p14:creationId xmlns:p14="http://schemas.microsoft.com/office/powerpoint/2010/main" val="2099494931"/>
       </p:ext>
     </p:extLst>
   </p:cSld>
@@ -8955,49 +9167,9 @@
           <a:chExt cx="0" cy="0"/>
         </a:xfrm>
       </p:grpSpPr>
-      <p:sp>
-        <p:nvSpPr>
-          <p:cNvPr id="5" name="Cube 4"/>
-          <p:cNvSpPr/>
-          <p:nvPr/>
-        </p:nvSpPr>
-        <p:spPr>
-          <a:xfrm>
-            <a:off x="4159875" y="2550017"/>
-            <a:ext cx="2421228" cy="2279561"/>
-          </a:xfrm>
-          <a:prstGeom prst="cube">
-            <a:avLst/>
-          </a:prstGeom>
-        </p:spPr>
-        <p:style>
-          <a:lnRef idx="2">
-            <a:schemeClr val="accent1">
-              <a:shade val="50000"/>
-            </a:schemeClr>
-          </a:lnRef>
-          <a:fillRef idx="1">
-            <a:schemeClr val="accent1"/>
-          </a:fillRef>
-          <a:effectRef idx="0">
-            <a:schemeClr val="accent1"/>
-          </a:effectRef>
-          <a:fontRef idx="minor">
-            <a:schemeClr val="lt1"/>
-          </a:fontRef>
-        </p:style>
-        <p:txBody>
-          <a:bodyPr rtlCol="0" anchor="ctr"/>
-          <a:lstStyle/>
-          <a:p>
-            <a:pPr algn="ctr"/>
-            <a:endParaRPr lang="es-ES"/>
-          </a:p>
-        </p:txBody>
-      </p:sp>
       <p:cxnSp>
         <p:nvCxnSpPr>
-          <p:cNvPr id="7" name="Straight Arrow Connector 6"/>
+          <p:cNvPr id="2" name="Straight Arrow Connector 1"/>
           <p:cNvCxnSpPr/>
           <p:nvPr/>
         </p:nvCxnSpPr>
@@ -9033,7 +9205,7 @@
       </p:cxnSp>
       <p:cxnSp>
         <p:nvCxnSpPr>
-          <p:cNvPr id="8" name="Straight Arrow Connector 7"/>
+          <p:cNvPr id="3" name="Straight Arrow Connector 2"/>
           <p:cNvCxnSpPr/>
           <p:nvPr/>
         </p:nvCxnSpPr>
@@ -9067,10 +9239,254 @@
           </a:fontRef>
         </p:style>
       </p:cxnSp>
+      <p:sp>
+        <p:nvSpPr>
+          <p:cNvPr id="7" name="5-Point Star 6"/>
+          <p:cNvSpPr/>
+          <p:nvPr/>
+        </p:nvSpPr>
+        <p:spPr>
+          <a:xfrm>
+            <a:off x="2404057" y="2006957"/>
+            <a:ext cx="875764" cy="742683"/>
+          </a:xfrm>
+          <a:prstGeom prst="star5">
+            <a:avLst/>
+          </a:prstGeom>
+          <a:solidFill>
+            <a:srgbClr val="00B050"/>
+          </a:solidFill>
+          <a:ln>
+            <a:solidFill>
+              <a:srgbClr val="00B050"/>
+            </a:solidFill>
+          </a:ln>
+        </p:spPr>
+        <p:style>
+          <a:lnRef idx="2">
+            <a:schemeClr val="accent1">
+              <a:shade val="50000"/>
+            </a:schemeClr>
+          </a:lnRef>
+          <a:fillRef idx="1">
+            <a:schemeClr val="accent1"/>
+          </a:fillRef>
+          <a:effectRef idx="0">
+            <a:schemeClr val="accent1"/>
+          </a:effectRef>
+          <a:fontRef idx="minor">
+            <a:schemeClr val="lt1"/>
+          </a:fontRef>
+        </p:style>
+        <p:txBody>
+          <a:bodyPr rtlCol="0" anchor="ctr"/>
+          <a:lstStyle/>
+          <a:p>
+            <a:pPr algn="ctr"/>
+            <a:endParaRPr lang="es-ES"/>
+          </a:p>
+        </p:txBody>
+      </p:sp>
+      <p:cxnSp>
+        <p:nvCxnSpPr>
+          <p:cNvPr id="9" name="Straight Arrow Connector 8"/>
+          <p:cNvCxnSpPr/>
+          <p:nvPr/>
+        </p:nvCxnSpPr>
+        <p:spPr>
+          <a:xfrm flipH="1" flipV="1">
+            <a:off x="2841938" y="2378300"/>
+            <a:ext cx="2528553" cy="1601273"/>
+          </a:xfrm>
+          <a:prstGeom prst="straightConnector1">
+            <a:avLst/>
+          </a:prstGeom>
+          <a:ln w="28575">
+            <a:solidFill>
+              <a:srgbClr val="7030A0"/>
+            </a:solidFill>
+            <a:tailEnd type="triangle"/>
+          </a:ln>
+        </p:spPr>
+        <p:style>
+          <a:lnRef idx="1">
+            <a:schemeClr val="accent1"/>
+          </a:lnRef>
+          <a:fillRef idx="0">
+            <a:schemeClr val="accent1"/>
+          </a:fillRef>
+          <a:effectRef idx="0">
+            <a:schemeClr val="accent1"/>
+          </a:effectRef>
+          <a:fontRef idx="minor">
+            <a:schemeClr val="tx1"/>
+          </a:fontRef>
+        </p:style>
+      </p:cxnSp>
+      <p:sp>
+        <p:nvSpPr>
+          <p:cNvPr id="10" name="Isosceles Triangle 9"/>
+          <p:cNvSpPr/>
+          <p:nvPr/>
+        </p:nvSpPr>
+        <p:spPr>
+          <a:xfrm>
+            <a:off x="7101626" y="1285740"/>
+            <a:ext cx="656822" cy="721217"/>
+          </a:xfrm>
+          <a:prstGeom prst="triangle">
+            <a:avLst/>
+          </a:prstGeom>
+        </p:spPr>
+        <p:style>
+          <a:lnRef idx="2">
+            <a:schemeClr val="accent1">
+              <a:shade val="50000"/>
+            </a:schemeClr>
+          </a:lnRef>
+          <a:fillRef idx="1">
+            <a:schemeClr val="accent1"/>
+          </a:fillRef>
+          <a:effectRef idx="0">
+            <a:schemeClr val="accent1"/>
+          </a:effectRef>
+          <a:fontRef idx="minor">
+            <a:schemeClr val="lt1"/>
+          </a:fontRef>
+        </p:style>
+        <p:txBody>
+          <a:bodyPr rtlCol="0" anchor="ctr"/>
+          <a:lstStyle/>
+          <a:p>
+            <a:pPr algn="ctr"/>
+            <a:endParaRPr lang="es-ES"/>
+          </a:p>
+        </p:txBody>
+      </p:sp>
+      <p:cxnSp>
+        <p:nvCxnSpPr>
+          <p:cNvPr id="11" name="Straight Arrow Connector 10"/>
+          <p:cNvCxnSpPr/>
+          <p:nvPr/>
+        </p:nvCxnSpPr>
+        <p:spPr>
+          <a:xfrm flipV="1">
+            <a:off x="5370490" y="1751527"/>
+            <a:ext cx="2060619" cy="2228045"/>
+          </a:xfrm>
+          <a:prstGeom prst="straightConnector1">
+            <a:avLst/>
+          </a:prstGeom>
+          <a:ln w="28575">
+            <a:solidFill>
+              <a:srgbClr val="7030A0"/>
+            </a:solidFill>
+            <a:tailEnd type="triangle"/>
+          </a:ln>
+        </p:spPr>
+        <p:style>
+          <a:lnRef idx="1">
+            <a:schemeClr val="accent1"/>
+          </a:lnRef>
+          <a:fillRef idx="0">
+            <a:schemeClr val="accent1"/>
+          </a:fillRef>
+          <a:effectRef idx="0">
+            <a:schemeClr val="accent1"/>
+          </a:effectRef>
+          <a:fontRef idx="minor">
+            <a:schemeClr val="tx1"/>
+          </a:fontRef>
+        </p:style>
+      </p:cxnSp>
+      <p:sp>
+        <p:nvSpPr>
+          <p:cNvPr id="13" name="Chord 12"/>
+          <p:cNvSpPr/>
+          <p:nvPr/>
+        </p:nvSpPr>
+        <p:spPr>
+          <a:xfrm>
+            <a:off x="7801378" y="3085025"/>
+            <a:ext cx="1004552" cy="889717"/>
+          </a:xfrm>
+          <a:prstGeom prst="chord">
+            <a:avLst/>
+          </a:prstGeom>
+          <a:solidFill>
+            <a:srgbClr val="FF0000"/>
+          </a:solidFill>
+          <a:ln>
+            <a:solidFill>
+              <a:srgbClr val="FF0000"/>
+            </a:solidFill>
+          </a:ln>
+        </p:spPr>
+        <p:style>
+          <a:lnRef idx="2">
+            <a:schemeClr val="accent1">
+              <a:shade val="50000"/>
+            </a:schemeClr>
+          </a:lnRef>
+          <a:fillRef idx="1">
+            <a:schemeClr val="accent1"/>
+          </a:fillRef>
+          <a:effectRef idx="0">
+            <a:schemeClr val="accent1"/>
+          </a:effectRef>
+          <a:fontRef idx="minor">
+            <a:schemeClr val="lt1"/>
+          </a:fontRef>
+        </p:style>
+        <p:txBody>
+          <a:bodyPr rtlCol="0" anchor="ctr"/>
+          <a:lstStyle/>
+          <a:p>
+            <a:pPr algn="ctr"/>
+            <a:endParaRPr lang="es-ES"/>
+          </a:p>
+        </p:txBody>
+      </p:sp>
+      <p:cxnSp>
+        <p:nvCxnSpPr>
+          <p:cNvPr id="14" name="Straight Arrow Connector 13"/>
+          <p:cNvCxnSpPr/>
+          <p:nvPr/>
+        </p:nvCxnSpPr>
+        <p:spPr>
+          <a:xfrm flipV="1">
+            <a:off x="5370490" y="3529886"/>
+            <a:ext cx="2869843" cy="449686"/>
+          </a:xfrm>
+          <a:prstGeom prst="straightConnector1">
+            <a:avLst/>
+          </a:prstGeom>
+          <a:ln w="28575">
+            <a:solidFill>
+              <a:srgbClr val="7030A0"/>
+            </a:solidFill>
+            <a:tailEnd type="triangle"/>
+          </a:ln>
+        </p:spPr>
+        <p:style>
+          <a:lnRef idx="1">
+            <a:schemeClr val="accent1"/>
+          </a:lnRef>
+          <a:fillRef idx="0">
+            <a:schemeClr val="accent1"/>
+          </a:fillRef>
+          <a:effectRef idx="0">
+            <a:schemeClr val="accent1"/>
+          </a:effectRef>
+          <a:fontRef idx="minor">
+            <a:schemeClr val="tx1"/>
+          </a:fontRef>
+        </p:style>
+      </p:cxnSp>
     </p:spTree>
     <p:extLst>
       <p:ext uri="{BB962C8B-B14F-4D97-AF65-F5344CB8AC3E}">
-        <p14:creationId xmlns:p14="http://schemas.microsoft.com/office/powerpoint/2010/main" val="640070791"/>
+        <p14:creationId xmlns:p14="http://schemas.microsoft.com/office/powerpoint/2010/main" val="500059459"/>
       </p:ext>
     </p:extLst>
   </p:cSld>
@@ -9099,16 +9515,16 @@
       </p:grpSpPr>
       <p:sp>
         <p:nvSpPr>
-          <p:cNvPr id="4" name="Oval 3"/>
+          <p:cNvPr id="5" name="Cube 4"/>
           <p:cNvSpPr/>
           <p:nvPr/>
         </p:nvSpPr>
         <p:spPr>
           <a:xfrm>
-            <a:off x="3065172" y="2550017"/>
-            <a:ext cx="4172755" cy="257577"/>
-          </a:xfrm>
-          <a:prstGeom prst="ellipse">
+            <a:off x="4159875" y="2550017"/>
+            <a:ext cx="2421228" cy="2279561"/>
+          </a:xfrm>
+          <a:prstGeom prst="cube">
             <a:avLst/>
           </a:prstGeom>
         </p:spPr>
@@ -9137,68 +9553,25 @@
           </a:p>
         </p:txBody>
       </p:sp>
-      <p:sp>
-        <p:nvSpPr>
-          <p:cNvPr id="6" name="Oval 5"/>
-          <p:cNvSpPr/>
-          <p:nvPr/>
-        </p:nvSpPr>
-        <p:spPr>
-          <a:xfrm>
-            <a:off x="3065172" y="3088784"/>
-            <a:ext cx="4172755" cy="257577"/>
-          </a:xfrm>
-          <a:prstGeom prst="ellipse">
-            <a:avLst/>
-          </a:prstGeom>
-        </p:spPr>
-        <p:style>
-          <a:lnRef idx="2">
-            <a:schemeClr val="accent1">
-              <a:shade val="50000"/>
-            </a:schemeClr>
-          </a:lnRef>
-          <a:fillRef idx="1">
-            <a:schemeClr val="accent1"/>
-          </a:fillRef>
-          <a:effectRef idx="0">
-            <a:schemeClr val="accent1"/>
-          </a:effectRef>
-          <a:fontRef idx="minor">
-            <a:schemeClr val="lt1"/>
-          </a:fontRef>
-        </p:style>
-        <p:txBody>
-          <a:bodyPr rtlCol="0" anchor="ctr"/>
-          <a:lstStyle/>
-          <a:p>
-            <a:pPr algn="ctr"/>
-            <a:endParaRPr lang="es-ES"/>
-          </a:p>
-        </p:txBody>
-      </p:sp>
       <p:cxnSp>
         <p:nvCxnSpPr>
-          <p:cNvPr id="10" name="Straight Connector 9"/>
-          <p:cNvCxnSpPr>
-            <a:stCxn id="4" idx="6"/>
-            <a:endCxn id="6" idx="6"/>
-          </p:cNvCxnSpPr>
+          <p:cNvPr id="7" name="Straight Arrow Connector 6"/>
+          <p:cNvCxnSpPr/>
           <p:nvPr/>
         </p:nvCxnSpPr>
         <p:spPr>
-          <a:xfrm>
-            <a:off x="7237927" y="2678806"/>
-            <a:ext cx="0" cy="538767"/>
-          </a:xfrm>
-          <a:prstGeom prst="line">
+          <a:xfrm flipV="1">
+            <a:off x="5370490" y="1120462"/>
+            <a:ext cx="0" cy="2859110"/>
+          </a:xfrm>
+          <a:prstGeom prst="straightConnector1">
             <a:avLst/>
           </a:prstGeom>
           <a:ln w="38100">
             <a:solidFill>
-              <a:srgbClr val="7030A0"/>
+              <a:schemeClr val="tx1"/>
             </a:solidFill>
-            <a:prstDash val="sysDash"/>
+            <a:tailEnd type="triangle"/>
           </a:ln>
         </p:spPr>
         <p:style>
@@ -9218,23 +9591,21 @@
       </p:cxnSp>
       <p:cxnSp>
         <p:nvCxnSpPr>
-          <p:cNvPr id="12" name="Straight Arrow Connector 11"/>
-          <p:cNvCxnSpPr>
-            <a:endCxn id="4" idx="6"/>
-          </p:cNvCxnSpPr>
+          <p:cNvPr id="8" name="Straight Arrow Connector 7"/>
+          <p:cNvCxnSpPr/>
           <p:nvPr/>
         </p:nvCxnSpPr>
         <p:spPr>
-          <a:xfrm>
-            <a:off x="5151549" y="2678805"/>
-            <a:ext cx="2086378" cy="1"/>
+          <a:xfrm flipV="1">
+            <a:off x="5370490" y="3979572"/>
+            <a:ext cx="2966434" cy="2"/>
           </a:xfrm>
           <a:prstGeom prst="straightConnector1">
             <a:avLst/>
           </a:prstGeom>
           <a:ln w="38100">
             <a:solidFill>
-              <a:srgbClr val="FF0000"/>
+              <a:schemeClr val="tx1"/>
             </a:solidFill>
             <a:tailEnd type="triangle"/>
           </a:ln>
@@ -9257,7 +9628,7 @@
     </p:spTree>
     <p:extLst>
       <p:ext uri="{BB962C8B-B14F-4D97-AF65-F5344CB8AC3E}">
-        <p14:creationId xmlns:p14="http://schemas.microsoft.com/office/powerpoint/2010/main" val="1345580042"/>
+        <p14:creationId xmlns:p14="http://schemas.microsoft.com/office/powerpoint/2010/main" val="640070791"/>
       </p:ext>
     </p:extLst>
   </p:cSld>
@@ -9286,16 +9657,16 @@
       </p:grpSpPr>
       <p:sp>
         <p:nvSpPr>
-          <p:cNvPr id="2" name="Rectangle 1"/>
+          <p:cNvPr id="4" name="Oval 3"/>
           <p:cNvSpPr/>
           <p:nvPr/>
         </p:nvSpPr>
         <p:spPr>
           <a:xfrm>
-            <a:off x="4178105" y="1906172"/>
-            <a:ext cx="1709224" cy="2173459"/>
-          </a:xfrm>
-          <a:prstGeom prst="rect">
+            <a:off x="3065172" y="2550017"/>
+            <a:ext cx="4172755" cy="257577"/>
+          </a:xfrm>
+          <a:prstGeom prst="ellipse">
             <a:avLst/>
           </a:prstGeom>
         </p:spPr>
@@ -9326,26 +9697,18 @@
       </p:sp>
       <p:sp>
         <p:nvSpPr>
-          <p:cNvPr id="3" name="Rectangle 2"/>
+          <p:cNvPr id="6" name="Oval 5"/>
           <p:cNvSpPr/>
           <p:nvPr/>
         </p:nvSpPr>
         <p:spPr>
           <a:xfrm>
-            <a:off x="5887329" y="3003452"/>
-            <a:ext cx="1209822" cy="1076179"/>
-          </a:xfrm>
-          <a:prstGeom prst="rect">
-            <a:avLst/>
-          </a:prstGeom>
-          <a:solidFill>
-            <a:srgbClr val="00B050"/>
-          </a:solidFill>
-          <a:ln>
-            <a:solidFill>
-              <a:srgbClr val="00B050"/>
-            </a:solidFill>
-          </a:ln>
+            <a:off x="3065172" y="3088784"/>
+            <a:ext cx="4172755" cy="257577"/>
+          </a:xfrm>
+          <a:prstGeom prst="ellipse">
+            <a:avLst/>
+          </a:prstGeom>
         </p:spPr>
         <p:style>
           <a:lnRef idx="2">
@@ -9374,26 +9737,26 @@
       </p:sp>
       <p:cxnSp>
         <p:nvCxnSpPr>
-          <p:cNvPr id="5" name="Straight Arrow Connector 4"/>
-          <p:cNvCxnSpPr/>
+          <p:cNvPr id="10" name="Straight Connector 9"/>
+          <p:cNvCxnSpPr>
+            <a:stCxn id="4" idx="6"/>
+            <a:endCxn id="6" idx="6"/>
+          </p:cNvCxnSpPr>
           <p:nvPr/>
         </p:nvCxnSpPr>
         <p:spPr>
-          <a:xfrm flipV="1">
-            <a:off x="4169459" y="4079631"/>
-            <a:ext cx="1717870" cy="2931"/>
-          </a:xfrm>
-          <a:prstGeom prst="straightConnector1">
-            <a:avLst/>
-          </a:prstGeom>
-          <a:ln w="28575">
+          <a:xfrm>
+            <a:off x="7237927" y="2678806"/>
+            <a:ext cx="0" cy="538767"/>
+          </a:xfrm>
+          <a:prstGeom prst="line">
+            <a:avLst/>
+          </a:prstGeom>
+          <a:ln w="38100">
             <a:solidFill>
-              <a:schemeClr val="tx1">
-                <a:lumMod val="95000"/>
-                <a:lumOff val="5000"/>
-              </a:schemeClr>
+              <a:srgbClr val="7030A0"/>
             </a:solidFill>
-            <a:tailEnd type="triangle"/>
+            <a:prstDash val="sysDash"/>
           </a:ln>
         </p:spPr>
         <p:style>
@@ -9413,58 +9776,21 @@
       </p:cxnSp>
       <p:cxnSp>
         <p:nvCxnSpPr>
-          <p:cNvPr id="6" name="Straight Arrow Connector 5"/>
-          <p:cNvCxnSpPr/>
+          <p:cNvPr id="12" name="Straight Arrow Connector 11"/>
+          <p:cNvCxnSpPr>
+            <a:endCxn id="4" idx="6"/>
+          </p:cNvCxnSpPr>
           <p:nvPr/>
         </p:nvCxnSpPr>
         <p:spPr>
-          <a:xfrm flipV="1">
-            <a:off x="4169459" y="2831123"/>
-            <a:ext cx="0" cy="1248508"/>
+          <a:xfrm>
+            <a:off x="5151549" y="2678805"/>
+            <a:ext cx="2086378" cy="1"/>
           </a:xfrm>
           <a:prstGeom prst="straightConnector1">
             <a:avLst/>
           </a:prstGeom>
-          <a:ln w="28575">
-            <a:solidFill>
-              <a:schemeClr val="tx1">
-                <a:lumMod val="95000"/>
-                <a:lumOff val="5000"/>
-              </a:schemeClr>
-            </a:solidFill>
-            <a:tailEnd type="triangle"/>
-          </a:ln>
-        </p:spPr>
-        <p:style>
-          <a:lnRef idx="1">
-            <a:schemeClr val="accent1"/>
-          </a:lnRef>
-          <a:fillRef idx="0">
-            <a:schemeClr val="accent1"/>
-          </a:fillRef>
-          <a:effectRef idx="0">
-            <a:schemeClr val="accent1"/>
-          </a:effectRef>
-          <a:fontRef idx="minor">
-            <a:schemeClr val="tx1"/>
-          </a:fontRef>
-        </p:style>
-      </p:cxnSp>
-      <p:cxnSp>
-        <p:nvCxnSpPr>
-          <p:cNvPr id="11" name="Straight Arrow Connector 10"/>
-          <p:cNvCxnSpPr/>
-          <p:nvPr/>
-        </p:nvCxnSpPr>
-        <p:spPr>
-          <a:xfrm flipV="1">
-            <a:off x="5887329" y="2843579"/>
-            <a:ext cx="0" cy="1248508"/>
-          </a:xfrm>
-          <a:prstGeom prst="straightConnector1">
-            <a:avLst/>
-          </a:prstGeom>
-          <a:ln w="28575">
+          <a:ln w="38100">
             <a:solidFill>
               <a:srgbClr val="FF0000"/>
             </a:solidFill>
@@ -9486,134 +9812,10 @@
           </a:fontRef>
         </p:style>
       </p:cxnSp>
-      <p:cxnSp>
-        <p:nvCxnSpPr>
-          <p:cNvPr id="12" name="Straight Arrow Connector 11"/>
-          <p:cNvCxnSpPr/>
-          <p:nvPr/>
-        </p:nvCxnSpPr>
-        <p:spPr>
-          <a:xfrm>
-            <a:off x="5887329" y="4092087"/>
-            <a:ext cx="1631852" cy="0"/>
-          </a:xfrm>
-          <a:prstGeom prst="straightConnector1">
-            <a:avLst/>
-          </a:prstGeom>
-          <a:ln w="28575">
-            <a:solidFill>
-              <a:srgbClr val="FF0000"/>
-            </a:solidFill>
-            <a:tailEnd type="triangle"/>
-          </a:ln>
-        </p:spPr>
-        <p:style>
-          <a:lnRef idx="1">
-            <a:schemeClr val="accent1"/>
-          </a:lnRef>
-          <a:fillRef idx="0">
-            <a:schemeClr val="accent1"/>
-          </a:fillRef>
-          <a:effectRef idx="0">
-            <a:schemeClr val="accent1"/>
-          </a:effectRef>
-          <a:fontRef idx="minor">
-            <a:schemeClr val="tx1"/>
-          </a:fontRef>
-        </p:style>
-      </p:cxnSp>
-      <p:sp>
-        <p:nvSpPr>
-          <p:cNvPr id="8" name="Rectangle 7"/>
-          <p:cNvSpPr/>
-          <p:nvPr/>
-        </p:nvSpPr>
-        <p:spPr>
-          <a:xfrm>
-            <a:off x="1587305" y="4338132"/>
-            <a:ext cx="1709224" cy="2173459"/>
-          </a:xfrm>
-          <a:prstGeom prst="rect">
-            <a:avLst/>
-          </a:prstGeom>
-        </p:spPr>
-        <p:style>
-          <a:lnRef idx="2">
-            <a:schemeClr val="accent1">
-              <a:shade val="50000"/>
-            </a:schemeClr>
-          </a:lnRef>
-          <a:fillRef idx="1">
-            <a:schemeClr val="accent1"/>
-          </a:fillRef>
-          <a:effectRef idx="0">
-            <a:schemeClr val="accent1"/>
-          </a:effectRef>
-          <a:fontRef idx="minor">
-            <a:schemeClr val="lt1"/>
-          </a:fontRef>
-        </p:style>
-        <p:txBody>
-          <a:bodyPr rtlCol="0" anchor="ctr"/>
-          <a:lstStyle/>
-          <a:p>
-            <a:pPr algn="ctr"/>
-            <a:endParaRPr lang="es-ES"/>
-          </a:p>
-        </p:txBody>
-      </p:sp>
-      <p:sp>
-        <p:nvSpPr>
-          <p:cNvPr id="9" name="Rectangle 8"/>
-          <p:cNvSpPr/>
-          <p:nvPr/>
-        </p:nvSpPr>
-        <p:spPr>
-          <a:xfrm>
-            <a:off x="3296529" y="5435412"/>
-            <a:ext cx="1209822" cy="1076179"/>
-          </a:xfrm>
-          <a:prstGeom prst="rect">
-            <a:avLst/>
-          </a:prstGeom>
-          <a:solidFill>
-            <a:srgbClr val="00B050"/>
-          </a:solidFill>
-          <a:ln>
-            <a:solidFill>
-              <a:srgbClr val="00B050"/>
-            </a:solidFill>
-          </a:ln>
-        </p:spPr>
-        <p:style>
-          <a:lnRef idx="2">
-            <a:schemeClr val="accent1">
-              <a:shade val="50000"/>
-            </a:schemeClr>
-          </a:lnRef>
-          <a:fillRef idx="1">
-            <a:schemeClr val="accent1"/>
-          </a:fillRef>
-          <a:effectRef idx="0">
-            <a:schemeClr val="accent1"/>
-          </a:effectRef>
-          <a:fontRef idx="minor">
-            <a:schemeClr val="lt1"/>
-          </a:fontRef>
-        </p:style>
-        <p:txBody>
-          <a:bodyPr rtlCol="0" anchor="ctr"/>
-          <a:lstStyle/>
-          <a:p>
-            <a:pPr algn="ctr"/>
-            <a:endParaRPr lang="es-ES"/>
-          </a:p>
-        </p:txBody>
-      </p:sp>
     </p:spTree>
     <p:extLst>
       <p:ext uri="{BB962C8B-B14F-4D97-AF65-F5344CB8AC3E}">
-        <p14:creationId xmlns:p14="http://schemas.microsoft.com/office/powerpoint/2010/main" val="134641596"/>
+        <p14:creationId xmlns:p14="http://schemas.microsoft.com/office/powerpoint/2010/main" val="1345580042"/>
       </p:ext>
     </p:extLst>
   </p:cSld>
